--- a/presentation.pptx
+++ b/presentation.pptx
@@ -111,6 +111,11 @@
       </a:defRPr>
     </a:lvl9pPr>
   </p:defaultTextStyle>
+  <p:extLst>
+    <p:ext uri="{EFAFB233-063F-42B5-8137-9DF3F51BA10A}">
+      <p15:sldGuideLst xmlns:p15="http://schemas.microsoft.com/office/powerpoint/2012/main"/>
+    </p:ext>
+  </p:extLst>
 </p:presentation>
 </file>
 
@@ -263,7 +268,7 @@
           <a:p>
             <a:fld id="{DAC3D4ED-3C75-FF4C-8361-3A09E961A00F}" type="datetimeFigureOut">
               <a:rPr lang="en-BG" smtClean="0"/>
-              <a:t>13.02.24</a:t>
+              <a:t>02/13/2024</a:t>
             </a:fld>
             <a:endParaRPr lang="en-BG"/>
           </a:p>
@@ -463,7 +468,7 @@
           <a:p>
             <a:fld id="{DAC3D4ED-3C75-FF4C-8361-3A09E961A00F}" type="datetimeFigureOut">
               <a:rPr lang="en-BG" smtClean="0"/>
-              <a:t>13.02.24</a:t>
+              <a:t>02/13/2024</a:t>
             </a:fld>
             <a:endParaRPr lang="en-BG"/>
           </a:p>
@@ -673,7 +678,7 @@
           <a:p>
             <a:fld id="{DAC3D4ED-3C75-FF4C-8361-3A09E961A00F}" type="datetimeFigureOut">
               <a:rPr lang="en-BG" smtClean="0"/>
-              <a:t>13.02.24</a:t>
+              <a:t>02/13/2024</a:t>
             </a:fld>
             <a:endParaRPr lang="en-BG"/>
           </a:p>
@@ -873,7 +878,7 @@
           <a:p>
             <a:fld id="{DAC3D4ED-3C75-FF4C-8361-3A09E961A00F}" type="datetimeFigureOut">
               <a:rPr lang="en-BG" smtClean="0"/>
-              <a:t>13.02.24</a:t>
+              <a:t>02/13/2024</a:t>
             </a:fld>
             <a:endParaRPr lang="en-BG"/>
           </a:p>
@@ -1149,7 +1154,7 @@
           <a:p>
             <a:fld id="{DAC3D4ED-3C75-FF4C-8361-3A09E961A00F}" type="datetimeFigureOut">
               <a:rPr lang="en-BG" smtClean="0"/>
-              <a:t>13.02.24</a:t>
+              <a:t>02/13/2024</a:t>
             </a:fld>
             <a:endParaRPr lang="en-BG"/>
           </a:p>
@@ -1417,7 +1422,7 @@
           <a:p>
             <a:fld id="{DAC3D4ED-3C75-FF4C-8361-3A09E961A00F}" type="datetimeFigureOut">
               <a:rPr lang="en-BG" smtClean="0"/>
-              <a:t>13.02.24</a:t>
+              <a:t>02/13/2024</a:t>
             </a:fld>
             <a:endParaRPr lang="en-BG"/>
           </a:p>
@@ -1832,7 +1837,7 @@
           <a:p>
             <a:fld id="{DAC3D4ED-3C75-FF4C-8361-3A09E961A00F}" type="datetimeFigureOut">
               <a:rPr lang="en-BG" smtClean="0"/>
-              <a:t>13.02.24</a:t>
+              <a:t>02/13/2024</a:t>
             </a:fld>
             <a:endParaRPr lang="en-BG"/>
           </a:p>
@@ -1974,7 +1979,7 @@
           <a:p>
             <a:fld id="{DAC3D4ED-3C75-FF4C-8361-3A09E961A00F}" type="datetimeFigureOut">
               <a:rPr lang="en-BG" smtClean="0"/>
-              <a:t>13.02.24</a:t>
+              <a:t>02/13/2024</a:t>
             </a:fld>
             <a:endParaRPr lang="en-BG"/>
           </a:p>
@@ -2087,7 +2092,7 @@
           <a:p>
             <a:fld id="{DAC3D4ED-3C75-FF4C-8361-3A09E961A00F}" type="datetimeFigureOut">
               <a:rPr lang="en-BG" smtClean="0"/>
-              <a:t>13.02.24</a:t>
+              <a:t>02/13/2024</a:t>
             </a:fld>
             <a:endParaRPr lang="en-BG"/>
           </a:p>
@@ -2400,7 +2405,7 @@
           <a:p>
             <a:fld id="{DAC3D4ED-3C75-FF4C-8361-3A09E961A00F}" type="datetimeFigureOut">
               <a:rPr lang="en-BG" smtClean="0"/>
-              <a:t>13.02.24</a:t>
+              <a:t>02/13/2024</a:t>
             </a:fld>
             <a:endParaRPr lang="en-BG"/>
           </a:p>
@@ -2689,7 +2694,7 @@
           <a:p>
             <a:fld id="{DAC3D4ED-3C75-FF4C-8361-3A09E961A00F}" type="datetimeFigureOut">
               <a:rPr lang="en-BG" smtClean="0"/>
-              <a:t>13.02.24</a:t>
+              <a:t>02/13/2024</a:t>
             </a:fld>
             <a:endParaRPr lang="en-BG"/>
           </a:p>
@@ -2932,7 +2937,7 @@
           <a:p>
             <a:fld id="{DAC3D4ED-3C75-FF4C-8361-3A09E961A00F}" type="datetimeFigureOut">
               <a:rPr lang="en-BG" smtClean="0"/>
-              <a:t>13.02.24</a:t>
+              <a:t>02/13/2024</a:t>
             </a:fld>
             <a:endParaRPr lang="en-BG"/>
           </a:p>
@@ -3335,6 +3340,14 @@
 <file path=ppt/slides/slide1.xml><?xml version="1.0" encoding="utf-8"?>
 <p:sld xmlns:a="http://schemas.openxmlformats.org/drawingml/2006/main" xmlns:r="http://schemas.openxmlformats.org/officeDocument/2006/relationships" xmlns:p="http://schemas.openxmlformats.org/presentationml/2006/main">
   <p:cSld>
+    <p:bg>
+      <p:bgPr>
+        <a:solidFill>
+          <a:schemeClr val="bg1"/>
+        </a:solidFill>
+        <a:effectLst/>
+      </p:bgPr>
+    </p:bg>
     <p:spTree>
       <p:nvGrpSpPr>
         <p:cNvPr id="1" name=""/>
@@ -3349,6 +3362,261 @@
           <a:chExt cx="0" cy="0"/>
         </a:xfrm>
       </p:grpSpPr>
+      <p:sp useBgFill="1">
+        <p:nvSpPr>
+          <p:cNvPr id="8" name="Rectangle 7">
+            <a:extLst>
+              <a:ext uri="{FF2B5EF4-FFF2-40B4-BE49-F238E27FC236}">
+                <a16:creationId xmlns:a16="http://schemas.microsoft.com/office/drawing/2014/main" id="{D278ADA9-6383-4BDD-80D2-8899A402687B}"/>
+              </a:ext>
+              <a:ext uri="{C183D7F6-B498-43B3-948B-1728B52AA6E4}">
+                <adec:decorative xmlns:adec="http://schemas.microsoft.com/office/drawing/2017/decorative" val="1"/>
+              </a:ext>
+            </a:extLst>
+          </p:cNvPr>
+          <p:cNvSpPr>
+            <a:spLocks noGrp="1" noRot="1" noChangeAspect="1" noMove="1" noResize="1" noEditPoints="1" noAdjustHandles="1" noChangeArrowheads="1" noChangeShapeType="1" noTextEdit="1"/>
+          </p:cNvSpPr>
+          <p:nvPr>
+            <p:extLst>
+              <p:ext uri="{386F3935-93C4-4BCD-93E2-E3B085C9AB24}">
+                <p16:designElem xmlns:p16="http://schemas.microsoft.com/office/powerpoint/2015/main" val="1"/>
+              </p:ext>
+            </p:extLst>
+          </p:nvPr>
+        </p:nvSpPr>
+        <p:spPr>
+          <a:xfrm>
+            <a:off x="3048" y="0"/>
+            <a:ext cx="12188952" cy="6858000"/>
+          </a:xfrm>
+          <a:prstGeom prst="rect">
+            <a:avLst/>
+          </a:prstGeom>
+          <a:ln>
+            <a:noFill/>
+          </a:ln>
+        </p:spPr>
+        <p:style>
+          <a:lnRef idx="2">
+            <a:schemeClr val="accent1">
+              <a:shade val="50000"/>
+            </a:schemeClr>
+          </a:lnRef>
+          <a:fillRef idx="1">
+            <a:schemeClr val="accent1"/>
+          </a:fillRef>
+          <a:effectRef idx="0">
+            <a:schemeClr val="accent1"/>
+          </a:effectRef>
+          <a:fontRef idx="minor">
+            <a:schemeClr val="lt1"/>
+          </a:fontRef>
+        </p:style>
+        <p:txBody>
+          <a:bodyPr rtlCol="0" anchor="ctr"/>
+          <a:lstStyle/>
+          <a:p>
+            <a:pPr algn="ctr"/>
+            <a:endParaRPr lang="en-US"/>
+          </a:p>
+        </p:txBody>
+      </p:sp>
+      <p:sp>
+        <p:nvSpPr>
+          <p:cNvPr id="10" name="Rectangle 9">
+            <a:extLst>
+              <a:ext uri="{FF2B5EF4-FFF2-40B4-BE49-F238E27FC236}">
+                <a16:creationId xmlns:a16="http://schemas.microsoft.com/office/drawing/2014/main" id="{484B7147-B0F6-40ED-B5A2-FF72BC8198B6}"/>
+              </a:ext>
+              <a:ext uri="{C183D7F6-B498-43B3-948B-1728B52AA6E4}">
+                <adec:decorative xmlns:adec="http://schemas.microsoft.com/office/drawing/2017/decorative" val="1"/>
+              </a:ext>
+            </a:extLst>
+          </p:cNvPr>
+          <p:cNvSpPr>
+            <a:spLocks noGrp="1" noRot="1" noChangeAspect="1" noMove="1" noResize="1" noEditPoints="1" noAdjustHandles="1" noChangeArrowheads="1" noChangeShapeType="1" noTextEdit="1"/>
+          </p:cNvSpPr>
+          <p:nvPr>
+            <p:extLst>
+              <p:ext uri="{386F3935-93C4-4BCD-93E2-E3B085C9AB24}">
+                <p16:designElem xmlns:p16="http://schemas.microsoft.com/office/powerpoint/2015/main" val="1"/>
+              </p:ext>
+            </p:extLst>
+          </p:nvPr>
+        </p:nvSpPr>
+        <p:spPr>
+          <a:xfrm>
+            <a:off x="0" y="0"/>
+            <a:ext cx="12192000" cy="6858000"/>
+          </a:xfrm>
+          <a:prstGeom prst="rect">
+            <a:avLst/>
+          </a:prstGeom>
+          <a:solidFill>
+            <a:schemeClr val="accent2"/>
+          </a:solidFill>
+          <a:ln>
+            <a:noFill/>
+          </a:ln>
+        </p:spPr>
+        <p:style>
+          <a:lnRef idx="2">
+            <a:schemeClr val="accent1">
+              <a:shade val="50000"/>
+            </a:schemeClr>
+          </a:lnRef>
+          <a:fillRef idx="1">
+            <a:schemeClr val="accent1"/>
+          </a:fillRef>
+          <a:effectRef idx="0">
+            <a:schemeClr val="accent1"/>
+          </a:effectRef>
+          <a:fontRef idx="minor">
+            <a:schemeClr val="lt1"/>
+          </a:fontRef>
+        </p:style>
+        <p:txBody>
+          <a:bodyPr rtlCol="0" anchor="ctr"/>
+          <a:lstStyle/>
+          <a:p>
+            <a:pPr algn="ctr"/>
+            <a:endParaRPr lang="en-US">
+              <a:solidFill>
+                <a:schemeClr val="tx1"/>
+              </a:solidFill>
+            </a:endParaRPr>
+          </a:p>
+        </p:txBody>
+      </p:sp>
+      <p:sp>
+        <p:nvSpPr>
+          <p:cNvPr id="12" name="Rectangle 11">
+            <a:extLst>
+              <a:ext uri="{FF2B5EF4-FFF2-40B4-BE49-F238E27FC236}">
+                <a16:creationId xmlns:a16="http://schemas.microsoft.com/office/drawing/2014/main" id="{B36D2DE0-0628-4A9A-A59D-7BA8B5EB3022}"/>
+              </a:ext>
+              <a:ext uri="{C183D7F6-B498-43B3-948B-1728B52AA6E4}">
+                <adec:decorative xmlns:adec="http://schemas.microsoft.com/office/drawing/2017/decorative" val="1"/>
+              </a:ext>
+            </a:extLst>
+          </p:cNvPr>
+          <p:cNvSpPr>
+            <a:spLocks noGrp="1" noRot="1" noChangeAspect="1" noMove="1" noResize="1" noEditPoints="1" noAdjustHandles="1" noChangeArrowheads="1" noChangeShapeType="1" noTextEdit="1"/>
+          </p:cNvSpPr>
+          <p:nvPr>
+            <p:extLst>
+              <p:ext uri="{386F3935-93C4-4BCD-93E2-E3B085C9AB24}">
+                <p16:designElem xmlns:p16="http://schemas.microsoft.com/office/powerpoint/2015/main" val="1"/>
+              </p:ext>
+            </p:extLst>
+          </p:nvPr>
+        </p:nvSpPr>
+        <p:spPr>
+          <a:xfrm>
+            <a:off x="0" y="0"/>
+            <a:ext cx="12192000" cy="6858000"/>
+          </a:xfrm>
+          <a:prstGeom prst="rect">
+            <a:avLst/>
+          </a:prstGeom>
+          <a:noFill/>
+          <a:ln>
+            <a:noFill/>
+          </a:ln>
+        </p:spPr>
+        <p:style>
+          <a:lnRef idx="2">
+            <a:schemeClr val="accent1">
+              <a:shade val="50000"/>
+            </a:schemeClr>
+          </a:lnRef>
+          <a:fillRef idx="1">
+            <a:schemeClr val="accent1"/>
+          </a:fillRef>
+          <a:effectRef idx="0">
+            <a:schemeClr val="accent1"/>
+          </a:effectRef>
+          <a:fontRef idx="minor">
+            <a:schemeClr val="lt1"/>
+          </a:fontRef>
+        </p:style>
+        <p:txBody>
+          <a:bodyPr rtlCol="0" anchor="ctr"/>
+          <a:lstStyle/>
+          <a:p>
+            <a:pPr algn="ctr"/>
+            <a:endParaRPr lang="en-US"/>
+          </a:p>
+        </p:txBody>
+      </p:sp>
+      <p:sp>
+        <p:nvSpPr>
+          <p:cNvPr id="14" name="Oval 13">
+            <a:extLst>
+              <a:ext uri="{FF2B5EF4-FFF2-40B4-BE49-F238E27FC236}">
+                <a16:creationId xmlns:a16="http://schemas.microsoft.com/office/drawing/2014/main" id="{48E405C9-94BE-41DA-928C-DEC9A8550E9F}"/>
+              </a:ext>
+              <a:ext uri="{C183D7F6-B498-43B3-948B-1728B52AA6E4}">
+                <adec:decorative xmlns:adec="http://schemas.microsoft.com/office/drawing/2017/decorative" val="1"/>
+              </a:ext>
+            </a:extLst>
+          </p:cNvPr>
+          <p:cNvSpPr>
+            <a:spLocks noGrp="1" noRot="1" noChangeAspect="1" noMove="1" noResize="1" noEditPoints="1" noAdjustHandles="1" noChangeArrowheads="1" noChangeShapeType="1" noTextEdit="1"/>
+          </p:cNvSpPr>
+          <p:nvPr>
+            <p:extLst>
+              <p:ext uri="{386F3935-93C4-4BCD-93E2-E3B085C9AB24}">
+                <p16:designElem xmlns:p16="http://schemas.microsoft.com/office/powerpoint/2015/main" val="1"/>
+              </p:ext>
+            </p:extLst>
+          </p:nvPr>
+        </p:nvSpPr>
+        <p:spPr>
+          <a:xfrm>
+            <a:off x="2815929" y="148929"/>
+            <a:ext cx="6560142" cy="6560142"/>
+          </a:xfrm>
+          <a:prstGeom prst="ellipse">
+            <a:avLst/>
+          </a:prstGeom>
+          <a:solidFill>
+            <a:schemeClr val="bg1"/>
+          </a:solidFill>
+          <a:ln>
+            <a:noFill/>
+          </a:ln>
+        </p:spPr>
+        <p:style>
+          <a:lnRef idx="2">
+            <a:schemeClr val="accent1">
+              <a:shade val="50000"/>
+            </a:schemeClr>
+          </a:lnRef>
+          <a:fillRef idx="1">
+            <a:schemeClr val="accent1"/>
+          </a:fillRef>
+          <a:effectRef idx="0">
+            <a:schemeClr val="accent1"/>
+          </a:effectRef>
+          <a:fontRef idx="minor">
+            <a:schemeClr val="lt1"/>
+          </a:fontRef>
+        </p:style>
+        <p:txBody>
+          <a:bodyPr rtlCol="0" anchor="ctr"/>
+          <a:lstStyle/>
+          <a:p>
+            <a:pPr algn="ctr"/>
+            <a:endParaRPr lang="en-US">
+              <a:solidFill>
+                <a:schemeClr val="bg1"/>
+              </a:solidFill>
+            </a:endParaRPr>
+          </a:p>
+        </p:txBody>
+      </p:sp>
       <p:sp>
         <p:nvSpPr>
           <p:cNvPr id="2" name="Title 1">
@@ -3365,9 +3633,16 @@
             <p:ph type="ctrTitle"/>
           </p:nvPr>
         </p:nvSpPr>
-        <p:spPr/>
-        <p:txBody>
-          <a:bodyPr/>
+        <p:spPr>
+          <a:xfrm>
+            <a:off x="3315031" y="1380754"/>
+            <a:ext cx="5561938" cy="2513516"/>
+          </a:xfrm>
+        </p:spPr>
+        <p:txBody>
+          <a:bodyPr>
+            <a:normAutofit/>
+          </a:bodyPr>
           <a:lstStyle/>
           <a:p>
             <a:r>
@@ -3398,9 +3673,16 @@
             <p:ph type="subTitle" idx="1"/>
           </p:nvPr>
         </p:nvSpPr>
-        <p:spPr/>
-        <p:txBody>
-          <a:bodyPr/>
+        <p:spPr>
+          <a:xfrm>
+            <a:off x="3315031" y="4076802"/>
+            <a:ext cx="5561938" cy="1534587"/>
+          </a:xfrm>
+        </p:spPr>
+        <p:txBody>
+          <a:bodyPr>
+            <a:normAutofit/>
+          </a:bodyPr>
           <a:lstStyle/>
           <a:p>
             <a:r>
@@ -3416,6 +3698,135 @@
               <a:t>82167</a:t>
             </a:r>
             <a:endParaRPr lang="en-BG" dirty="0"/>
+          </a:p>
+        </p:txBody>
+      </p:sp>
+      <p:sp>
+        <p:nvSpPr>
+          <p:cNvPr id="16" name="Arc 15">
+            <a:extLst>
+              <a:ext uri="{FF2B5EF4-FFF2-40B4-BE49-F238E27FC236}">
+                <a16:creationId xmlns:a16="http://schemas.microsoft.com/office/drawing/2014/main" id="{D2091A72-D5BB-42AC-8FD3-F7747D90861E}"/>
+              </a:ext>
+              <a:ext uri="{C183D7F6-B498-43B3-948B-1728B52AA6E4}">
+                <adec:decorative xmlns:adec="http://schemas.microsoft.com/office/drawing/2017/decorative" val="1"/>
+              </a:ext>
+            </a:extLst>
+          </p:cNvPr>
+          <p:cNvSpPr>
+            <a:spLocks noGrp="1" noRot="1" noChangeAspect="1" noMove="1" noResize="1" noEditPoints="1" noAdjustHandles="1" noChangeArrowheads="1" noChangeShapeType="1" noTextEdit="1"/>
+          </p:cNvSpPr>
+          <p:nvPr>
+            <p:extLst>
+              <p:ext uri="{386F3935-93C4-4BCD-93E2-E3B085C9AB24}">
+                <p16:designElem xmlns:p16="http://schemas.microsoft.com/office/powerpoint/2015/main" val="1"/>
+              </p:ext>
+            </p:extLst>
+          </p:nvPr>
+        </p:nvSpPr>
+        <p:spPr>
+          <a:xfrm rot="9222429" flipV="1">
+            <a:off x="2494119" y="6170"/>
+            <a:ext cx="6816262" cy="6816262"/>
+          </a:xfrm>
+          <a:prstGeom prst="arc">
+            <a:avLst>
+              <a:gd name="adj1" fmla="val 16200000"/>
+              <a:gd name="adj2" fmla="val 20093138"/>
+            </a:avLst>
+          </a:prstGeom>
+          <a:ln w="127000" cap="rnd">
+            <a:solidFill>
+              <a:schemeClr val="accent4">
+                <a:alpha val="95000"/>
+              </a:schemeClr>
+            </a:solidFill>
+            <a:prstDash val="dash"/>
+          </a:ln>
+        </p:spPr>
+        <p:style>
+          <a:lnRef idx="1">
+            <a:schemeClr val="accent1"/>
+          </a:lnRef>
+          <a:fillRef idx="0">
+            <a:schemeClr val="accent1"/>
+          </a:fillRef>
+          <a:effectRef idx="0">
+            <a:schemeClr val="accent1"/>
+          </a:effectRef>
+          <a:fontRef idx="minor">
+            <a:schemeClr val="tx1"/>
+          </a:fontRef>
+        </p:style>
+        <p:txBody>
+          <a:bodyPr rtlCol="0" anchor="ctr"/>
+          <a:lstStyle/>
+          <a:p>
+            <a:pPr algn="ctr"/>
+            <a:endParaRPr lang="en-US" dirty="0"/>
+          </a:p>
+        </p:txBody>
+      </p:sp>
+      <p:sp>
+        <p:nvSpPr>
+          <p:cNvPr id="18" name="Oval 17">
+            <a:extLst>
+              <a:ext uri="{FF2B5EF4-FFF2-40B4-BE49-F238E27FC236}">
+                <a16:creationId xmlns:a16="http://schemas.microsoft.com/office/drawing/2014/main" id="{6ED12BFC-A737-46AF-8411-481112D54B0C}"/>
+              </a:ext>
+              <a:ext uri="{C183D7F6-B498-43B3-948B-1728B52AA6E4}">
+                <adec:decorative xmlns:adec="http://schemas.microsoft.com/office/drawing/2017/decorative" val="1"/>
+              </a:ext>
+            </a:extLst>
+          </p:cNvPr>
+          <p:cNvSpPr>
+            <a:spLocks noGrp="1" noRot="1" noChangeAspect="1" noMove="1" noResize="1" noEditPoints="1" noAdjustHandles="1" noChangeArrowheads="1" noChangeShapeType="1" noTextEdit="1"/>
+          </p:cNvSpPr>
+          <p:nvPr>
+            <p:extLst>
+              <p:ext uri="{386F3935-93C4-4BCD-93E2-E3B085C9AB24}">
+                <p16:designElem xmlns:p16="http://schemas.microsoft.com/office/powerpoint/2015/main" val="1"/>
+              </p:ext>
+            </p:extLst>
+          </p:nvPr>
+        </p:nvSpPr>
+        <p:spPr>
+          <a:xfrm>
+            <a:off x="8200995" y="5310973"/>
+            <a:ext cx="705948" cy="686798"/>
+          </a:xfrm>
+          <a:prstGeom prst="ellipse">
+            <a:avLst/>
+          </a:prstGeom>
+          <a:solidFill>
+            <a:schemeClr val="accent5"/>
+          </a:solidFill>
+          <a:ln>
+            <a:noFill/>
+          </a:ln>
+        </p:spPr>
+        <p:style>
+          <a:lnRef idx="2">
+            <a:schemeClr val="accent1">
+              <a:shade val="50000"/>
+            </a:schemeClr>
+          </a:lnRef>
+          <a:fillRef idx="1">
+            <a:schemeClr val="accent1"/>
+          </a:fillRef>
+          <a:effectRef idx="0">
+            <a:schemeClr val="accent1"/>
+          </a:effectRef>
+          <a:fontRef idx="minor">
+            <a:schemeClr val="lt1"/>
+          </a:fontRef>
+        </p:style>
+        <p:txBody>
+          <a:bodyPr rtlCol="0" anchor="ctr"/>
+          <a:lstStyle/>
+          <a:p>
+            <a:pPr algn="ctr"/>
+            <a:endParaRPr lang="en-US"/>
           </a:p>
         </p:txBody>
       </p:sp>
@@ -3435,6 +3846,14 @@
 <file path=ppt/slides/slide2.xml><?xml version="1.0" encoding="utf-8"?>
 <p:sld xmlns:a="http://schemas.openxmlformats.org/drawingml/2006/main" xmlns:r="http://schemas.openxmlformats.org/officeDocument/2006/relationships" xmlns:p="http://schemas.openxmlformats.org/presentationml/2006/main">
   <p:cSld>
+    <p:bg>
+      <p:bgPr>
+        <a:solidFill>
+          <a:schemeClr val="bg1"/>
+        </a:solidFill>
+        <a:effectLst/>
+      </p:bgPr>
+    </p:bg>
     <p:spTree>
       <p:nvGrpSpPr>
         <p:cNvPr id="1" name=""/>
@@ -3449,6 +3868,66 @@
           <a:chExt cx="0" cy="0"/>
         </a:xfrm>
       </p:grpSpPr>
+      <p:sp useBgFill="1">
+        <p:nvSpPr>
+          <p:cNvPr id="1031" name="Rectangle 1030">
+            <a:extLst>
+              <a:ext uri="{FF2B5EF4-FFF2-40B4-BE49-F238E27FC236}">
+                <a16:creationId xmlns:a16="http://schemas.microsoft.com/office/drawing/2014/main" id="{2B97F24A-32CE-4C1C-A50D-3016B394DCFB}"/>
+              </a:ext>
+              <a:ext uri="{C183D7F6-B498-43B3-948B-1728B52AA6E4}">
+                <adec:decorative xmlns:adec="http://schemas.microsoft.com/office/drawing/2017/decorative" val="1"/>
+              </a:ext>
+            </a:extLst>
+          </p:cNvPr>
+          <p:cNvSpPr>
+            <a:spLocks noGrp="1" noRot="1" noChangeAspect="1" noMove="1" noResize="1" noEditPoints="1" noAdjustHandles="1" noChangeArrowheads="1" noChangeShapeType="1" noTextEdit="1"/>
+          </p:cNvSpPr>
+          <p:nvPr>
+            <p:extLst>
+              <p:ext uri="{386F3935-93C4-4BCD-93E2-E3B085C9AB24}">
+                <p16:designElem xmlns:p16="http://schemas.microsoft.com/office/powerpoint/2015/main" val="1"/>
+              </p:ext>
+            </p:extLst>
+          </p:nvPr>
+        </p:nvSpPr>
+        <p:spPr>
+          <a:xfrm>
+            <a:off x="0" y="0"/>
+            <a:ext cx="12192000" cy="6858000"/>
+          </a:xfrm>
+          <a:prstGeom prst="rect">
+            <a:avLst/>
+          </a:prstGeom>
+          <a:ln>
+            <a:noFill/>
+          </a:ln>
+        </p:spPr>
+        <p:style>
+          <a:lnRef idx="2">
+            <a:schemeClr val="accent1">
+              <a:shade val="50000"/>
+            </a:schemeClr>
+          </a:lnRef>
+          <a:fillRef idx="1">
+            <a:schemeClr val="accent1"/>
+          </a:fillRef>
+          <a:effectRef idx="0">
+            <a:schemeClr val="accent1"/>
+          </a:effectRef>
+          <a:fontRef idx="minor">
+            <a:schemeClr val="lt1"/>
+          </a:fontRef>
+        </p:style>
+        <p:txBody>
+          <a:bodyPr rtlCol="0" anchor="ctr"/>
+          <a:lstStyle/>
+          <a:p>
+            <a:pPr algn="ctr"/>
+            <a:endParaRPr lang="en-US"/>
+          </a:p>
+        </p:txBody>
+      </p:sp>
       <p:sp>
         <p:nvSpPr>
           <p:cNvPr id="2" name="Title 1">
@@ -3465,13 +3944,20 @@
             <p:ph type="title"/>
           </p:nvPr>
         </p:nvSpPr>
-        <p:spPr/>
-        <p:txBody>
-          <a:bodyPr/>
+        <p:spPr>
+          <a:xfrm>
+            <a:off x="630936" y="639520"/>
+            <a:ext cx="3429000" cy="1719072"/>
+          </a:xfrm>
+        </p:spPr>
+        <p:txBody>
+          <a:bodyPr anchor="b">
+            <a:normAutofit/>
+          </a:bodyPr>
           <a:lstStyle/>
           <a:p>
             <a:r>
-              <a:rPr lang="en-BG" dirty="0"/>
+              <a:rPr lang="en-BG" sz="5400"/>
               <a:t>Idea</a:t>
             </a:r>
           </a:p>
@@ -3479,6 +3965,279 @@
       </p:sp>
       <p:sp>
         <p:nvSpPr>
+          <p:cNvPr id="1033" name="sketch line">
+            <a:extLst>
+              <a:ext uri="{FF2B5EF4-FFF2-40B4-BE49-F238E27FC236}">
+                <a16:creationId xmlns:a16="http://schemas.microsoft.com/office/drawing/2014/main" id="{CD8B4F24-440B-49E9-B85D-733523DC064B}"/>
+              </a:ext>
+              <a:ext uri="{C183D7F6-B498-43B3-948B-1728B52AA6E4}">
+                <adec:decorative xmlns:adec="http://schemas.microsoft.com/office/drawing/2017/decorative" val="1"/>
+              </a:ext>
+            </a:extLst>
+          </p:cNvPr>
+          <p:cNvSpPr>
+            <a:spLocks noGrp="1" noRot="1" noChangeAspect="1" noMove="1" noResize="1" noEditPoints="1" noAdjustHandles="1" noChangeArrowheads="1" noChangeShapeType="1" noTextEdit="1"/>
+          </p:cNvSpPr>
+          <p:nvPr>
+            <p:extLst>
+              <p:ext uri="{386F3935-93C4-4BCD-93E2-E3B085C9AB24}">
+                <p16:designElem xmlns:p16="http://schemas.microsoft.com/office/powerpoint/2015/main" val="1"/>
+              </p:ext>
+            </p:extLst>
+          </p:nvPr>
+        </p:nvSpPr>
+        <p:spPr>
+          <a:xfrm>
+            <a:off x="643278" y="2573756"/>
+            <a:ext cx="3255095" cy="18288"/>
+          </a:xfrm>
+          <a:custGeom>
+            <a:avLst/>
+            <a:gdLst>
+              <a:gd name="connsiteX0" fmla="*/ 0 w 3255095"/>
+              <a:gd name="connsiteY0" fmla="*/ 0 h 18288"/>
+              <a:gd name="connsiteX1" fmla="*/ 618468 w 3255095"/>
+              <a:gd name="connsiteY1" fmla="*/ 0 h 18288"/>
+              <a:gd name="connsiteX2" fmla="*/ 1269487 w 3255095"/>
+              <a:gd name="connsiteY2" fmla="*/ 0 h 18288"/>
+              <a:gd name="connsiteX3" fmla="*/ 1953057 w 3255095"/>
+              <a:gd name="connsiteY3" fmla="*/ 0 h 18288"/>
+              <a:gd name="connsiteX4" fmla="*/ 2636627 w 3255095"/>
+              <a:gd name="connsiteY4" fmla="*/ 0 h 18288"/>
+              <a:gd name="connsiteX5" fmla="*/ 3255095 w 3255095"/>
+              <a:gd name="connsiteY5" fmla="*/ 0 h 18288"/>
+              <a:gd name="connsiteX6" fmla="*/ 3255095 w 3255095"/>
+              <a:gd name="connsiteY6" fmla="*/ 18288 h 18288"/>
+              <a:gd name="connsiteX7" fmla="*/ 2538974 w 3255095"/>
+              <a:gd name="connsiteY7" fmla="*/ 18288 h 18288"/>
+              <a:gd name="connsiteX8" fmla="*/ 1822853 w 3255095"/>
+              <a:gd name="connsiteY8" fmla="*/ 18288 h 18288"/>
+              <a:gd name="connsiteX9" fmla="*/ 1171834 w 3255095"/>
+              <a:gd name="connsiteY9" fmla="*/ 18288 h 18288"/>
+              <a:gd name="connsiteX10" fmla="*/ 0 w 3255095"/>
+              <a:gd name="connsiteY10" fmla="*/ 18288 h 18288"/>
+              <a:gd name="connsiteX11" fmla="*/ 0 w 3255095"/>
+              <a:gd name="connsiteY11" fmla="*/ 0 h 18288"/>
+            </a:gdLst>
+            <a:ahLst/>
+            <a:cxnLst>
+              <a:cxn ang="0">
+                <a:pos x="connsiteX0" y="connsiteY0"/>
+              </a:cxn>
+              <a:cxn ang="0">
+                <a:pos x="connsiteX1" y="connsiteY1"/>
+              </a:cxn>
+              <a:cxn ang="0">
+                <a:pos x="connsiteX2" y="connsiteY2"/>
+              </a:cxn>
+              <a:cxn ang="0">
+                <a:pos x="connsiteX3" y="connsiteY3"/>
+              </a:cxn>
+              <a:cxn ang="0">
+                <a:pos x="connsiteX4" y="connsiteY4"/>
+              </a:cxn>
+              <a:cxn ang="0">
+                <a:pos x="connsiteX5" y="connsiteY5"/>
+              </a:cxn>
+              <a:cxn ang="0">
+                <a:pos x="connsiteX6" y="connsiteY6"/>
+              </a:cxn>
+              <a:cxn ang="0">
+                <a:pos x="connsiteX7" y="connsiteY7"/>
+              </a:cxn>
+              <a:cxn ang="0">
+                <a:pos x="connsiteX8" y="connsiteY8"/>
+              </a:cxn>
+              <a:cxn ang="0">
+                <a:pos x="connsiteX9" y="connsiteY9"/>
+              </a:cxn>
+              <a:cxn ang="0">
+                <a:pos x="connsiteX10" y="connsiteY10"/>
+              </a:cxn>
+              <a:cxn ang="0">
+                <a:pos x="connsiteX11" y="connsiteY11"/>
+              </a:cxn>
+            </a:cxnLst>
+            <a:rect l="l" t="t" r="r" b="b"/>
+            <a:pathLst>
+              <a:path w="3255095" h="18288" fill="none" extrusionOk="0">
+                <a:moveTo>
+                  <a:pt x="0" y="0"/>
+                </a:moveTo>
+                <a:cubicBezTo>
+                  <a:pt x="240201" y="-22123"/>
+                  <a:pt x="462021" y="-19623"/>
+                  <a:pt x="618468" y="0"/>
+                </a:cubicBezTo>
+                <a:cubicBezTo>
+                  <a:pt x="774915" y="19623"/>
+                  <a:pt x="974734" y="2035"/>
+                  <a:pt x="1269487" y="0"/>
+                </a:cubicBezTo>
+                <a:cubicBezTo>
+                  <a:pt x="1564240" y="-2035"/>
+                  <a:pt x="1733579" y="10639"/>
+                  <a:pt x="1953057" y="0"/>
+                </a:cubicBezTo>
+                <a:cubicBezTo>
+                  <a:pt x="2172535" y="-10639"/>
+                  <a:pt x="2453962" y="14018"/>
+                  <a:pt x="2636627" y="0"/>
+                </a:cubicBezTo>
+                <a:cubicBezTo>
+                  <a:pt x="2819292" y="-14018"/>
+                  <a:pt x="3121375" y="5399"/>
+                  <a:pt x="3255095" y="0"/>
+                </a:cubicBezTo>
+                <a:cubicBezTo>
+                  <a:pt x="3254386" y="8157"/>
+                  <a:pt x="3254682" y="12125"/>
+                  <a:pt x="3255095" y="18288"/>
+                </a:cubicBezTo>
+                <a:cubicBezTo>
+                  <a:pt x="3088545" y="23203"/>
+                  <a:pt x="2687475" y="7419"/>
+                  <a:pt x="2538974" y="18288"/>
+                </a:cubicBezTo>
+                <a:cubicBezTo>
+                  <a:pt x="2390473" y="29157"/>
+                  <a:pt x="2137381" y="-8959"/>
+                  <a:pt x="1822853" y="18288"/>
+                </a:cubicBezTo>
+                <a:cubicBezTo>
+                  <a:pt x="1508325" y="45535"/>
+                  <a:pt x="1466437" y="20385"/>
+                  <a:pt x="1171834" y="18288"/>
+                </a:cubicBezTo>
+                <a:cubicBezTo>
+                  <a:pt x="877231" y="16191"/>
+                  <a:pt x="561097" y="37643"/>
+                  <a:pt x="0" y="18288"/>
+                </a:cubicBezTo>
+                <a:cubicBezTo>
+                  <a:pt x="-46" y="12483"/>
+                  <a:pt x="-203" y="6491"/>
+                  <a:pt x="0" y="0"/>
+                </a:cubicBezTo>
+                <a:close/>
+              </a:path>
+              <a:path w="3255095" h="18288" stroke="0" extrusionOk="0">
+                <a:moveTo>
+                  <a:pt x="0" y="0"/>
+                </a:moveTo>
+                <a:cubicBezTo>
+                  <a:pt x="291965" y="19429"/>
+                  <a:pt x="363155" y="8568"/>
+                  <a:pt x="618468" y="0"/>
+                </a:cubicBezTo>
+                <a:cubicBezTo>
+                  <a:pt x="873781" y="-8568"/>
+                  <a:pt x="904459" y="-19505"/>
+                  <a:pt x="1171834" y="0"/>
+                </a:cubicBezTo>
+                <a:cubicBezTo>
+                  <a:pt x="1439209" y="19505"/>
+                  <a:pt x="1744369" y="9790"/>
+                  <a:pt x="1887955" y="0"/>
+                </a:cubicBezTo>
+                <a:cubicBezTo>
+                  <a:pt x="2031541" y="-9790"/>
+                  <a:pt x="2346378" y="21240"/>
+                  <a:pt x="2506423" y="0"/>
+                </a:cubicBezTo>
+                <a:cubicBezTo>
+                  <a:pt x="2666468" y="-21240"/>
+                  <a:pt x="2990257" y="30414"/>
+                  <a:pt x="3255095" y="0"/>
+                </a:cubicBezTo>
+                <a:cubicBezTo>
+                  <a:pt x="3254831" y="4493"/>
+                  <a:pt x="3255479" y="9472"/>
+                  <a:pt x="3255095" y="18288"/>
+                </a:cubicBezTo>
+                <a:cubicBezTo>
+                  <a:pt x="3120743" y="16690"/>
+                  <a:pt x="2759628" y="42462"/>
+                  <a:pt x="2604076" y="18288"/>
+                </a:cubicBezTo>
+                <a:cubicBezTo>
+                  <a:pt x="2448524" y="-5886"/>
+                  <a:pt x="2184336" y="19599"/>
+                  <a:pt x="1887955" y="18288"/>
+                </a:cubicBezTo>
+                <a:cubicBezTo>
+                  <a:pt x="1591574" y="16977"/>
+                  <a:pt x="1548845" y="6870"/>
+                  <a:pt x="1334589" y="18288"/>
+                </a:cubicBezTo>
+                <a:cubicBezTo>
+                  <a:pt x="1120333" y="29706"/>
+                  <a:pt x="996014" y="9662"/>
+                  <a:pt x="683570" y="18288"/>
+                </a:cubicBezTo>
+                <a:cubicBezTo>
+                  <a:pt x="371126" y="26914"/>
+                  <a:pt x="198687" y="16167"/>
+                  <a:pt x="0" y="18288"/>
+                </a:cubicBezTo>
+                <a:cubicBezTo>
+                  <a:pt x="843" y="9577"/>
+                  <a:pt x="371" y="6900"/>
+                  <a:pt x="0" y="0"/>
+                </a:cubicBezTo>
+                <a:close/>
+              </a:path>
+            </a:pathLst>
+          </a:custGeom>
+          <a:solidFill>
+            <a:schemeClr val="accent2"/>
+          </a:solidFill>
+          <a:ln w="38100" cap="rnd">
+            <a:solidFill>
+              <a:schemeClr val="accent2"/>
+            </a:solidFill>
+            <a:round/>
+            <a:extLst>
+              <a:ext uri="{C807C97D-BFC1-408E-A445-0C87EB9F89A2}">
+                <ask:lineSketchStyleProps xmlns:ask="http://schemas.microsoft.com/office/drawing/2018/sketchyshapes" sd="1219033472">
+                  <a:prstGeom prst="rect">
+                    <a:avLst/>
+                  </a:prstGeom>
+                  <ask:type>
+                    <ask:lineSketchFreehand/>
+                  </ask:type>
+                </ask:lineSketchStyleProps>
+              </a:ext>
+            </a:extLst>
+          </a:ln>
+        </p:spPr>
+        <p:style>
+          <a:lnRef idx="2">
+            <a:schemeClr val="accent1">
+              <a:shade val="50000"/>
+            </a:schemeClr>
+          </a:lnRef>
+          <a:fillRef idx="1">
+            <a:schemeClr val="accent1"/>
+          </a:fillRef>
+          <a:effectRef idx="0">
+            <a:schemeClr val="accent1"/>
+          </a:effectRef>
+          <a:fontRef idx="minor">
+            <a:schemeClr val="lt1"/>
+          </a:fontRef>
+        </p:style>
+        <p:txBody>
+          <a:bodyPr rtlCol="0" anchor="ctr"/>
+          <a:lstStyle/>
+          <a:p>
+            <a:pPr algn="ctr"/>
+            <a:endParaRPr lang="en-US"/>
+          </a:p>
+        </p:txBody>
+      </p:sp>
+      <p:sp>
+        <p:nvSpPr>
           <p:cNvPr id="3" name="Content Placeholder 2">
             <a:extLst>
               <a:ext uri="{FF2B5EF4-FFF2-40B4-BE49-F238E27FC236}">
@@ -3493,13 +4252,20 @@
             <p:ph idx="1"/>
           </p:nvPr>
         </p:nvSpPr>
-        <p:spPr/>
-        <p:txBody>
-          <a:bodyPr/>
+        <p:spPr>
+          <a:xfrm>
+            <a:off x="630936" y="2807208"/>
+            <a:ext cx="3429000" cy="3410712"/>
+          </a:xfrm>
+        </p:spPr>
+        <p:txBody>
+          <a:bodyPr anchor="t">
+            <a:normAutofit/>
+          </a:bodyPr>
           <a:lstStyle/>
           <a:p>
             <a:r>
-              <a:rPr lang="en-BG" dirty="0"/>
+              <a:rPr lang="en-BG" sz="2200"/>
               <a:t>Online store, where users can buy and sell products</a:t>
             </a:r>
           </a:p>
@@ -3527,15 +4293,14 @@
               </a:ext>
             </a:extLst>
           </a:blip>
-          <a:srcRect/>
           <a:stretch>
             <a:fillRect/>
           </a:stretch>
         </p:blipFill>
         <p:spPr bwMode="auto">
           <a:xfrm>
-            <a:off x="3149599" y="2897908"/>
-            <a:ext cx="6234545" cy="3117273"/>
+            <a:off x="4654296" y="1703070"/>
+            <a:ext cx="6903720" cy="3451860"/>
           </a:xfrm>
           <a:prstGeom prst="rect">
             <a:avLst/>
@@ -3568,6 +4333,14 @@
 <file path=ppt/slides/slide3.xml><?xml version="1.0" encoding="utf-8"?>
 <p:sld xmlns:a="http://schemas.openxmlformats.org/drawingml/2006/main" xmlns:r="http://schemas.openxmlformats.org/officeDocument/2006/relationships" xmlns:p="http://schemas.openxmlformats.org/presentationml/2006/main">
   <p:cSld>
+    <p:bg>
+      <p:bgPr>
+        <a:solidFill>
+          <a:schemeClr val="bg1"/>
+        </a:solidFill>
+        <a:effectLst/>
+      </p:bgPr>
+    </p:bg>
     <p:spTree>
       <p:nvGrpSpPr>
         <p:cNvPr id="1" name=""/>
@@ -3582,6 +4355,66 @@
           <a:chExt cx="0" cy="0"/>
         </a:xfrm>
       </p:grpSpPr>
+      <p:sp useBgFill="1">
+        <p:nvSpPr>
+          <p:cNvPr id="9" name="Rectangle 8">
+            <a:extLst>
+              <a:ext uri="{FF2B5EF4-FFF2-40B4-BE49-F238E27FC236}">
+                <a16:creationId xmlns:a16="http://schemas.microsoft.com/office/drawing/2014/main" id="{665DBBEF-238B-476B-96AB-8AAC3224ECEA}"/>
+              </a:ext>
+              <a:ext uri="{C183D7F6-B498-43B3-948B-1728B52AA6E4}">
+                <adec:decorative xmlns:adec="http://schemas.microsoft.com/office/drawing/2017/decorative" val="1"/>
+              </a:ext>
+            </a:extLst>
+          </p:cNvPr>
+          <p:cNvSpPr>
+            <a:spLocks noGrp="1" noRot="1" noChangeAspect="1" noMove="1" noResize="1" noEditPoints="1" noAdjustHandles="1" noChangeArrowheads="1" noChangeShapeType="1" noTextEdit="1"/>
+          </p:cNvSpPr>
+          <p:nvPr>
+            <p:extLst>
+              <p:ext uri="{386F3935-93C4-4BCD-93E2-E3B085C9AB24}">
+                <p16:designElem xmlns:p16="http://schemas.microsoft.com/office/powerpoint/2015/main" val="1"/>
+              </p:ext>
+            </p:extLst>
+          </p:nvPr>
+        </p:nvSpPr>
+        <p:spPr>
+          <a:xfrm>
+            <a:off x="0" y="0"/>
+            <a:ext cx="12192000" cy="6858000"/>
+          </a:xfrm>
+          <a:prstGeom prst="rect">
+            <a:avLst/>
+          </a:prstGeom>
+          <a:ln>
+            <a:noFill/>
+          </a:ln>
+        </p:spPr>
+        <p:style>
+          <a:lnRef idx="2">
+            <a:schemeClr val="accent1">
+              <a:shade val="50000"/>
+            </a:schemeClr>
+          </a:lnRef>
+          <a:fillRef idx="1">
+            <a:schemeClr val="accent1"/>
+          </a:fillRef>
+          <a:effectRef idx="0">
+            <a:schemeClr val="accent1"/>
+          </a:effectRef>
+          <a:fontRef idx="minor">
+            <a:schemeClr val="lt1"/>
+          </a:fontRef>
+        </p:style>
+        <p:txBody>
+          <a:bodyPr rtlCol="0" anchor="ctr"/>
+          <a:lstStyle/>
+          <a:p>
+            <a:pPr algn="ctr"/>
+            <a:endParaRPr lang="en-US"/>
+          </a:p>
+        </p:txBody>
+      </p:sp>
       <p:sp>
         <p:nvSpPr>
           <p:cNvPr id="2" name="Title 1">
@@ -3598,15 +4431,302 @@
             <p:ph type="title"/>
           </p:nvPr>
         </p:nvSpPr>
-        <p:spPr/>
-        <p:txBody>
-          <a:bodyPr/>
+        <p:spPr>
+          <a:xfrm>
+            <a:off x="638882" y="639193"/>
+            <a:ext cx="3571810" cy="3573516"/>
+          </a:xfrm>
+        </p:spPr>
+        <p:txBody>
+          <a:bodyPr vert="horz" lIns="91440" tIns="45720" rIns="91440" bIns="45720" rtlCol="0" anchor="b">
+            <a:normAutofit/>
+          </a:bodyPr>
           <a:lstStyle/>
           <a:p>
             <a:r>
-              <a:rPr lang="en-BG" dirty="0"/>
+              <a:rPr lang="en-US" sz="6600" kern="1200">
+                <a:solidFill>
+                  <a:schemeClr val="tx1"/>
+                </a:solidFill>
+                <a:latin typeface="+mj-lt"/>
+                <a:ea typeface="+mj-ea"/>
+                <a:cs typeface="+mj-cs"/>
+              </a:rPr>
               <a:t>DB Schema</a:t>
             </a:r>
+          </a:p>
+        </p:txBody>
+      </p:sp>
+      <p:sp>
+        <p:nvSpPr>
+          <p:cNvPr id="15" name="sketch line">
+            <a:extLst>
+              <a:ext uri="{FF2B5EF4-FFF2-40B4-BE49-F238E27FC236}">
+                <a16:creationId xmlns:a16="http://schemas.microsoft.com/office/drawing/2014/main" id="{3FCFB1DE-0B7E-48CC-BA90-B2AB0889F9D6}"/>
+              </a:ext>
+              <a:ext uri="{C183D7F6-B498-43B3-948B-1728B52AA6E4}">
+                <adec:decorative xmlns:adec="http://schemas.microsoft.com/office/drawing/2017/decorative" val="1"/>
+              </a:ext>
+            </a:extLst>
+          </p:cNvPr>
+          <p:cNvSpPr>
+            <a:spLocks noGrp="1" noRot="1" noChangeAspect="1" noMove="1" noResize="1" noEditPoints="1" noAdjustHandles="1" noChangeArrowheads="1" noChangeShapeType="1" noTextEdit="1"/>
+          </p:cNvSpPr>
+          <p:nvPr>
+            <p:extLst>
+              <p:ext uri="{386F3935-93C4-4BCD-93E2-E3B085C9AB24}">
+                <p16:designElem xmlns:p16="http://schemas.microsoft.com/office/powerpoint/2015/main" val="1"/>
+              </p:ext>
+            </p:extLst>
+          </p:nvPr>
+        </p:nvSpPr>
+        <p:spPr>
+          <a:xfrm>
+            <a:off x="643278" y="4409267"/>
+            <a:ext cx="3255095" cy="18288"/>
+          </a:xfrm>
+          <a:custGeom>
+            <a:avLst/>
+            <a:gdLst>
+              <a:gd name="connsiteX0" fmla="*/ 0 w 3255095"/>
+              <a:gd name="connsiteY0" fmla="*/ 0 h 18288"/>
+              <a:gd name="connsiteX1" fmla="*/ 618468 w 3255095"/>
+              <a:gd name="connsiteY1" fmla="*/ 0 h 18288"/>
+              <a:gd name="connsiteX2" fmla="*/ 1269487 w 3255095"/>
+              <a:gd name="connsiteY2" fmla="*/ 0 h 18288"/>
+              <a:gd name="connsiteX3" fmla="*/ 1953057 w 3255095"/>
+              <a:gd name="connsiteY3" fmla="*/ 0 h 18288"/>
+              <a:gd name="connsiteX4" fmla="*/ 2636627 w 3255095"/>
+              <a:gd name="connsiteY4" fmla="*/ 0 h 18288"/>
+              <a:gd name="connsiteX5" fmla="*/ 3255095 w 3255095"/>
+              <a:gd name="connsiteY5" fmla="*/ 0 h 18288"/>
+              <a:gd name="connsiteX6" fmla="*/ 3255095 w 3255095"/>
+              <a:gd name="connsiteY6" fmla="*/ 18288 h 18288"/>
+              <a:gd name="connsiteX7" fmla="*/ 2538974 w 3255095"/>
+              <a:gd name="connsiteY7" fmla="*/ 18288 h 18288"/>
+              <a:gd name="connsiteX8" fmla="*/ 1822853 w 3255095"/>
+              <a:gd name="connsiteY8" fmla="*/ 18288 h 18288"/>
+              <a:gd name="connsiteX9" fmla="*/ 1171834 w 3255095"/>
+              <a:gd name="connsiteY9" fmla="*/ 18288 h 18288"/>
+              <a:gd name="connsiteX10" fmla="*/ 0 w 3255095"/>
+              <a:gd name="connsiteY10" fmla="*/ 18288 h 18288"/>
+              <a:gd name="connsiteX11" fmla="*/ 0 w 3255095"/>
+              <a:gd name="connsiteY11" fmla="*/ 0 h 18288"/>
+            </a:gdLst>
+            <a:ahLst/>
+            <a:cxnLst>
+              <a:cxn ang="0">
+                <a:pos x="connsiteX0" y="connsiteY0"/>
+              </a:cxn>
+              <a:cxn ang="0">
+                <a:pos x="connsiteX1" y="connsiteY1"/>
+              </a:cxn>
+              <a:cxn ang="0">
+                <a:pos x="connsiteX2" y="connsiteY2"/>
+              </a:cxn>
+              <a:cxn ang="0">
+                <a:pos x="connsiteX3" y="connsiteY3"/>
+              </a:cxn>
+              <a:cxn ang="0">
+                <a:pos x="connsiteX4" y="connsiteY4"/>
+              </a:cxn>
+              <a:cxn ang="0">
+                <a:pos x="connsiteX5" y="connsiteY5"/>
+              </a:cxn>
+              <a:cxn ang="0">
+                <a:pos x="connsiteX6" y="connsiteY6"/>
+              </a:cxn>
+              <a:cxn ang="0">
+                <a:pos x="connsiteX7" y="connsiteY7"/>
+              </a:cxn>
+              <a:cxn ang="0">
+                <a:pos x="connsiteX8" y="connsiteY8"/>
+              </a:cxn>
+              <a:cxn ang="0">
+                <a:pos x="connsiteX9" y="connsiteY9"/>
+              </a:cxn>
+              <a:cxn ang="0">
+                <a:pos x="connsiteX10" y="connsiteY10"/>
+              </a:cxn>
+              <a:cxn ang="0">
+                <a:pos x="connsiteX11" y="connsiteY11"/>
+              </a:cxn>
+            </a:cxnLst>
+            <a:rect l="l" t="t" r="r" b="b"/>
+            <a:pathLst>
+              <a:path w="3255095" h="18288" fill="none" extrusionOk="0">
+                <a:moveTo>
+                  <a:pt x="0" y="0"/>
+                </a:moveTo>
+                <a:cubicBezTo>
+                  <a:pt x="240201" y="-22123"/>
+                  <a:pt x="462021" y="-19623"/>
+                  <a:pt x="618468" y="0"/>
+                </a:cubicBezTo>
+                <a:cubicBezTo>
+                  <a:pt x="774915" y="19623"/>
+                  <a:pt x="974734" y="2035"/>
+                  <a:pt x="1269487" y="0"/>
+                </a:cubicBezTo>
+                <a:cubicBezTo>
+                  <a:pt x="1564240" y="-2035"/>
+                  <a:pt x="1733579" y="10639"/>
+                  <a:pt x="1953057" y="0"/>
+                </a:cubicBezTo>
+                <a:cubicBezTo>
+                  <a:pt x="2172535" y="-10639"/>
+                  <a:pt x="2453962" y="14018"/>
+                  <a:pt x="2636627" y="0"/>
+                </a:cubicBezTo>
+                <a:cubicBezTo>
+                  <a:pt x="2819292" y="-14018"/>
+                  <a:pt x="3121375" y="5399"/>
+                  <a:pt x="3255095" y="0"/>
+                </a:cubicBezTo>
+                <a:cubicBezTo>
+                  <a:pt x="3254386" y="8157"/>
+                  <a:pt x="3254682" y="12125"/>
+                  <a:pt x="3255095" y="18288"/>
+                </a:cubicBezTo>
+                <a:cubicBezTo>
+                  <a:pt x="3088545" y="23203"/>
+                  <a:pt x="2687475" y="7419"/>
+                  <a:pt x="2538974" y="18288"/>
+                </a:cubicBezTo>
+                <a:cubicBezTo>
+                  <a:pt x="2390473" y="29157"/>
+                  <a:pt x="2137381" y="-8959"/>
+                  <a:pt x="1822853" y="18288"/>
+                </a:cubicBezTo>
+                <a:cubicBezTo>
+                  <a:pt x="1508325" y="45535"/>
+                  <a:pt x="1466437" y="20385"/>
+                  <a:pt x="1171834" y="18288"/>
+                </a:cubicBezTo>
+                <a:cubicBezTo>
+                  <a:pt x="877231" y="16191"/>
+                  <a:pt x="561097" y="37643"/>
+                  <a:pt x="0" y="18288"/>
+                </a:cubicBezTo>
+                <a:cubicBezTo>
+                  <a:pt x="-46" y="12483"/>
+                  <a:pt x="-203" y="6491"/>
+                  <a:pt x="0" y="0"/>
+                </a:cubicBezTo>
+                <a:close/>
+              </a:path>
+              <a:path w="3255095" h="18288" stroke="0" extrusionOk="0">
+                <a:moveTo>
+                  <a:pt x="0" y="0"/>
+                </a:moveTo>
+                <a:cubicBezTo>
+                  <a:pt x="291965" y="19429"/>
+                  <a:pt x="363155" y="8568"/>
+                  <a:pt x="618468" y="0"/>
+                </a:cubicBezTo>
+                <a:cubicBezTo>
+                  <a:pt x="873781" y="-8568"/>
+                  <a:pt x="904459" y="-19505"/>
+                  <a:pt x="1171834" y="0"/>
+                </a:cubicBezTo>
+                <a:cubicBezTo>
+                  <a:pt x="1439209" y="19505"/>
+                  <a:pt x="1744369" y="9790"/>
+                  <a:pt x="1887955" y="0"/>
+                </a:cubicBezTo>
+                <a:cubicBezTo>
+                  <a:pt x="2031541" y="-9790"/>
+                  <a:pt x="2346378" y="21240"/>
+                  <a:pt x="2506423" y="0"/>
+                </a:cubicBezTo>
+                <a:cubicBezTo>
+                  <a:pt x="2666468" y="-21240"/>
+                  <a:pt x="2990257" y="30414"/>
+                  <a:pt x="3255095" y="0"/>
+                </a:cubicBezTo>
+                <a:cubicBezTo>
+                  <a:pt x="3254831" y="4493"/>
+                  <a:pt x="3255479" y="9472"/>
+                  <a:pt x="3255095" y="18288"/>
+                </a:cubicBezTo>
+                <a:cubicBezTo>
+                  <a:pt x="3120743" y="16690"/>
+                  <a:pt x="2759628" y="42462"/>
+                  <a:pt x="2604076" y="18288"/>
+                </a:cubicBezTo>
+                <a:cubicBezTo>
+                  <a:pt x="2448524" y="-5886"/>
+                  <a:pt x="2184336" y="19599"/>
+                  <a:pt x="1887955" y="18288"/>
+                </a:cubicBezTo>
+                <a:cubicBezTo>
+                  <a:pt x="1591574" y="16977"/>
+                  <a:pt x="1548845" y="6870"/>
+                  <a:pt x="1334589" y="18288"/>
+                </a:cubicBezTo>
+                <a:cubicBezTo>
+                  <a:pt x="1120333" y="29706"/>
+                  <a:pt x="996014" y="9662"/>
+                  <a:pt x="683570" y="18288"/>
+                </a:cubicBezTo>
+                <a:cubicBezTo>
+                  <a:pt x="371126" y="26914"/>
+                  <a:pt x="198687" y="16167"/>
+                  <a:pt x="0" y="18288"/>
+                </a:cubicBezTo>
+                <a:cubicBezTo>
+                  <a:pt x="843" y="9577"/>
+                  <a:pt x="371" y="6900"/>
+                  <a:pt x="0" y="0"/>
+                </a:cubicBezTo>
+                <a:close/>
+              </a:path>
+            </a:pathLst>
+          </a:custGeom>
+          <a:solidFill>
+            <a:schemeClr val="accent2"/>
+          </a:solidFill>
+          <a:ln w="38100" cap="rnd">
+            <a:solidFill>
+              <a:schemeClr val="accent2"/>
+            </a:solidFill>
+            <a:round/>
+            <a:extLst>
+              <a:ext uri="{C807C97D-BFC1-408E-A445-0C87EB9F89A2}">
+                <ask:lineSketchStyleProps xmlns:ask="http://schemas.microsoft.com/office/drawing/2018/sketchyshapes" sd="1219033472">
+                  <a:prstGeom prst="rect">
+                    <a:avLst/>
+                  </a:prstGeom>
+                  <ask:type>
+                    <ask:lineSketchFreehand/>
+                  </ask:type>
+                </ask:lineSketchStyleProps>
+              </a:ext>
+            </a:extLst>
+          </a:ln>
+        </p:spPr>
+        <p:style>
+          <a:lnRef idx="2">
+            <a:schemeClr val="accent1">
+              <a:shade val="50000"/>
+            </a:schemeClr>
+          </a:lnRef>
+          <a:fillRef idx="1">
+            <a:schemeClr val="accent1"/>
+          </a:fillRef>
+          <a:effectRef idx="0">
+            <a:schemeClr val="accent1"/>
+          </a:effectRef>
+          <a:fontRef idx="minor">
+            <a:schemeClr val="lt1"/>
+          </a:fontRef>
+        </p:style>
+        <p:txBody>
+          <a:bodyPr rtlCol="0" anchor="ctr"/>
+          <a:lstStyle/>
+          <a:p>
+            <a:pPr algn="ctr"/>
+            <a:endParaRPr lang="en-US"/>
           </a:p>
         </p:txBody>
       </p:sp>
@@ -3634,8 +4754,8 @@
         </p:blipFill>
         <p:spPr>
           <a:xfrm>
-            <a:off x="2914621" y="1825625"/>
-            <a:ext cx="6362757" cy="4351338"/>
+            <a:off x="3419856" y="512634"/>
+            <a:ext cx="8782752" cy="6016182"/>
           </a:xfrm>
           <a:prstGeom prst="rect">
             <a:avLst/>
@@ -3658,6 +4778,14 @@
 <file path=ppt/slides/slide4.xml><?xml version="1.0" encoding="utf-8"?>
 <p:sld xmlns:a="http://schemas.openxmlformats.org/drawingml/2006/main" xmlns:r="http://schemas.openxmlformats.org/officeDocument/2006/relationships" xmlns:p="http://schemas.openxmlformats.org/presentationml/2006/main">
   <p:cSld>
+    <p:bg>
+      <p:bgPr>
+        <a:solidFill>
+          <a:schemeClr val="bg1"/>
+        </a:solidFill>
+        <a:effectLst/>
+      </p:bgPr>
+    </p:bg>
     <p:spTree>
       <p:nvGrpSpPr>
         <p:cNvPr id="1" name=""/>
@@ -3672,6 +4800,66 @@
           <a:chExt cx="0" cy="0"/>
         </a:xfrm>
       </p:grpSpPr>
+      <p:sp useBgFill="1">
+        <p:nvSpPr>
+          <p:cNvPr id="9" name="Rectangle 8">
+            <a:extLst>
+              <a:ext uri="{FF2B5EF4-FFF2-40B4-BE49-F238E27FC236}">
+                <a16:creationId xmlns:a16="http://schemas.microsoft.com/office/drawing/2014/main" id="{743AA782-23D1-4521-8CAD-47662984AA08}"/>
+              </a:ext>
+              <a:ext uri="{C183D7F6-B498-43B3-948B-1728B52AA6E4}">
+                <adec:decorative xmlns:adec="http://schemas.microsoft.com/office/drawing/2017/decorative" val="1"/>
+              </a:ext>
+            </a:extLst>
+          </p:cNvPr>
+          <p:cNvSpPr>
+            <a:spLocks noGrp="1" noRot="1" noChangeAspect="1" noMove="1" noResize="1" noEditPoints="1" noAdjustHandles="1" noChangeArrowheads="1" noChangeShapeType="1" noTextEdit="1"/>
+          </p:cNvSpPr>
+          <p:nvPr>
+            <p:extLst>
+              <p:ext uri="{386F3935-93C4-4BCD-93E2-E3B085C9AB24}">
+                <p16:designElem xmlns:p16="http://schemas.microsoft.com/office/powerpoint/2015/main" val="1"/>
+              </p:ext>
+            </p:extLst>
+          </p:nvPr>
+        </p:nvSpPr>
+        <p:spPr>
+          <a:xfrm>
+            <a:off x="0" y="0"/>
+            <a:ext cx="12192000" cy="6858000"/>
+          </a:xfrm>
+          <a:prstGeom prst="rect">
+            <a:avLst/>
+          </a:prstGeom>
+          <a:ln>
+            <a:noFill/>
+          </a:ln>
+        </p:spPr>
+        <p:style>
+          <a:lnRef idx="2">
+            <a:schemeClr val="accent1">
+              <a:shade val="50000"/>
+            </a:schemeClr>
+          </a:lnRef>
+          <a:fillRef idx="1">
+            <a:schemeClr val="accent1"/>
+          </a:fillRef>
+          <a:effectRef idx="0">
+            <a:schemeClr val="accent1"/>
+          </a:effectRef>
+          <a:fontRef idx="minor">
+            <a:schemeClr val="lt1"/>
+          </a:fontRef>
+        </p:style>
+        <p:txBody>
+          <a:bodyPr rtlCol="0" anchor="ctr"/>
+          <a:lstStyle/>
+          <a:p>
+            <a:pPr algn="ctr"/>
+            <a:endParaRPr lang="en-US"/>
+          </a:p>
+        </p:txBody>
+      </p:sp>
       <p:sp>
         <p:nvSpPr>
           <p:cNvPr id="2" name="Title 1">
@@ -3688,13 +4876,20 @@
             <p:ph type="title"/>
           </p:nvPr>
         </p:nvSpPr>
-        <p:spPr/>
-        <p:txBody>
-          <a:bodyPr/>
+        <p:spPr>
+          <a:xfrm>
+            <a:off x="630936" y="640080"/>
+            <a:ext cx="4818888" cy="1481328"/>
+          </a:xfrm>
+        </p:spPr>
+        <p:txBody>
+          <a:bodyPr anchor="b">
+            <a:normAutofit/>
+          </a:bodyPr>
           <a:lstStyle/>
           <a:p>
             <a:r>
-              <a:rPr lang="en-BG" dirty="0"/>
+              <a:rPr lang="en-BG" sz="5400"/>
               <a:t>Authentication</a:t>
             </a:r>
           </a:p>
@@ -3702,6 +4897,279 @@
       </p:sp>
       <p:sp>
         <p:nvSpPr>
+          <p:cNvPr id="11" name="sketch line">
+            <a:extLst>
+              <a:ext uri="{FF2B5EF4-FFF2-40B4-BE49-F238E27FC236}">
+                <a16:creationId xmlns:a16="http://schemas.microsoft.com/office/drawing/2014/main" id="{71877DBC-BB60-40F0-AC93-2ACDBAAE60CE}"/>
+              </a:ext>
+              <a:ext uri="{C183D7F6-B498-43B3-948B-1728B52AA6E4}">
+                <adec:decorative xmlns:adec="http://schemas.microsoft.com/office/drawing/2017/decorative" val="1"/>
+              </a:ext>
+            </a:extLst>
+          </p:cNvPr>
+          <p:cNvSpPr>
+            <a:spLocks noGrp="1" noRot="1" noChangeAspect="1" noMove="1" noResize="1" noEditPoints="1" noAdjustHandles="1" noChangeArrowheads="1" noChangeShapeType="1" noTextEdit="1"/>
+          </p:cNvSpPr>
+          <p:nvPr>
+            <p:extLst>
+              <p:ext uri="{386F3935-93C4-4BCD-93E2-E3B085C9AB24}">
+                <p16:designElem xmlns:p16="http://schemas.microsoft.com/office/powerpoint/2015/main" val="1"/>
+              </p:ext>
+            </p:extLst>
+          </p:nvPr>
+        </p:nvSpPr>
+        <p:spPr>
+          <a:xfrm>
+            <a:off x="643278" y="2372868"/>
+            <a:ext cx="3255095" cy="18288"/>
+          </a:xfrm>
+          <a:custGeom>
+            <a:avLst/>
+            <a:gdLst>
+              <a:gd name="connsiteX0" fmla="*/ 0 w 3255095"/>
+              <a:gd name="connsiteY0" fmla="*/ 0 h 18288"/>
+              <a:gd name="connsiteX1" fmla="*/ 618468 w 3255095"/>
+              <a:gd name="connsiteY1" fmla="*/ 0 h 18288"/>
+              <a:gd name="connsiteX2" fmla="*/ 1269487 w 3255095"/>
+              <a:gd name="connsiteY2" fmla="*/ 0 h 18288"/>
+              <a:gd name="connsiteX3" fmla="*/ 1953057 w 3255095"/>
+              <a:gd name="connsiteY3" fmla="*/ 0 h 18288"/>
+              <a:gd name="connsiteX4" fmla="*/ 2636627 w 3255095"/>
+              <a:gd name="connsiteY4" fmla="*/ 0 h 18288"/>
+              <a:gd name="connsiteX5" fmla="*/ 3255095 w 3255095"/>
+              <a:gd name="connsiteY5" fmla="*/ 0 h 18288"/>
+              <a:gd name="connsiteX6" fmla="*/ 3255095 w 3255095"/>
+              <a:gd name="connsiteY6" fmla="*/ 18288 h 18288"/>
+              <a:gd name="connsiteX7" fmla="*/ 2538974 w 3255095"/>
+              <a:gd name="connsiteY7" fmla="*/ 18288 h 18288"/>
+              <a:gd name="connsiteX8" fmla="*/ 1822853 w 3255095"/>
+              <a:gd name="connsiteY8" fmla="*/ 18288 h 18288"/>
+              <a:gd name="connsiteX9" fmla="*/ 1171834 w 3255095"/>
+              <a:gd name="connsiteY9" fmla="*/ 18288 h 18288"/>
+              <a:gd name="connsiteX10" fmla="*/ 0 w 3255095"/>
+              <a:gd name="connsiteY10" fmla="*/ 18288 h 18288"/>
+              <a:gd name="connsiteX11" fmla="*/ 0 w 3255095"/>
+              <a:gd name="connsiteY11" fmla="*/ 0 h 18288"/>
+            </a:gdLst>
+            <a:ahLst/>
+            <a:cxnLst>
+              <a:cxn ang="0">
+                <a:pos x="connsiteX0" y="connsiteY0"/>
+              </a:cxn>
+              <a:cxn ang="0">
+                <a:pos x="connsiteX1" y="connsiteY1"/>
+              </a:cxn>
+              <a:cxn ang="0">
+                <a:pos x="connsiteX2" y="connsiteY2"/>
+              </a:cxn>
+              <a:cxn ang="0">
+                <a:pos x="connsiteX3" y="connsiteY3"/>
+              </a:cxn>
+              <a:cxn ang="0">
+                <a:pos x="connsiteX4" y="connsiteY4"/>
+              </a:cxn>
+              <a:cxn ang="0">
+                <a:pos x="connsiteX5" y="connsiteY5"/>
+              </a:cxn>
+              <a:cxn ang="0">
+                <a:pos x="connsiteX6" y="connsiteY6"/>
+              </a:cxn>
+              <a:cxn ang="0">
+                <a:pos x="connsiteX7" y="connsiteY7"/>
+              </a:cxn>
+              <a:cxn ang="0">
+                <a:pos x="connsiteX8" y="connsiteY8"/>
+              </a:cxn>
+              <a:cxn ang="0">
+                <a:pos x="connsiteX9" y="connsiteY9"/>
+              </a:cxn>
+              <a:cxn ang="0">
+                <a:pos x="connsiteX10" y="connsiteY10"/>
+              </a:cxn>
+              <a:cxn ang="0">
+                <a:pos x="connsiteX11" y="connsiteY11"/>
+              </a:cxn>
+            </a:cxnLst>
+            <a:rect l="l" t="t" r="r" b="b"/>
+            <a:pathLst>
+              <a:path w="3255095" h="18288" fill="none" extrusionOk="0">
+                <a:moveTo>
+                  <a:pt x="0" y="0"/>
+                </a:moveTo>
+                <a:cubicBezTo>
+                  <a:pt x="240201" y="-22123"/>
+                  <a:pt x="462021" y="-19623"/>
+                  <a:pt x="618468" y="0"/>
+                </a:cubicBezTo>
+                <a:cubicBezTo>
+                  <a:pt x="774915" y="19623"/>
+                  <a:pt x="974734" y="2035"/>
+                  <a:pt x="1269487" y="0"/>
+                </a:cubicBezTo>
+                <a:cubicBezTo>
+                  <a:pt x="1564240" y="-2035"/>
+                  <a:pt x="1733579" y="10639"/>
+                  <a:pt x="1953057" y="0"/>
+                </a:cubicBezTo>
+                <a:cubicBezTo>
+                  <a:pt x="2172535" y="-10639"/>
+                  <a:pt x="2453962" y="14018"/>
+                  <a:pt x="2636627" y="0"/>
+                </a:cubicBezTo>
+                <a:cubicBezTo>
+                  <a:pt x="2819292" y="-14018"/>
+                  <a:pt x="3121375" y="5399"/>
+                  <a:pt x="3255095" y="0"/>
+                </a:cubicBezTo>
+                <a:cubicBezTo>
+                  <a:pt x="3254386" y="8157"/>
+                  <a:pt x="3254682" y="12125"/>
+                  <a:pt x="3255095" y="18288"/>
+                </a:cubicBezTo>
+                <a:cubicBezTo>
+                  <a:pt x="3088545" y="23203"/>
+                  <a:pt x="2687475" y="7419"/>
+                  <a:pt x="2538974" y="18288"/>
+                </a:cubicBezTo>
+                <a:cubicBezTo>
+                  <a:pt x="2390473" y="29157"/>
+                  <a:pt x="2137381" y="-8959"/>
+                  <a:pt x="1822853" y="18288"/>
+                </a:cubicBezTo>
+                <a:cubicBezTo>
+                  <a:pt x="1508325" y="45535"/>
+                  <a:pt x="1466437" y="20385"/>
+                  <a:pt x="1171834" y="18288"/>
+                </a:cubicBezTo>
+                <a:cubicBezTo>
+                  <a:pt x="877231" y="16191"/>
+                  <a:pt x="561097" y="37643"/>
+                  <a:pt x="0" y="18288"/>
+                </a:cubicBezTo>
+                <a:cubicBezTo>
+                  <a:pt x="-46" y="12483"/>
+                  <a:pt x="-203" y="6491"/>
+                  <a:pt x="0" y="0"/>
+                </a:cubicBezTo>
+                <a:close/>
+              </a:path>
+              <a:path w="3255095" h="18288" stroke="0" extrusionOk="0">
+                <a:moveTo>
+                  <a:pt x="0" y="0"/>
+                </a:moveTo>
+                <a:cubicBezTo>
+                  <a:pt x="291965" y="19429"/>
+                  <a:pt x="363155" y="8568"/>
+                  <a:pt x="618468" y="0"/>
+                </a:cubicBezTo>
+                <a:cubicBezTo>
+                  <a:pt x="873781" y="-8568"/>
+                  <a:pt x="904459" y="-19505"/>
+                  <a:pt x="1171834" y="0"/>
+                </a:cubicBezTo>
+                <a:cubicBezTo>
+                  <a:pt x="1439209" y="19505"/>
+                  <a:pt x="1744369" y="9790"/>
+                  <a:pt x="1887955" y="0"/>
+                </a:cubicBezTo>
+                <a:cubicBezTo>
+                  <a:pt x="2031541" y="-9790"/>
+                  <a:pt x="2346378" y="21240"/>
+                  <a:pt x="2506423" y="0"/>
+                </a:cubicBezTo>
+                <a:cubicBezTo>
+                  <a:pt x="2666468" y="-21240"/>
+                  <a:pt x="2990257" y="30414"/>
+                  <a:pt x="3255095" y="0"/>
+                </a:cubicBezTo>
+                <a:cubicBezTo>
+                  <a:pt x="3254831" y="4493"/>
+                  <a:pt x="3255479" y="9472"/>
+                  <a:pt x="3255095" y="18288"/>
+                </a:cubicBezTo>
+                <a:cubicBezTo>
+                  <a:pt x="3120743" y="16690"/>
+                  <a:pt x="2759628" y="42462"/>
+                  <a:pt x="2604076" y="18288"/>
+                </a:cubicBezTo>
+                <a:cubicBezTo>
+                  <a:pt x="2448524" y="-5886"/>
+                  <a:pt x="2184336" y="19599"/>
+                  <a:pt x="1887955" y="18288"/>
+                </a:cubicBezTo>
+                <a:cubicBezTo>
+                  <a:pt x="1591574" y="16977"/>
+                  <a:pt x="1548845" y="6870"/>
+                  <a:pt x="1334589" y="18288"/>
+                </a:cubicBezTo>
+                <a:cubicBezTo>
+                  <a:pt x="1120333" y="29706"/>
+                  <a:pt x="996014" y="9662"/>
+                  <a:pt x="683570" y="18288"/>
+                </a:cubicBezTo>
+                <a:cubicBezTo>
+                  <a:pt x="371126" y="26914"/>
+                  <a:pt x="198687" y="16167"/>
+                  <a:pt x="0" y="18288"/>
+                </a:cubicBezTo>
+                <a:cubicBezTo>
+                  <a:pt x="843" y="9577"/>
+                  <a:pt x="371" y="6900"/>
+                  <a:pt x="0" y="0"/>
+                </a:cubicBezTo>
+                <a:close/>
+              </a:path>
+            </a:pathLst>
+          </a:custGeom>
+          <a:solidFill>
+            <a:schemeClr val="accent2"/>
+          </a:solidFill>
+          <a:ln w="38100" cap="rnd">
+            <a:solidFill>
+              <a:schemeClr val="accent2"/>
+            </a:solidFill>
+            <a:round/>
+            <a:extLst>
+              <a:ext uri="{C807C97D-BFC1-408E-A445-0C87EB9F89A2}">
+                <ask:lineSketchStyleProps xmlns:ask="http://schemas.microsoft.com/office/drawing/2018/sketchyshapes" sd="1219033472">
+                  <a:prstGeom prst="rect">
+                    <a:avLst/>
+                  </a:prstGeom>
+                  <ask:type>
+                    <ask:lineSketchFreehand/>
+                  </ask:type>
+                </ask:lineSketchStyleProps>
+              </a:ext>
+            </a:extLst>
+          </a:ln>
+        </p:spPr>
+        <p:style>
+          <a:lnRef idx="2">
+            <a:schemeClr val="accent1">
+              <a:shade val="50000"/>
+            </a:schemeClr>
+          </a:lnRef>
+          <a:fillRef idx="1">
+            <a:schemeClr val="accent1"/>
+          </a:fillRef>
+          <a:effectRef idx="0">
+            <a:schemeClr val="accent1"/>
+          </a:effectRef>
+          <a:fontRef idx="minor">
+            <a:schemeClr val="lt1"/>
+          </a:fontRef>
+        </p:style>
+        <p:txBody>
+          <a:bodyPr rtlCol="0" anchor="ctr"/>
+          <a:lstStyle/>
+          <a:p>
+            <a:pPr algn="ctr"/>
+            <a:endParaRPr lang="en-US"/>
+          </a:p>
+        </p:txBody>
+      </p:sp>
+      <p:sp>
+        <p:nvSpPr>
           <p:cNvPr id="3" name="Content Placeholder 2">
             <a:extLst>
               <a:ext uri="{FF2B5EF4-FFF2-40B4-BE49-F238E27FC236}">
@@ -3716,26 +5184,41 @@
             <p:ph idx="1"/>
           </p:nvPr>
         </p:nvSpPr>
-        <p:spPr/>
-        <p:txBody>
-          <a:bodyPr/>
+        <p:spPr>
+          <a:xfrm>
+            <a:off x="630936" y="2660904"/>
+            <a:ext cx="4818888" cy="3547872"/>
+          </a:xfrm>
+        </p:spPr>
+        <p:txBody>
+          <a:bodyPr anchor="t">
+            <a:normAutofit/>
+          </a:bodyPr>
           <a:lstStyle/>
           <a:p>
             <a:r>
-              <a:rPr lang="en-BG" dirty="0"/>
-              <a:t>Login page – for unauthenticated users</a:t>
-            </a:r>
-          </a:p>
-          <a:p>
-            <a:r>
-              <a:rPr lang="en-BG" dirty="0"/>
+              <a:rPr lang="en-BG" sz="2200" dirty="0"/>
+              <a:t>Login page – for </a:t>
+            </a:r>
+            <a:r>
+              <a:rPr lang="en-US" sz="2200" dirty="0"/>
+              <a:t>all</a:t>
+            </a:r>
+            <a:r>
+              <a:rPr lang="en-BG" sz="2200" dirty="0"/>
+              <a:t> users</a:t>
+            </a:r>
+          </a:p>
+          <a:p>
+            <a:r>
+              <a:rPr lang="en-BG" sz="2200" dirty="0"/>
               <a:t>For every other page the user has to be logged in</a:t>
             </a:r>
           </a:p>
           <a:p>
             <a:pPr lvl="1"/>
             <a:r>
-              <a:rPr lang="en-BG" dirty="0"/>
+              <a:rPr lang="en-BG" sz="2200" dirty="0"/>
               <a:t>Currently only OAuth2 with Google supported for login</a:t>
             </a:r>
           </a:p>
@@ -3762,8 +5245,8 @@
         </p:blipFill>
         <p:spPr>
           <a:xfrm>
-            <a:off x="3722254" y="3812454"/>
-            <a:ext cx="4747491" cy="2364509"/>
+            <a:off x="6099048" y="2071378"/>
+            <a:ext cx="5458968" cy="2715244"/>
           </a:xfrm>
           <a:prstGeom prst="rect">
             <a:avLst/>
@@ -3786,6 +5269,14 @@
 <file path=ppt/slides/slide5.xml><?xml version="1.0" encoding="utf-8"?>
 <p:sld xmlns:a="http://schemas.openxmlformats.org/drawingml/2006/main" xmlns:r="http://schemas.openxmlformats.org/officeDocument/2006/relationships" xmlns:p="http://schemas.openxmlformats.org/presentationml/2006/main">
   <p:cSld>
+    <p:bg>
+      <p:bgPr>
+        <a:solidFill>
+          <a:schemeClr val="bg1"/>
+        </a:solidFill>
+        <a:effectLst/>
+      </p:bgPr>
+    </p:bg>
     <p:spTree>
       <p:nvGrpSpPr>
         <p:cNvPr id="1" name=""/>
@@ -3800,6 +5291,66 @@
           <a:chExt cx="0" cy="0"/>
         </a:xfrm>
       </p:grpSpPr>
+      <p:sp useBgFill="1">
+        <p:nvSpPr>
+          <p:cNvPr id="2068" name="Rectangle 2067">
+            <a:extLst>
+              <a:ext uri="{FF2B5EF4-FFF2-40B4-BE49-F238E27FC236}">
+                <a16:creationId xmlns:a16="http://schemas.microsoft.com/office/drawing/2014/main" id="{2C61293E-6EBE-43EF-A52C-9BEBFD7679D4}"/>
+              </a:ext>
+              <a:ext uri="{C183D7F6-B498-43B3-948B-1728B52AA6E4}">
+                <adec:decorative xmlns:adec="http://schemas.microsoft.com/office/drawing/2017/decorative" val="1"/>
+              </a:ext>
+            </a:extLst>
+          </p:cNvPr>
+          <p:cNvSpPr>
+            <a:spLocks noGrp="1" noRot="1" noChangeAspect="1" noMove="1" noResize="1" noEditPoints="1" noAdjustHandles="1" noChangeArrowheads="1" noChangeShapeType="1" noTextEdit="1"/>
+          </p:cNvSpPr>
+          <p:nvPr>
+            <p:extLst>
+              <p:ext uri="{386F3935-93C4-4BCD-93E2-E3B085C9AB24}">
+                <p16:designElem xmlns:p16="http://schemas.microsoft.com/office/powerpoint/2015/main" val="1"/>
+              </p:ext>
+            </p:extLst>
+          </p:nvPr>
+        </p:nvSpPr>
+        <p:spPr>
+          <a:xfrm>
+            <a:off x="0" y="0"/>
+            <a:ext cx="12188952" cy="6858000"/>
+          </a:xfrm>
+          <a:prstGeom prst="rect">
+            <a:avLst/>
+          </a:prstGeom>
+          <a:ln>
+            <a:noFill/>
+          </a:ln>
+        </p:spPr>
+        <p:style>
+          <a:lnRef idx="2">
+            <a:schemeClr val="accent1">
+              <a:shade val="50000"/>
+            </a:schemeClr>
+          </a:lnRef>
+          <a:fillRef idx="1">
+            <a:schemeClr val="accent1"/>
+          </a:fillRef>
+          <a:effectRef idx="0">
+            <a:schemeClr val="accent1"/>
+          </a:effectRef>
+          <a:fontRef idx="minor">
+            <a:schemeClr val="lt1"/>
+          </a:fontRef>
+        </p:style>
+        <p:txBody>
+          <a:bodyPr rtlCol="0" anchor="ctr"/>
+          <a:lstStyle/>
+          <a:p>
+            <a:pPr algn="ctr"/>
+            <a:endParaRPr lang="en-US"/>
+          </a:p>
+        </p:txBody>
+      </p:sp>
       <p:sp>
         <p:nvSpPr>
           <p:cNvPr id="2" name="Title 1">
@@ -3816,78 +5367,21 @@
             <p:ph type="title"/>
           </p:nvPr>
         </p:nvSpPr>
-        <p:spPr/>
-        <p:txBody>
-          <a:bodyPr/>
+        <p:spPr>
+          <a:xfrm>
+            <a:off x="5297762" y="329184"/>
+            <a:ext cx="6251110" cy="1783080"/>
+          </a:xfrm>
+        </p:spPr>
+        <p:txBody>
+          <a:bodyPr anchor="b">
+            <a:normAutofit/>
+          </a:bodyPr>
           <a:lstStyle/>
           <a:p>
             <a:r>
-              <a:rPr lang="en-BG" dirty="0"/>
+              <a:rPr lang="en-BG" sz="5400"/>
               <a:t>What can you do?</a:t>
-            </a:r>
-          </a:p>
-        </p:txBody>
-      </p:sp>
-      <p:sp>
-        <p:nvSpPr>
-          <p:cNvPr id="3" name="Content Placeholder 2">
-            <a:extLst>
-              <a:ext uri="{FF2B5EF4-FFF2-40B4-BE49-F238E27FC236}">
-                <a16:creationId xmlns:a16="http://schemas.microsoft.com/office/drawing/2014/main" id="{36D755ED-5714-2419-8B5B-87E8A7A5A706}"/>
-              </a:ext>
-            </a:extLst>
-          </p:cNvPr>
-          <p:cNvSpPr>
-            <a:spLocks noGrp="1"/>
-          </p:cNvSpPr>
-          <p:nvPr>
-            <p:ph idx="1"/>
-          </p:nvPr>
-        </p:nvSpPr>
-        <p:spPr/>
-        <p:txBody>
-          <a:bodyPr/>
-          <a:lstStyle/>
-          <a:p>
-            <a:r>
-              <a:rPr lang="en-BG" dirty="0"/>
-              <a:t>List products on the store</a:t>
-            </a:r>
-          </a:p>
-          <a:p>
-            <a:r>
-              <a:rPr lang="en-BG" dirty="0"/>
-              <a:t>Search for products</a:t>
-            </a:r>
-          </a:p>
-          <a:p>
-            <a:r>
-              <a:rPr lang="en-BG" dirty="0"/>
-              <a:t>Add a product for sale</a:t>
-            </a:r>
-          </a:p>
-          <a:p>
-            <a:r>
-              <a:rPr lang="en-BG" dirty="0"/>
-              <a:t>Comment on products</a:t>
-            </a:r>
-          </a:p>
-          <a:p>
-            <a:r>
-              <a:rPr lang="en-BG" dirty="0"/>
-              <a:t>Rate products</a:t>
-            </a:r>
-          </a:p>
-          <a:p>
-            <a:r>
-              <a:rPr lang="en-BG" dirty="0"/>
-              <a:t>Update your products</a:t>
-            </a:r>
-          </a:p>
-          <a:p>
-            <a:r>
-              <a:rPr lang="en-BG" dirty="0"/>
-              <a:t>Purchase products</a:t>
             </a:r>
           </a:p>
         </p:txBody>
@@ -3906,7 +5400,7 @@
           </p:cNvPicPr>
           <p:nvPr/>
         </p:nvPicPr>
-        <p:blipFill>
+        <p:blipFill rotWithShape="1">
           <a:blip r:embed="rId2">
             <a:extLst>
               <a:ext uri="{28A0092B-C50C-407E-A947-70E740481C1C}">
@@ -3914,19 +5408,129 @@
               </a:ext>
             </a:extLst>
           </a:blip>
-          <a:srcRect/>
-          <a:stretch>
-            <a:fillRect/>
-          </a:stretch>
+          <a:srcRect l="29796" r="19271"/>
+          <a:stretch/>
         </p:blipFill>
         <p:spPr bwMode="auto">
           <a:xfrm>
-            <a:off x="5552016" y="1389062"/>
-            <a:ext cx="5801784" cy="4351338"/>
+            <a:off x="1" y="10"/>
+            <a:ext cx="4657344" cy="6857990"/>
           </a:xfrm>
-          <a:prstGeom prst="rect">
+          <a:custGeom>
             <a:avLst/>
-          </a:prstGeom>
+            <a:gdLst/>
+            <a:ahLst/>
+            <a:cxnLst/>
+            <a:rect l="l" t="t" r="r" b="b"/>
+            <a:pathLst>
+              <a:path w="4657344" h="6858000">
+                <a:moveTo>
+                  <a:pt x="0" y="0"/>
+                </a:moveTo>
+                <a:lnTo>
+                  <a:pt x="3429755" y="0"/>
+                </a:lnTo>
+                <a:lnTo>
+                  <a:pt x="3526016" y="148742"/>
+                </a:lnTo>
+                <a:cubicBezTo>
+                  <a:pt x="3657740" y="365513"/>
+                  <a:pt x="3777402" y="589569"/>
+                  <a:pt x="3886489" y="819975"/>
+                </a:cubicBezTo>
+                <a:cubicBezTo>
+                  <a:pt x="3891856" y="833492"/>
+                  <a:pt x="3900663" y="845393"/>
+                  <a:pt x="3912049" y="854514"/>
+                </a:cubicBezTo>
+                <a:cubicBezTo>
+                  <a:pt x="3897352" y="819849"/>
+                  <a:pt x="3883037" y="784928"/>
+                  <a:pt x="3868083" y="750263"/>
+                </a:cubicBezTo>
+                <a:cubicBezTo>
+                  <a:pt x="3806989" y="608712"/>
+                  <a:pt x="3742478" y="469145"/>
+                  <a:pt x="3674155" y="331786"/>
+                </a:cubicBezTo>
+                <a:lnTo>
+                  <a:pt x="3496656" y="0"/>
+                </a:lnTo>
+                <a:lnTo>
+                  <a:pt x="3554371" y="0"/>
+                </a:lnTo>
+                <a:lnTo>
+                  <a:pt x="3661621" y="196614"/>
+                </a:lnTo>
+                <a:cubicBezTo>
+                  <a:pt x="3856899" y="573253"/>
+                  <a:pt x="4021071" y="966066"/>
+                  <a:pt x="4161279" y="1371196"/>
+                </a:cubicBezTo>
+                <a:cubicBezTo>
+                  <a:pt x="4379525" y="2007265"/>
+                  <a:pt x="4530141" y="2664286"/>
+                  <a:pt x="4610660" y="3331516"/>
+                </a:cubicBezTo>
+                <a:cubicBezTo>
+                  <a:pt x="4652837" y="3672965"/>
+                  <a:pt x="4671625" y="4013908"/>
+                  <a:pt x="4645040" y="4357388"/>
+                </a:cubicBezTo>
+                <a:cubicBezTo>
+                  <a:pt x="4613599" y="4758899"/>
+                  <a:pt x="4566181" y="5157998"/>
+                  <a:pt x="4485789" y="5552906"/>
+                </a:cubicBezTo>
+                <a:cubicBezTo>
+                  <a:pt x="4397121" y="5988893"/>
+                  <a:pt x="4276748" y="6414594"/>
+                  <a:pt x="4117769" y="6828295"/>
+                </a:cubicBezTo>
+                <a:lnTo>
+                  <a:pt x="4105288" y="6858000"/>
+                </a:lnTo>
+                <a:lnTo>
+                  <a:pt x="4052520" y="6858000"/>
+                </a:lnTo>
+                <a:lnTo>
+                  <a:pt x="4059369" y="6841549"/>
+                </a:lnTo>
+                <a:cubicBezTo>
+                  <a:pt x="4147276" y="6614016"/>
+                  <a:pt x="4224193" y="6380817"/>
+                  <a:pt x="4291518" y="6142729"/>
+                </a:cubicBezTo>
+                <a:cubicBezTo>
+                  <a:pt x="4350055" y="5935370"/>
+                  <a:pt x="4393256" y="5723695"/>
+                  <a:pt x="4443357" y="5513923"/>
+                </a:cubicBezTo>
+                <a:cubicBezTo>
+                  <a:pt x="4444541" y="5502788"/>
+                  <a:pt x="4445137" y="5491601"/>
+                  <a:pt x="4445146" y="5480401"/>
+                </a:cubicBezTo>
+                <a:cubicBezTo>
+                  <a:pt x="4408465" y="5607635"/>
+                  <a:pt x="4379196" y="5719759"/>
+                  <a:pt x="4344559" y="5830359"/>
+                </a:cubicBezTo>
+                <a:cubicBezTo>
+                  <a:pt x="4254261" y="6118381"/>
+                  <a:pt x="4150112" y="6398531"/>
+                  <a:pt x="4031702" y="6670527"/>
+                </a:cubicBezTo>
+                <a:lnTo>
+                  <a:pt x="3943824" y="6858000"/>
+                </a:lnTo>
+                <a:lnTo>
+                  <a:pt x="0" y="6858000"/>
+                </a:lnTo>
+                <a:close/>
+              </a:path>
+            </a:pathLst>
+          </a:custGeom>
           <a:noFill/>
           <a:extLst>
             <a:ext uri="{909E8E84-426E-40DD-AFC4-6F175D3DCCD1}">
@@ -3939,6 +5543,420 @@
           </a:extLst>
         </p:spPr>
       </p:pic>
+      <p:sp>
+        <p:nvSpPr>
+          <p:cNvPr id="2069" name="sketchy line">
+            <a:extLst>
+              <a:ext uri="{FF2B5EF4-FFF2-40B4-BE49-F238E27FC236}">
+                <a16:creationId xmlns:a16="http://schemas.microsoft.com/office/drawing/2014/main" id="{21540236-BFD5-4A9D-8840-4703E7F76825}"/>
+              </a:ext>
+              <a:ext uri="{C183D7F6-B498-43B3-948B-1728B52AA6E4}">
+                <adec:decorative xmlns:adec="http://schemas.microsoft.com/office/drawing/2017/decorative" val="1"/>
+              </a:ext>
+            </a:extLst>
+          </p:cNvPr>
+          <p:cNvSpPr>
+            <a:spLocks noGrp="1" noRot="1" noChangeAspect="1" noMove="1" noResize="1" noEditPoints="1" noAdjustHandles="1" noChangeArrowheads="1" noChangeShapeType="1" noTextEdit="1"/>
+          </p:cNvSpPr>
+          <p:nvPr>
+            <p:extLst>
+              <p:ext uri="{386F3935-93C4-4BCD-93E2-E3B085C9AB24}">
+                <p16:designElem xmlns:p16="http://schemas.microsoft.com/office/powerpoint/2015/main" val="1"/>
+              </p:ext>
+            </p:extLst>
+          </p:nvPr>
+        </p:nvSpPr>
+        <p:spPr>
+          <a:xfrm>
+            <a:off x="5297762" y="2374947"/>
+            <a:ext cx="4243589" cy="18288"/>
+          </a:xfrm>
+          <a:custGeom>
+            <a:avLst/>
+            <a:gdLst>
+              <a:gd name="connsiteX0" fmla="*/ 0 w 4243589"/>
+              <a:gd name="connsiteY0" fmla="*/ 0 h 18288"/>
+              <a:gd name="connsiteX1" fmla="*/ 478919 w 4243589"/>
+              <a:gd name="connsiteY1" fmla="*/ 0 h 18288"/>
+              <a:gd name="connsiteX2" fmla="*/ 957839 w 4243589"/>
+              <a:gd name="connsiteY2" fmla="*/ 0 h 18288"/>
+              <a:gd name="connsiteX3" fmla="*/ 1521630 w 4243589"/>
+              <a:gd name="connsiteY3" fmla="*/ 0 h 18288"/>
+              <a:gd name="connsiteX4" fmla="*/ 2212729 w 4243589"/>
+              <a:gd name="connsiteY4" fmla="*/ 0 h 18288"/>
+              <a:gd name="connsiteX5" fmla="*/ 2734084 w 4243589"/>
+              <a:gd name="connsiteY5" fmla="*/ 0 h 18288"/>
+              <a:gd name="connsiteX6" fmla="*/ 3255439 w 4243589"/>
+              <a:gd name="connsiteY6" fmla="*/ 0 h 18288"/>
+              <a:gd name="connsiteX7" fmla="*/ 4243589 w 4243589"/>
+              <a:gd name="connsiteY7" fmla="*/ 0 h 18288"/>
+              <a:gd name="connsiteX8" fmla="*/ 4243589 w 4243589"/>
+              <a:gd name="connsiteY8" fmla="*/ 18288 h 18288"/>
+              <a:gd name="connsiteX9" fmla="*/ 3594926 w 4243589"/>
+              <a:gd name="connsiteY9" fmla="*/ 18288 h 18288"/>
+              <a:gd name="connsiteX10" fmla="*/ 3073571 w 4243589"/>
+              <a:gd name="connsiteY10" fmla="*/ 18288 h 18288"/>
+              <a:gd name="connsiteX11" fmla="*/ 2552216 w 4243589"/>
+              <a:gd name="connsiteY11" fmla="*/ 18288 h 18288"/>
+              <a:gd name="connsiteX12" fmla="*/ 1903553 w 4243589"/>
+              <a:gd name="connsiteY12" fmla="*/ 18288 h 18288"/>
+              <a:gd name="connsiteX13" fmla="*/ 1212454 w 4243589"/>
+              <a:gd name="connsiteY13" fmla="*/ 18288 h 18288"/>
+              <a:gd name="connsiteX14" fmla="*/ 733535 w 4243589"/>
+              <a:gd name="connsiteY14" fmla="*/ 18288 h 18288"/>
+              <a:gd name="connsiteX15" fmla="*/ 0 w 4243589"/>
+              <a:gd name="connsiteY15" fmla="*/ 18288 h 18288"/>
+              <a:gd name="connsiteX16" fmla="*/ 0 w 4243589"/>
+              <a:gd name="connsiteY16" fmla="*/ 0 h 18288"/>
+            </a:gdLst>
+            <a:ahLst/>
+            <a:cxnLst>
+              <a:cxn ang="0">
+                <a:pos x="connsiteX0" y="connsiteY0"/>
+              </a:cxn>
+              <a:cxn ang="0">
+                <a:pos x="connsiteX1" y="connsiteY1"/>
+              </a:cxn>
+              <a:cxn ang="0">
+                <a:pos x="connsiteX2" y="connsiteY2"/>
+              </a:cxn>
+              <a:cxn ang="0">
+                <a:pos x="connsiteX3" y="connsiteY3"/>
+              </a:cxn>
+              <a:cxn ang="0">
+                <a:pos x="connsiteX4" y="connsiteY4"/>
+              </a:cxn>
+              <a:cxn ang="0">
+                <a:pos x="connsiteX5" y="connsiteY5"/>
+              </a:cxn>
+              <a:cxn ang="0">
+                <a:pos x="connsiteX6" y="connsiteY6"/>
+              </a:cxn>
+              <a:cxn ang="0">
+                <a:pos x="connsiteX7" y="connsiteY7"/>
+              </a:cxn>
+              <a:cxn ang="0">
+                <a:pos x="connsiteX8" y="connsiteY8"/>
+              </a:cxn>
+              <a:cxn ang="0">
+                <a:pos x="connsiteX9" y="connsiteY9"/>
+              </a:cxn>
+              <a:cxn ang="0">
+                <a:pos x="connsiteX10" y="connsiteY10"/>
+              </a:cxn>
+              <a:cxn ang="0">
+                <a:pos x="connsiteX11" y="connsiteY11"/>
+              </a:cxn>
+              <a:cxn ang="0">
+                <a:pos x="connsiteX12" y="connsiteY12"/>
+              </a:cxn>
+              <a:cxn ang="0">
+                <a:pos x="connsiteX13" y="connsiteY13"/>
+              </a:cxn>
+              <a:cxn ang="0">
+                <a:pos x="connsiteX14" y="connsiteY14"/>
+              </a:cxn>
+              <a:cxn ang="0">
+                <a:pos x="connsiteX15" y="connsiteY15"/>
+              </a:cxn>
+              <a:cxn ang="0">
+                <a:pos x="connsiteX16" y="connsiteY16"/>
+              </a:cxn>
+            </a:cxnLst>
+            <a:rect l="l" t="t" r="r" b="b"/>
+            <a:pathLst>
+              <a:path w="4243589" h="18288" fill="none" extrusionOk="0">
+                <a:moveTo>
+                  <a:pt x="0" y="0"/>
+                </a:moveTo>
+                <a:cubicBezTo>
+                  <a:pt x="213395" y="-21006"/>
+                  <a:pt x="307421" y="-18116"/>
+                  <a:pt x="478919" y="0"/>
+                </a:cubicBezTo>
+                <a:cubicBezTo>
+                  <a:pt x="650417" y="18116"/>
+                  <a:pt x="831092" y="-21237"/>
+                  <a:pt x="957839" y="0"/>
+                </a:cubicBezTo>
+                <a:cubicBezTo>
+                  <a:pt x="1084586" y="21237"/>
+                  <a:pt x="1301682" y="25124"/>
+                  <a:pt x="1521630" y="0"/>
+                </a:cubicBezTo>
+                <a:cubicBezTo>
+                  <a:pt x="1741578" y="-25124"/>
+                  <a:pt x="1970269" y="-29139"/>
+                  <a:pt x="2212729" y="0"/>
+                </a:cubicBezTo>
+                <a:cubicBezTo>
+                  <a:pt x="2455189" y="29139"/>
+                  <a:pt x="2558847" y="-4796"/>
+                  <a:pt x="2734084" y="0"/>
+                </a:cubicBezTo>
+                <a:cubicBezTo>
+                  <a:pt x="2909321" y="4796"/>
+                  <a:pt x="3097217" y="-13409"/>
+                  <a:pt x="3255439" y="0"/>
+                </a:cubicBezTo>
+                <a:cubicBezTo>
+                  <a:pt x="3413662" y="13409"/>
+                  <a:pt x="3979999" y="-10121"/>
+                  <a:pt x="4243589" y="0"/>
+                </a:cubicBezTo>
+                <a:cubicBezTo>
+                  <a:pt x="4244484" y="8974"/>
+                  <a:pt x="4243043" y="9359"/>
+                  <a:pt x="4243589" y="18288"/>
+                </a:cubicBezTo>
+                <a:cubicBezTo>
+                  <a:pt x="4058777" y="31246"/>
+                  <a:pt x="3910348" y="3158"/>
+                  <a:pt x="3594926" y="18288"/>
+                </a:cubicBezTo>
+                <a:cubicBezTo>
+                  <a:pt x="3279504" y="33418"/>
+                  <a:pt x="3319955" y="-3977"/>
+                  <a:pt x="3073571" y="18288"/>
+                </a:cubicBezTo>
+                <a:cubicBezTo>
+                  <a:pt x="2827187" y="40553"/>
+                  <a:pt x="2767387" y="1863"/>
+                  <a:pt x="2552216" y="18288"/>
+                </a:cubicBezTo>
+                <a:cubicBezTo>
+                  <a:pt x="2337046" y="34713"/>
+                  <a:pt x="2181871" y="19527"/>
+                  <a:pt x="1903553" y="18288"/>
+                </a:cubicBezTo>
+                <a:cubicBezTo>
+                  <a:pt x="1625235" y="17049"/>
+                  <a:pt x="1557672" y="24174"/>
+                  <a:pt x="1212454" y="18288"/>
+                </a:cubicBezTo>
+                <a:cubicBezTo>
+                  <a:pt x="867236" y="12402"/>
+                  <a:pt x="874382" y="15627"/>
+                  <a:pt x="733535" y="18288"/>
+                </a:cubicBezTo>
+                <a:cubicBezTo>
+                  <a:pt x="592688" y="20949"/>
+                  <a:pt x="183477" y="14753"/>
+                  <a:pt x="0" y="18288"/>
+                </a:cubicBezTo>
+                <a:cubicBezTo>
+                  <a:pt x="-229" y="14222"/>
+                  <a:pt x="509" y="5816"/>
+                  <a:pt x="0" y="0"/>
+                </a:cubicBezTo>
+                <a:close/>
+              </a:path>
+              <a:path w="4243589" h="18288" stroke="0" extrusionOk="0">
+                <a:moveTo>
+                  <a:pt x="0" y="0"/>
+                </a:moveTo>
+                <a:cubicBezTo>
+                  <a:pt x="143690" y="16630"/>
+                  <a:pt x="266667" y="14847"/>
+                  <a:pt x="521355" y="0"/>
+                </a:cubicBezTo>
+                <a:cubicBezTo>
+                  <a:pt x="776043" y="-14847"/>
+                  <a:pt x="814491" y="-17363"/>
+                  <a:pt x="1000275" y="0"/>
+                </a:cubicBezTo>
+                <a:cubicBezTo>
+                  <a:pt x="1186059" y="17363"/>
+                  <a:pt x="1352504" y="-23507"/>
+                  <a:pt x="1521630" y="0"/>
+                </a:cubicBezTo>
+                <a:cubicBezTo>
+                  <a:pt x="1690756" y="23507"/>
+                  <a:pt x="1889525" y="5871"/>
+                  <a:pt x="2127857" y="0"/>
+                </a:cubicBezTo>
+                <a:cubicBezTo>
+                  <a:pt x="2366189" y="-5871"/>
+                  <a:pt x="2620628" y="-27997"/>
+                  <a:pt x="2776520" y="0"/>
+                </a:cubicBezTo>
+                <a:cubicBezTo>
+                  <a:pt x="2932412" y="27997"/>
+                  <a:pt x="3131683" y="-25073"/>
+                  <a:pt x="3467618" y="0"/>
+                </a:cubicBezTo>
+                <a:cubicBezTo>
+                  <a:pt x="3803553" y="25073"/>
+                  <a:pt x="4017371" y="3071"/>
+                  <a:pt x="4243589" y="0"/>
+                </a:cubicBezTo>
+                <a:cubicBezTo>
+                  <a:pt x="4243134" y="6162"/>
+                  <a:pt x="4243492" y="11775"/>
+                  <a:pt x="4243589" y="18288"/>
+                </a:cubicBezTo>
+                <a:cubicBezTo>
+                  <a:pt x="4017834" y="-5779"/>
+                  <a:pt x="3834586" y="13376"/>
+                  <a:pt x="3594926" y="18288"/>
+                </a:cubicBezTo>
+                <a:cubicBezTo>
+                  <a:pt x="3355266" y="23200"/>
+                  <a:pt x="3204179" y="2869"/>
+                  <a:pt x="2903827" y="18288"/>
+                </a:cubicBezTo>
+                <a:cubicBezTo>
+                  <a:pt x="2603475" y="33707"/>
+                  <a:pt x="2526187" y="46187"/>
+                  <a:pt x="2212729" y="18288"/>
+                </a:cubicBezTo>
+                <a:cubicBezTo>
+                  <a:pt x="1899271" y="-9611"/>
+                  <a:pt x="1966289" y="29692"/>
+                  <a:pt x="1733809" y="18288"/>
+                </a:cubicBezTo>
+                <a:cubicBezTo>
+                  <a:pt x="1501329" y="6884"/>
+                  <a:pt x="1343612" y="12492"/>
+                  <a:pt x="1085146" y="18288"/>
+                </a:cubicBezTo>
+                <a:cubicBezTo>
+                  <a:pt x="826680" y="24084"/>
+                  <a:pt x="778184" y="35607"/>
+                  <a:pt x="521355" y="18288"/>
+                </a:cubicBezTo>
+                <a:cubicBezTo>
+                  <a:pt x="264526" y="969"/>
+                  <a:pt x="120277" y="4268"/>
+                  <a:pt x="0" y="18288"/>
+                </a:cubicBezTo>
+                <a:cubicBezTo>
+                  <a:pt x="766" y="10800"/>
+                  <a:pt x="-457" y="8180"/>
+                  <a:pt x="0" y="0"/>
+                </a:cubicBezTo>
+                <a:close/>
+              </a:path>
+            </a:pathLst>
+          </a:custGeom>
+          <a:solidFill>
+            <a:schemeClr val="accent2"/>
+          </a:solidFill>
+          <a:ln w="44450" cap="rnd">
+            <a:solidFill>
+              <a:schemeClr val="accent2"/>
+            </a:solidFill>
+            <a:round/>
+            <a:extLst>
+              <a:ext uri="{C807C97D-BFC1-408E-A445-0C87EB9F89A2}">
+                <ask:lineSketchStyleProps xmlns:ask="http://schemas.microsoft.com/office/drawing/2018/sketchyshapes" sd="2727557108">
+                  <a:prstGeom prst="rect">
+                    <a:avLst/>
+                  </a:prstGeom>
+                  <ask:type>
+                    <ask:lineSketchFreehand/>
+                  </ask:type>
+                </ask:lineSketchStyleProps>
+              </a:ext>
+            </a:extLst>
+          </a:ln>
+        </p:spPr>
+        <p:style>
+          <a:lnRef idx="2">
+            <a:schemeClr val="accent1">
+              <a:shade val="50000"/>
+            </a:schemeClr>
+          </a:lnRef>
+          <a:fillRef idx="1">
+            <a:schemeClr val="accent1"/>
+          </a:fillRef>
+          <a:effectRef idx="0">
+            <a:schemeClr val="accent1"/>
+          </a:effectRef>
+          <a:fontRef idx="minor">
+            <a:schemeClr val="lt1"/>
+          </a:fontRef>
+        </p:style>
+        <p:txBody>
+          <a:bodyPr rtlCol="0" anchor="ctr"/>
+          <a:lstStyle/>
+          <a:p>
+            <a:pPr algn="ctr"/>
+            <a:endParaRPr lang="en-US"/>
+          </a:p>
+        </p:txBody>
+      </p:sp>
+      <p:sp>
+        <p:nvSpPr>
+          <p:cNvPr id="3" name="Content Placeholder 2">
+            <a:extLst>
+              <a:ext uri="{FF2B5EF4-FFF2-40B4-BE49-F238E27FC236}">
+                <a16:creationId xmlns:a16="http://schemas.microsoft.com/office/drawing/2014/main" id="{36D755ED-5714-2419-8B5B-87E8A7A5A706}"/>
+              </a:ext>
+            </a:extLst>
+          </p:cNvPr>
+          <p:cNvSpPr>
+            <a:spLocks noGrp="1"/>
+          </p:cNvSpPr>
+          <p:nvPr>
+            <p:ph idx="1"/>
+          </p:nvPr>
+        </p:nvSpPr>
+        <p:spPr>
+          <a:xfrm>
+            <a:off x="5297762" y="2706624"/>
+            <a:ext cx="6251110" cy="3483864"/>
+          </a:xfrm>
+        </p:spPr>
+        <p:txBody>
+          <a:bodyPr>
+            <a:normAutofit/>
+          </a:bodyPr>
+          <a:lstStyle/>
+          <a:p>
+            <a:r>
+              <a:rPr lang="en-BG" sz="2200"/>
+              <a:t>List products on the store</a:t>
+            </a:r>
+          </a:p>
+          <a:p>
+            <a:r>
+              <a:rPr lang="en-BG" sz="2200"/>
+              <a:t>Search for products</a:t>
+            </a:r>
+          </a:p>
+          <a:p>
+            <a:r>
+              <a:rPr lang="en-BG" sz="2200"/>
+              <a:t>Add a product for sale</a:t>
+            </a:r>
+          </a:p>
+          <a:p>
+            <a:r>
+              <a:rPr lang="en-BG" sz="2200"/>
+              <a:t>Comment on products</a:t>
+            </a:r>
+          </a:p>
+          <a:p>
+            <a:r>
+              <a:rPr lang="en-BG" sz="2200"/>
+              <a:t>Rate products</a:t>
+            </a:r>
+          </a:p>
+          <a:p>
+            <a:r>
+              <a:rPr lang="en-BG" sz="2200"/>
+              <a:t>Update your products</a:t>
+            </a:r>
+          </a:p>
+          <a:p>
+            <a:r>
+              <a:rPr lang="en-BG" sz="2200"/>
+              <a:t>Purchase products</a:t>
+            </a:r>
+          </a:p>
+        </p:txBody>
+      </p:sp>
     </p:spTree>
     <p:extLst>
       <p:ext uri="{BB962C8B-B14F-4D97-AF65-F5344CB8AC3E}">
@@ -3955,6 +5973,14 @@
 <file path=ppt/slides/slide6.xml><?xml version="1.0" encoding="utf-8"?>
 <p:sld xmlns:a="http://schemas.openxmlformats.org/drawingml/2006/main" xmlns:r="http://schemas.openxmlformats.org/officeDocument/2006/relationships" xmlns:p="http://schemas.openxmlformats.org/presentationml/2006/main">
   <p:cSld>
+    <p:bg>
+      <p:bgPr>
+        <a:solidFill>
+          <a:schemeClr val="bg1"/>
+        </a:solidFill>
+        <a:effectLst/>
+      </p:bgPr>
+    </p:bg>
     <p:spTree>
       <p:nvGrpSpPr>
         <p:cNvPr id="1" name=""/>
@@ -3969,6 +5995,66 @@
           <a:chExt cx="0" cy="0"/>
         </a:xfrm>
       </p:grpSpPr>
+      <p:sp useBgFill="1">
+        <p:nvSpPr>
+          <p:cNvPr id="3091" name="Rectangle 3090">
+            <a:extLst>
+              <a:ext uri="{FF2B5EF4-FFF2-40B4-BE49-F238E27FC236}">
+                <a16:creationId xmlns:a16="http://schemas.microsoft.com/office/drawing/2014/main" id="{959C6B72-F8E6-4281-8F3E-93FC0DC98039}"/>
+              </a:ext>
+              <a:ext uri="{C183D7F6-B498-43B3-948B-1728B52AA6E4}">
+                <adec:decorative xmlns:adec="http://schemas.microsoft.com/office/drawing/2017/decorative" val="1"/>
+              </a:ext>
+            </a:extLst>
+          </p:cNvPr>
+          <p:cNvSpPr>
+            <a:spLocks noGrp="1" noRot="1" noChangeAspect="1" noMove="1" noResize="1" noEditPoints="1" noAdjustHandles="1" noChangeArrowheads="1" noChangeShapeType="1" noTextEdit="1"/>
+          </p:cNvSpPr>
+          <p:nvPr>
+            <p:extLst>
+              <p:ext uri="{386F3935-93C4-4BCD-93E2-E3B085C9AB24}">
+                <p16:designElem xmlns:p16="http://schemas.microsoft.com/office/powerpoint/2015/main" val="1"/>
+              </p:ext>
+            </p:extLst>
+          </p:nvPr>
+        </p:nvSpPr>
+        <p:spPr>
+          <a:xfrm>
+            <a:off x="0" y="0"/>
+            <a:ext cx="12188952" cy="6858000"/>
+          </a:xfrm>
+          <a:prstGeom prst="rect">
+            <a:avLst/>
+          </a:prstGeom>
+          <a:ln>
+            <a:noFill/>
+          </a:ln>
+        </p:spPr>
+        <p:style>
+          <a:lnRef idx="2">
+            <a:schemeClr val="accent1">
+              <a:shade val="50000"/>
+            </a:schemeClr>
+          </a:lnRef>
+          <a:fillRef idx="1">
+            <a:schemeClr val="accent1"/>
+          </a:fillRef>
+          <a:effectRef idx="0">
+            <a:schemeClr val="accent1"/>
+          </a:effectRef>
+          <a:fontRef idx="minor">
+            <a:schemeClr val="lt1"/>
+          </a:fontRef>
+        </p:style>
+        <p:txBody>
+          <a:bodyPr rtlCol="0" anchor="ctr"/>
+          <a:lstStyle/>
+          <a:p>
+            <a:pPr algn="ctr"/>
+            <a:endParaRPr lang="en-US"/>
+          </a:p>
+        </p:txBody>
+      </p:sp>
       <p:sp>
         <p:nvSpPr>
           <p:cNvPr id="2" name="Title 1">
@@ -3985,64 +6071,31 @@
             <p:ph type="title"/>
           </p:nvPr>
         </p:nvSpPr>
-        <p:spPr/>
-        <p:txBody>
-          <a:bodyPr/>
+        <p:spPr>
+          <a:xfrm>
+            <a:off x="612648" y="365125"/>
+            <a:ext cx="5295015" cy="2063808"/>
+          </a:xfrm>
+        </p:spPr>
+        <p:txBody>
+          <a:bodyPr anchor="b">
+            <a:normAutofit/>
+          </a:bodyPr>
           <a:lstStyle/>
           <a:p>
             <a:r>
-              <a:rPr lang="en-BG" dirty="0"/>
+              <a:rPr lang="en-BG" sz="5400"/>
               <a:t>Technologies</a:t>
-            </a:r>
-          </a:p>
-        </p:txBody>
-      </p:sp>
-      <p:sp>
-        <p:nvSpPr>
-          <p:cNvPr id="3" name="Content Placeholder 2">
-            <a:extLst>
-              <a:ext uri="{FF2B5EF4-FFF2-40B4-BE49-F238E27FC236}">
-                <a16:creationId xmlns:a16="http://schemas.microsoft.com/office/drawing/2014/main" id="{9CEE67CE-12D5-83A0-0601-E42EAF79309A}"/>
-              </a:ext>
-            </a:extLst>
-          </p:cNvPr>
-          <p:cNvSpPr>
-            <a:spLocks noGrp="1"/>
-          </p:cNvSpPr>
-          <p:nvPr>
-            <p:ph idx="1"/>
-          </p:nvPr>
-        </p:nvSpPr>
-        <p:spPr/>
-        <p:txBody>
-          <a:bodyPr/>
-          <a:lstStyle/>
-          <a:p>
-            <a:r>
-              <a:rPr lang="en-BG" dirty="0"/>
-              <a:t>REST API backend implemented in Golang</a:t>
-            </a:r>
-          </a:p>
-          <a:p>
-            <a:r>
-              <a:rPr lang="en-BG" dirty="0"/>
-              <a:t>PostgreSQL</a:t>
-            </a:r>
-          </a:p>
-          <a:p>
-            <a:r>
-              <a:rPr lang="en-BG" dirty="0"/>
-              <a:t>HTML, CSS, Javascript for frontend</a:t>
             </a:r>
           </a:p>
         </p:txBody>
       </p:sp>
       <p:pic>
         <p:nvPicPr>
-          <p:cNvPr id="3082" name="Picture 10" descr="Expertly administer and optimize your postgresql database by Hamzasajawal |  Fiverr">
-            <a:extLst>
-              <a:ext uri="{FF2B5EF4-FFF2-40B4-BE49-F238E27FC236}">
-                <a16:creationId xmlns:a16="http://schemas.microsoft.com/office/drawing/2014/main" id="{088DD49E-9BA3-2A5E-90D6-FB865216F685}"/>
+          <p:cNvPr id="3084" name="Picture 12" descr="Golang Development Company: Your Outsourced Golang Team">
+            <a:extLst>
+              <a:ext uri="{FF2B5EF4-FFF2-40B4-BE49-F238E27FC236}">
+                <a16:creationId xmlns:a16="http://schemas.microsoft.com/office/drawing/2014/main" id="{37BC24BB-5505-E5EF-1DCB-7D33CFD99757}"/>
               </a:ext>
             </a:extLst>
           </p:cNvPr>
@@ -4059,62 +6112,14 @@
               </a:ext>
             </a:extLst>
           </a:blip>
-          <a:srcRect/>
           <a:stretch>
             <a:fillRect/>
           </a:stretch>
         </p:blipFill>
         <p:spPr bwMode="auto">
           <a:xfrm>
-            <a:off x="1778000" y="4713778"/>
-            <a:ext cx="2276764" cy="1433022"/>
-          </a:xfrm>
-          <a:prstGeom prst="rect">
-            <a:avLst/>
-          </a:prstGeom>
-          <a:noFill/>
-          <a:extLst>
-            <a:ext uri="{909E8E84-426E-40DD-AFC4-6F175D3DCCD1}">
-              <a14:hiddenFill xmlns:a14="http://schemas.microsoft.com/office/drawing/2010/main">
-                <a:solidFill>
-                  <a:srgbClr val="FFFFFF"/>
-                </a:solidFill>
-              </a14:hiddenFill>
-            </a:ext>
-          </a:extLst>
-        </p:spPr>
-      </p:pic>
-      <p:pic>
-        <p:nvPicPr>
-          <p:cNvPr id="3084" name="Picture 12" descr="Golang Development Company: Your Outsourced Golang Team">
-            <a:extLst>
-              <a:ext uri="{FF2B5EF4-FFF2-40B4-BE49-F238E27FC236}">
-                <a16:creationId xmlns:a16="http://schemas.microsoft.com/office/drawing/2014/main" id="{37BC24BB-5505-E5EF-1DCB-7D33CFD99757}"/>
-              </a:ext>
-            </a:extLst>
-          </p:cNvPr>
-          <p:cNvPicPr>
-            <a:picLocks noChangeAspect="1" noChangeArrowheads="1"/>
-          </p:cNvPicPr>
-          <p:nvPr/>
-        </p:nvPicPr>
-        <p:blipFill>
-          <a:blip r:embed="rId3">
-            <a:extLst>
-              <a:ext uri="{28A0092B-C50C-407E-A947-70E740481C1C}">
-                <a14:useLocalDpi xmlns:a14="http://schemas.microsoft.com/office/drawing/2010/main" val="0"/>
-              </a:ext>
-            </a:extLst>
-          </a:blip>
-          <a:srcRect/>
-          <a:stretch>
-            <a:fillRect/>
-          </a:stretch>
-        </p:blipFill>
-        <p:spPr bwMode="auto">
-          <a:xfrm>
-            <a:off x="4365337" y="3635375"/>
-            <a:ext cx="2857500" cy="2857500"/>
+            <a:off x="6705905" y="365125"/>
+            <a:ext cx="2194560" cy="2194560"/>
           </a:xfrm>
           <a:prstGeom prst="rect">
             <a:avLst/>
@@ -4146,22 +6151,457 @@
           <p:nvPr/>
         </p:nvPicPr>
         <p:blipFill>
-          <a:blip r:embed="rId4">
+          <a:blip r:embed="rId3">
             <a:extLst>
               <a:ext uri="{28A0092B-C50C-407E-A947-70E740481C1C}">
                 <a14:useLocalDpi xmlns:a14="http://schemas.microsoft.com/office/drawing/2010/main" val="0"/>
               </a:ext>
             </a:extLst>
           </a:blip>
-          <a:srcRect/>
           <a:stretch>
             <a:fillRect/>
           </a:stretch>
         </p:blipFill>
         <p:spPr bwMode="auto">
           <a:xfrm>
-            <a:off x="8461087" y="3444875"/>
-            <a:ext cx="3048000" cy="3048000"/>
+            <a:off x="9460383" y="365125"/>
+            <a:ext cx="2194560" cy="2194560"/>
+          </a:xfrm>
+          <a:prstGeom prst="rect">
+            <a:avLst/>
+          </a:prstGeom>
+          <a:noFill/>
+          <a:extLst>
+            <a:ext uri="{909E8E84-426E-40DD-AFC4-6F175D3DCCD1}">
+              <a14:hiddenFill xmlns:a14="http://schemas.microsoft.com/office/drawing/2010/main">
+                <a:solidFill>
+                  <a:srgbClr val="FFFFFF"/>
+                </a:solidFill>
+              </a14:hiddenFill>
+            </a:ext>
+          </a:extLst>
+        </p:spPr>
+      </p:pic>
+      <p:sp>
+        <p:nvSpPr>
+          <p:cNvPr id="3093" name="sketch line">
+            <a:extLst>
+              <a:ext uri="{FF2B5EF4-FFF2-40B4-BE49-F238E27FC236}">
+                <a16:creationId xmlns:a16="http://schemas.microsoft.com/office/drawing/2014/main" id="{490234EE-E0D8-4805-9227-CCEAC601691F}"/>
+              </a:ext>
+              <a:ext uri="{C183D7F6-B498-43B3-948B-1728B52AA6E4}">
+                <adec:decorative xmlns:adec="http://schemas.microsoft.com/office/drawing/2017/decorative" val="1"/>
+              </a:ext>
+            </a:extLst>
+          </p:cNvPr>
+          <p:cNvSpPr>
+            <a:spLocks noGrp="1" noRot="1" noChangeAspect="1" noMove="1" noResize="1" noEditPoints="1" noAdjustHandles="1" noChangeArrowheads="1" noChangeShapeType="1" noTextEdit="1"/>
+          </p:cNvSpPr>
+          <p:nvPr>
+            <p:extLst>
+              <p:ext uri="{386F3935-93C4-4BCD-93E2-E3B085C9AB24}">
+                <p16:designElem xmlns:p16="http://schemas.microsoft.com/office/powerpoint/2015/main" val="1"/>
+              </p:ext>
+            </p:extLst>
+          </p:nvPr>
+        </p:nvSpPr>
+        <p:spPr>
+          <a:xfrm>
+            <a:off x="838200" y="2650181"/>
+            <a:ext cx="4343400" cy="18288"/>
+          </a:xfrm>
+          <a:custGeom>
+            <a:avLst/>
+            <a:gdLst>
+              <a:gd name="connsiteX0" fmla="*/ 0 w 4343400"/>
+              <a:gd name="connsiteY0" fmla="*/ 0 h 18288"/>
+              <a:gd name="connsiteX1" fmla="*/ 577052 w 4343400"/>
+              <a:gd name="connsiteY1" fmla="*/ 0 h 18288"/>
+              <a:gd name="connsiteX2" fmla="*/ 1067235 w 4343400"/>
+              <a:gd name="connsiteY2" fmla="*/ 0 h 18288"/>
+              <a:gd name="connsiteX3" fmla="*/ 1600853 w 4343400"/>
+              <a:gd name="connsiteY3" fmla="*/ 0 h 18288"/>
+              <a:gd name="connsiteX4" fmla="*/ 2264773 w 4343400"/>
+              <a:gd name="connsiteY4" fmla="*/ 0 h 18288"/>
+              <a:gd name="connsiteX5" fmla="*/ 2841825 w 4343400"/>
+              <a:gd name="connsiteY5" fmla="*/ 0 h 18288"/>
+              <a:gd name="connsiteX6" fmla="*/ 3375442 w 4343400"/>
+              <a:gd name="connsiteY6" fmla="*/ 0 h 18288"/>
+              <a:gd name="connsiteX7" fmla="*/ 4343400 w 4343400"/>
+              <a:gd name="connsiteY7" fmla="*/ 0 h 18288"/>
+              <a:gd name="connsiteX8" fmla="*/ 4343400 w 4343400"/>
+              <a:gd name="connsiteY8" fmla="*/ 18288 h 18288"/>
+              <a:gd name="connsiteX9" fmla="*/ 3722914 w 4343400"/>
+              <a:gd name="connsiteY9" fmla="*/ 18288 h 18288"/>
+              <a:gd name="connsiteX10" fmla="*/ 3189297 w 4343400"/>
+              <a:gd name="connsiteY10" fmla="*/ 18288 h 18288"/>
+              <a:gd name="connsiteX11" fmla="*/ 2481943 w 4343400"/>
+              <a:gd name="connsiteY11" fmla="*/ 18288 h 18288"/>
+              <a:gd name="connsiteX12" fmla="*/ 1904891 w 4343400"/>
+              <a:gd name="connsiteY12" fmla="*/ 18288 h 18288"/>
+              <a:gd name="connsiteX13" fmla="*/ 1414707 w 4343400"/>
+              <a:gd name="connsiteY13" fmla="*/ 18288 h 18288"/>
+              <a:gd name="connsiteX14" fmla="*/ 750788 w 4343400"/>
+              <a:gd name="connsiteY14" fmla="*/ 18288 h 18288"/>
+              <a:gd name="connsiteX15" fmla="*/ 0 w 4343400"/>
+              <a:gd name="connsiteY15" fmla="*/ 18288 h 18288"/>
+              <a:gd name="connsiteX16" fmla="*/ 0 w 4343400"/>
+              <a:gd name="connsiteY16" fmla="*/ 0 h 18288"/>
+            </a:gdLst>
+            <a:ahLst/>
+            <a:cxnLst>
+              <a:cxn ang="0">
+                <a:pos x="connsiteX0" y="connsiteY0"/>
+              </a:cxn>
+              <a:cxn ang="0">
+                <a:pos x="connsiteX1" y="connsiteY1"/>
+              </a:cxn>
+              <a:cxn ang="0">
+                <a:pos x="connsiteX2" y="connsiteY2"/>
+              </a:cxn>
+              <a:cxn ang="0">
+                <a:pos x="connsiteX3" y="connsiteY3"/>
+              </a:cxn>
+              <a:cxn ang="0">
+                <a:pos x="connsiteX4" y="connsiteY4"/>
+              </a:cxn>
+              <a:cxn ang="0">
+                <a:pos x="connsiteX5" y="connsiteY5"/>
+              </a:cxn>
+              <a:cxn ang="0">
+                <a:pos x="connsiteX6" y="connsiteY6"/>
+              </a:cxn>
+              <a:cxn ang="0">
+                <a:pos x="connsiteX7" y="connsiteY7"/>
+              </a:cxn>
+              <a:cxn ang="0">
+                <a:pos x="connsiteX8" y="connsiteY8"/>
+              </a:cxn>
+              <a:cxn ang="0">
+                <a:pos x="connsiteX9" y="connsiteY9"/>
+              </a:cxn>
+              <a:cxn ang="0">
+                <a:pos x="connsiteX10" y="connsiteY10"/>
+              </a:cxn>
+              <a:cxn ang="0">
+                <a:pos x="connsiteX11" y="connsiteY11"/>
+              </a:cxn>
+              <a:cxn ang="0">
+                <a:pos x="connsiteX12" y="connsiteY12"/>
+              </a:cxn>
+              <a:cxn ang="0">
+                <a:pos x="connsiteX13" y="connsiteY13"/>
+              </a:cxn>
+              <a:cxn ang="0">
+                <a:pos x="connsiteX14" y="connsiteY14"/>
+              </a:cxn>
+              <a:cxn ang="0">
+                <a:pos x="connsiteX15" y="connsiteY15"/>
+              </a:cxn>
+              <a:cxn ang="0">
+                <a:pos x="connsiteX16" y="connsiteY16"/>
+              </a:cxn>
+            </a:cxnLst>
+            <a:rect l="l" t="t" r="r" b="b"/>
+            <a:pathLst>
+              <a:path w="4343400" h="18288" fill="none" extrusionOk="0">
+                <a:moveTo>
+                  <a:pt x="0" y="0"/>
+                </a:moveTo>
+                <a:cubicBezTo>
+                  <a:pt x="233209" y="-19550"/>
+                  <a:pt x="330816" y="19068"/>
+                  <a:pt x="577052" y="0"/>
+                </a:cubicBezTo>
+                <a:cubicBezTo>
+                  <a:pt x="823288" y="-19068"/>
+                  <a:pt x="875077" y="10360"/>
+                  <a:pt x="1067235" y="0"/>
+                </a:cubicBezTo>
+                <a:cubicBezTo>
+                  <a:pt x="1259393" y="-10360"/>
+                  <a:pt x="1410699" y="2939"/>
+                  <a:pt x="1600853" y="0"/>
+                </a:cubicBezTo>
+                <a:cubicBezTo>
+                  <a:pt x="1791007" y="-2939"/>
+                  <a:pt x="2101644" y="-26225"/>
+                  <a:pt x="2264773" y="0"/>
+                </a:cubicBezTo>
+                <a:cubicBezTo>
+                  <a:pt x="2427902" y="26225"/>
+                  <a:pt x="2690426" y="-27726"/>
+                  <a:pt x="2841825" y="0"/>
+                </a:cubicBezTo>
+                <a:cubicBezTo>
+                  <a:pt x="2993224" y="27726"/>
+                  <a:pt x="3172320" y="-18569"/>
+                  <a:pt x="3375442" y="0"/>
+                </a:cubicBezTo>
+                <a:cubicBezTo>
+                  <a:pt x="3578564" y="18569"/>
+                  <a:pt x="4003119" y="21909"/>
+                  <a:pt x="4343400" y="0"/>
+                </a:cubicBezTo>
+                <a:cubicBezTo>
+                  <a:pt x="4343798" y="7429"/>
+                  <a:pt x="4343380" y="10822"/>
+                  <a:pt x="4343400" y="18288"/>
+                </a:cubicBezTo>
+                <a:cubicBezTo>
+                  <a:pt x="4109047" y="14709"/>
+                  <a:pt x="3996986" y="7919"/>
+                  <a:pt x="3722914" y="18288"/>
+                </a:cubicBezTo>
+                <a:cubicBezTo>
+                  <a:pt x="3448842" y="28657"/>
+                  <a:pt x="3340973" y="29252"/>
+                  <a:pt x="3189297" y="18288"/>
+                </a:cubicBezTo>
+                <a:cubicBezTo>
+                  <a:pt x="3037621" y="7324"/>
+                  <a:pt x="2636891" y="-9539"/>
+                  <a:pt x="2481943" y="18288"/>
+                </a:cubicBezTo>
+                <a:cubicBezTo>
+                  <a:pt x="2326995" y="46115"/>
+                  <a:pt x="2131632" y="740"/>
+                  <a:pt x="1904891" y="18288"/>
+                </a:cubicBezTo>
+                <a:cubicBezTo>
+                  <a:pt x="1678150" y="35836"/>
+                  <a:pt x="1575362" y="-3381"/>
+                  <a:pt x="1414707" y="18288"/>
+                </a:cubicBezTo>
+                <a:cubicBezTo>
+                  <a:pt x="1254052" y="39957"/>
+                  <a:pt x="1051093" y="-335"/>
+                  <a:pt x="750788" y="18288"/>
+                </a:cubicBezTo>
+                <a:cubicBezTo>
+                  <a:pt x="450483" y="36911"/>
+                  <a:pt x="293781" y="22900"/>
+                  <a:pt x="0" y="18288"/>
+                </a:cubicBezTo>
+                <a:cubicBezTo>
+                  <a:pt x="-591" y="13205"/>
+                  <a:pt x="-663" y="6329"/>
+                  <a:pt x="0" y="0"/>
+                </a:cubicBezTo>
+                <a:close/>
+              </a:path>
+              <a:path w="4343400" h="18288" stroke="0" extrusionOk="0">
+                <a:moveTo>
+                  <a:pt x="0" y="0"/>
+                </a:moveTo>
+                <a:cubicBezTo>
+                  <a:pt x="212719" y="-28531"/>
+                  <a:pt x="340561" y="-1164"/>
+                  <a:pt x="577052" y="0"/>
+                </a:cubicBezTo>
+                <a:cubicBezTo>
+                  <a:pt x="813543" y="1164"/>
+                  <a:pt x="866967" y="-9376"/>
+                  <a:pt x="1067235" y="0"/>
+                </a:cubicBezTo>
+                <a:cubicBezTo>
+                  <a:pt x="1267503" y="9376"/>
+                  <a:pt x="1485778" y="-20470"/>
+                  <a:pt x="1774589" y="0"/>
+                </a:cubicBezTo>
+                <a:cubicBezTo>
+                  <a:pt x="2063400" y="20470"/>
+                  <a:pt x="2090152" y="-14502"/>
+                  <a:pt x="2351641" y="0"/>
+                </a:cubicBezTo>
+                <a:cubicBezTo>
+                  <a:pt x="2613130" y="14502"/>
+                  <a:pt x="2802864" y="19125"/>
+                  <a:pt x="2928693" y="0"/>
+                </a:cubicBezTo>
+                <a:cubicBezTo>
+                  <a:pt x="3054522" y="-19125"/>
+                  <a:pt x="3482611" y="-2038"/>
+                  <a:pt x="3636046" y="0"/>
+                </a:cubicBezTo>
+                <a:cubicBezTo>
+                  <a:pt x="3789481" y="2038"/>
+                  <a:pt x="4012363" y="973"/>
+                  <a:pt x="4343400" y="0"/>
+                </a:cubicBezTo>
+                <a:cubicBezTo>
+                  <a:pt x="4342514" y="5429"/>
+                  <a:pt x="4344221" y="14046"/>
+                  <a:pt x="4343400" y="18288"/>
+                </a:cubicBezTo>
+                <a:cubicBezTo>
+                  <a:pt x="4078870" y="-6138"/>
+                  <a:pt x="4015967" y="29658"/>
+                  <a:pt x="3809782" y="18288"/>
+                </a:cubicBezTo>
+                <a:cubicBezTo>
+                  <a:pt x="3603597" y="6918"/>
+                  <a:pt x="3495552" y="24439"/>
+                  <a:pt x="3189297" y="18288"/>
+                </a:cubicBezTo>
+                <a:cubicBezTo>
+                  <a:pt x="2883042" y="12137"/>
+                  <a:pt x="2850610" y="32583"/>
+                  <a:pt x="2568811" y="18288"/>
+                </a:cubicBezTo>
+                <a:cubicBezTo>
+                  <a:pt x="2287012" y="3993"/>
+                  <a:pt x="2279820" y="23580"/>
+                  <a:pt x="1991759" y="18288"/>
+                </a:cubicBezTo>
+                <a:cubicBezTo>
+                  <a:pt x="1703698" y="12996"/>
+                  <a:pt x="1616455" y="23157"/>
+                  <a:pt x="1284405" y="18288"/>
+                </a:cubicBezTo>
+                <a:cubicBezTo>
+                  <a:pt x="952355" y="13419"/>
+                  <a:pt x="783530" y="16053"/>
+                  <a:pt x="577052" y="18288"/>
+                </a:cubicBezTo>
+                <a:cubicBezTo>
+                  <a:pt x="370574" y="20523"/>
+                  <a:pt x="173929" y="5195"/>
+                  <a:pt x="0" y="18288"/>
+                </a:cubicBezTo>
+                <a:cubicBezTo>
+                  <a:pt x="668" y="13665"/>
+                  <a:pt x="578" y="5675"/>
+                  <a:pt x="0" y="0"/>
+                </a:cubicBezTo>
+                <a:close/>
+              </a:path>
+            </a:pathLst>
+          </a:custGeom>
+          <a:solidFill>
+            <a:schemeClr val="accent2"/>
+          </a:solidFill>
+          <a:ln w="41275" cap="rnd">
+            <a:solidFill>
+              <a:schemeClr val="accent2"/>
+            </a:solidFill>
+            <a:round/>
+            <a:extLst>
+              <a:ext uri="{C807C97D-BFC1-408E-A445-0C87EB9F89A2}">
+                <ask:lineSketchStyleProps xmlns:ask="http://schemas.microsoft.com/office/drawing/2018/sketchyshapes" sd="1219033472">
+                  <a:prstGeom prst="rect">
+                    <a:avLst/>
+                  </a:prstGeom>
+                  <ask:type>
+                    <ask:lineSketchFreehand/>
+                  </ask:type>
+                </ask:lineSketchStyleProps>
+              </a:ext>
+            </a:extLst>
+          </a:ln>
+        </p:spPr>
+        <p:style>
+          <a:lnRef idx="2">
+            <a:schemeClr val="accent1">
+              <a:shade val="50000"/>
+            </a:schemeClr>
+          </a:lnRef>
+          <a:fillRef idx="1">
+            <a:schemeClr val="accent1"/>
+          </a:fillRef>
+          <a:effectRef idx="0">
+            <a:schemeClr val="accent1"/>
+          </a:effectRef>
+          <a:fontRef idx="minor">
+            <a:schemeClr val="lt1"/>
+          </a:fontRef>
+        </p:style>
+        <p:txBody>
+          <a:bodyPr rtlCol="0" anchor="ctr"/>
+          <a:lstStyle/>
+          <a:p>
+            <a:pPr algn="ctr"/>
+            <a:endParaRPr lang="en-US"/>
+          </a:p>
+        </p:txBody>
+      </p:sp>
+      <p:sp>
+        <p:nvSpPr>
+          <p:cNvPr id="3" name="Content Placeholder 2">
+            <a:extLst>
+              <a:ext uri="{FF2B5EF4-FFF2-40B4-BE49-F238E27FC236}">
+                <a16:creationId xmlns:a16="http://schemas.microsoft.com/office/drawing/2014/main" id="{9CEE67CE-12D5-83A0-0601-E42EAF79309A}"/>
+              </a:ext>
+            </a:extLst>
+          </p:cNvPr>
+          <p:cNvSpPr>
+            <a:spLocks noGrp="1"/>
+          </p:cNvSpPr>
+          <p:nvPr>
+            <p:ph idx="1"/>
+          </p:nvPr>
+        </p:nvSpPr>
+        <p:spPr>
+          <a:xfrm>
+            <a:off x="612648" y="2908005"/>
+            <a:ext cx="5295015" cy="3268957"/>
+          </a:xfrm>
+        </p:spPr>
+        <p:txBody>
+          <a:bodyPr>
+            <a:normAutofit/>
+          </a:bodyPr>
+          <a:lstStyle/>
+          <a:p>
+            <a:r>
+              <a:rPr lang="en-BG" sz="2200"/>
+              <a:t>REST API backend implemented in Golang</a:t>
+            </a:r>
+          </a:p>
+          <a:p>
+            <a:r>
+              <a:rPr lang="en-BG" sz="2200"/>
+              <a:t>PostgreSQL</a:t>
+            </a:r>
+          </a:p>
+          <a:p>
+            <a:r>
+              <a:rPr lang="en-BG" sz="2200"/>
+              <a:t>HTML, CSS, Javascript for frontend</a:t>
+            </a:r>
+          </a:p>
+        </p:txBody>
+      </p:sp>
+      <p:pic>
+        <p:nvPicPr>
+          <p:cNvPr id="3082" name="Picture 10" descr="Expertly administer and optimize your postgresql database by Hamzasajawal |  Fiverr">
+            <a:extLst>
+              <a:ext uri="{FF2B5EF4-FFF2-40B4-BE49-F238E27FC236}">
+                <a16:creationId xmlns:a16="http://schemas.microsoft.com/office/drawing/2014/main" id="{088DD49E-9BA3-2A5E-90D6-FB865216F685}"/>
+              </a:ext>
+            </a:extLst>
+          </p:cNvPr>
+          <p:cNvPicPr>
+            <a:picLocks noChangeAspect="1" noChangeArrowheads="1"/>
+          </p:cNvPicPr>
+          <p:nvPr/>
+        </p:nvPicPr>
+        <p:blipFill>
+          <a:blip r:embed="rId4">
+            <a:extLst>
+              <a:ext uri="{28A0092B-C50C-407E-A947-70E740481C1C}">
+                <a14:useLocalDpi xmlns:a14="http://schemas.microsoft.com/office/drawing/2010/main" val="0"/>
+              </a:ext>
+            </a:extLst>
+          </a:blip>
+          <a:stretch>
+            <a:fillRect/>
+          </a:stretch>
+        </p:blipFill>
+        <p:spPr bwMode="auto">
+          <a:xfrm>
+            <a:off x="6532916" y="2803676"/>
+            <a:ext cx="5295016" cy="3335860"/>
           </a:xfrm>
           <a:prstGeom prst="rect">
             <a:avLst/>
@@ -4194,6 +6634,14 @@
 <file path=ppt/slides/slide7.xml><?xml version="1.0" encoding="utf-8"?>
 <p:sld xmlns:a="http://schemas.openxmlformats.org/drawingml/2006/main" xmlns:r="http://schemas.openxmlformats.org/officeDocument/2006/relationships" xmlns:p="http://schemas.openxmlformats.org/presentationml/2006/main">
   <p:cSld>
+    <p:bg>
+      <p:bgPr>
+        <a:solidFill>
+          <a:schemeClr val="bg1"/>
+        </a:solidFill>
+        <a:effectLst/>
+      </p:bgPr>
+    </p:bg>
     <p:spTree>
       <p:nvGrpSpPr>
         <p:cNvPr id="1" name=""/>
@@ -4208,6 +6656,623 @@
           <a:chExt cx="0" cy="0"/>
         </a:xfrm>
       </p:grpSpPr>
+      <p:sp useBgFill="1">
+        <p:nvSpPr>
+          <p:cNvPr id="4103" name="Rectangle 4102">
+            <a:extLst>
+              <a:ext uri="{FF2B5EF4-FFF2-40B4-BE49-F238E27FC236}">
+                <a16:creationId xmlns:a16="http://schemas.microsoft.com/office/drawing/2014/main" id="{76906711-0AFB-47DD-A4B6-4E94B38B8C91}"/>
+              </a:ext>
+              <a:ext uri="{C183D7F6-B498-43B3-948B-1728B52AA6E4}">
+                <adec:decorative xmlns:adec="http://schemas.microsoft.com/office/drawing/2017/decorative" val="1"/>
+              </a:ext>
+            </a:extLst>
+          </p:cNvPr>
+          <p:cNvSpPr>
+            <a:spLocks noGrp="1" noRot="1" noChangeAspect="1" noMove="1" noResize="1" noEditPoints="1" noAdjustHandles="1" noChangeArrowheads="1" noChangeShapeType="1" noTextEdit="1"/>
+          </p:cNvSpPr>
+          <p:nvPr>
+            <p:extLst>
+              <p:ext uri="{386F3935-93C4-4BCD-93E2-E3B085C9AB24}">
+                <p16:designElem xmlns:p16="http://schemas.microsoft.com/office/powerpoint/2015/main" val="1"/>
+              </p:ext>
+            </p:extLst>
+          </p:nvPr>
+        </p:nvSpPr>
+        <p:spPr>
+          <a:xfrm>
+            <a:off x="0" y="0"/>
+            <a:ext cx="12192000" cy="6858000"/>
+          </a:xfrm>
+          <a:prstGeom prst="rect">
+            <a:avLst/>
+          </a:prstGeom>
+          <a:ln>
+            <a:noFill/>
+          </a:ln>
+        </p:spPr>
+        <p:style>
+          <a:lnRef idx="2">
+            <a:schemeClr val="accent1">
+              <a:shade val="50000"/>
+            </a:schemeClr>
+          </a:lnRef>
+          <a:fillRef idx="1">
+            <a:schemeClr val="accent1"/>
+          </a:fillRef>
+          <a:effectRef idx="0">
+            <a:schemeClr val="accent1"/>
+          </a:effectRef>
+          <a:fontRef idx="minor">
+            <a:schemeClr val="lt1"/>
+          </a:fontRef>
+        </p:style>
+        <p:txBody>
+          <a:bodyPr rtlCol="0" anchor="ctr"/>
+          <a:lstStyle/>
+          <a:p>
+            <a:pPr algn="ctr"/>
+            <a:endParaRPr lang="en-US"/>
+          </a:p>
+        </p:txBody>
+      </p:sp>
+      <p:sp>
+        <p:nvSpPr>
+          <p:cNvPr id="4105" name="Freeform: Shape 4104">
+            <a:extLst>
+              <a:ext uri="{FF2B5EF4-FFF2-40B4-BE49-F238E27FC236}">
+                <a16:creationId xmlns:a16="http://schemas.microsoft.com/office/drawing/2014/main" id="{AA91F649-894C-41F6-A21D-3D1AC558E934}"/>
+              </a:ext>
+              <a:ext uri="{C183D7F6-B498-43B3-948B-1728B52AA6E4}">
+                <adec:decorative xmlns:adec="http://schemas.microsoft.com/office/drawing/2017/decorative" val="1"/>
+              </a:ext>
+            </a:extLst>
+          </p:cNvPr>
+          <p:cNvSpPr>
+            <a:spLocks noGrp="1" noRot="1" noChangeAspect="1" noMove="1" noResize="1" noEditPoints="1" noAdjustHandles="1" noChangeArrowheads="1" noChangeShapeType="1" noTextEdit="1"/>
+          </p:cNvSpPr>
+          <p:nvPr>
+            <p:extLst>
+              <p:ext uri="{386F3935-93C4-4BCD-93E2-E3B085C9AB24}">
+                <p16:designElem xmlns:p16="http://schemas.microsoft.com/office/powerpoint/2015/main" val="1"/>
+              </p:ext>
+            </p:extLst>
+          </p:nvPr>
+        </p:nvSpPr>
+        <p:spPr>
+          <a:xfrm>
+            <a:off x="0" y="0"/>
+            <a:ext cx="12192000" cy="2877832"/>
+          </a:xfrm>
+          <a:custGeom>
+            <a:avLst/>
+            <a:gdLst>
+              <a:gd name="connsiteX0" fmla="*/ 6789701 w 12192000"/>
+              <a:gd name="connsiteY0" fmla="*/ 2809623 h 2877832"/>
+              <a:gd name="connsiteX1" fmla="*/ 6788702 w 12192000"/>
+              <a:gd name="connsiteY1" fmla="*/ 2809701 h 2877832"/>
+              <a:gd name="connsiteX2" fmla="*/ 6788476 w 12192000"/>
+              <a:gd name="connsiteY2" fmla="*/ 2810235 h 2877832"/>
+              <a:gd name="connsiteX3" fmla="*/ 0 w 12192000"/>
+              <a:gd name="connsiteY3" fmla="*/ 0 h 2877832"/>
+              <a:gd name="connsiteX4" fmla="*/ 12192000 w 12192000"/>
+              <a:gd name="connsiteY4" fmla="*/ 0 h 2877832"/>
+              <a:gd name="connsiteX5" fmla="*/ 12192000 w 12192000"/>
+              <a:gd name="connsiteY5" fmla="*/ 1915388 h 2877832"/>
+              <a:gd name="connsiteX6" fmla="*/ 12061096 w 12192000"/>
+              <a:gd name="connsiteY6" fmla="*/ 1954428 h 2877832"/>
+              <a:gd name="connsiteX7" fmla="*/ 11676800 w 12192000"/>
+              <a:gd name="connsiteY7" fmla="*/ 2058003 h 2877832"/>
+              <a:gd name="connsiteX8" fmla="*/ 10425355 w 12192000"/>
+              <a:gd name="connsiteY8" fmla="*/ 2341542 h 2877832"/>
+              <a:gd name="connsiteX9" fmla="*/ 9424022 w 12192000"/>
+              <a:gd name="connsiteY9" fmla="*/ 2516704 h 2877832"/>
+              <a:gd name="connsiteX10" fmla="*/ 8458419 w 12192000"/>
+              <a:gd name="connsiteY10" fmla="*/ 2650405 h 2877832"/>
+              <a:gd name="connsiteX11" fmla="*/ 7715970 w 12192000"/>
+              <a:gd name="connsiteY11" fmla="*/ 2730352 h 2877832"/>
+              <a:gd name="connsiteX12" fmla="*/ 6951716 w 12192000"/>
+              <a:gd name="connsiteY12" fmla="*/ 2796132 h 2877832"/>
+              <a:gd name="connsiteX13" fmla="*/ 6936303 w 12192000"/>
+              <a:gd name="connsiteY13" fmla="*/ 2798203 h 2877832"/>
+              <a:gd name="connsiteX14" fmla="*/ 6790448 w 12192000"/>
+              <a:gd name="connsiteY14" fmla="*/ 2809564 h 2877832"/>
+              <a:gd name="connsiteX15" fmla="*/ 6799941 w 12192000"/>
+              <a:gd name="connsiteY15" fmla="*/ 2811384 h 2877832"/>
+              <a:gd name="connsiteX16" fmla="*/ 6835432 w 12192000"/>
+              <a:gd name="connsiteY16" fmla="*/ 2809677 h 2877832"/>
+              <a:gd name="connsiteX17" fmla="*/ 6884003 w 12192000"/>
+              <a:gd name="connsiteY17" fmla="*/ 2806699 h 2877832"/>
+              <a:gd name="connsiteX18" fmla="*/ 7578771 w 12192000"/>
+              <a:gd name="connsiteY18" fmla="*/ 2774172 h 2877832"/>
+              <a:gd name="connsiteX19" fmla="*/ 8623845 w 12192000"/>
+              <a:gd name="connsiteY19" fmla="*/ 2687275 h 2877832"/>
+              <a:gd name="connsiteX20" fmla="*/ 9479970 w 12192000"/>
+              <a:gd name="connsiteY20" fmla="*/ 2583369 h 2877832"/>
+              <a:gd name="connsiteX21" fmla="*/ 10629308 w 12192000"/>
+              <a:gd name="connsiteY21" fmla="*/ 2389212 h 2877832"/>
+              <a:gd name="connsiteX22" fmla="*/ 11998498 w 12192000"/>
+              <a:gd name="connsiteY22" fmla="*/ 2063218 h 2877832"/>
+              <a:gd name="connsiteX23" fmla="*/ 12192000 w 12192000"/>
+              <a:gd name="connsiteY23" fmla="*/ 2006219 h 2877832"/>
+              <a:gd name="connsiteX24" fmla="*/ 12192000 w 12192000"/>
+              <a:gd name="connsiteY24" fmla="*/ 2060956 h 2877832"/>
+              <a:gd name="connsiteX25" fmla="*/ 11829257 w 12192000"/>
+              <a:gd name="connsiteY25" fmla="*/ 2166255 h 2877832"/>
+              <a:gd name="connsiteX26" fmla="*/ 10939183 w 12192000"/>
+              <a:gd name="connsiteY26" fmla="*/ 2380770 h 2877832"/>
+              <a:gd name="connsiteX27" fmla="*/ 9985530 w 12192000"/>
+              <a:gd name="connsiteY27" fmla="*/ 2560775 h 2877832"/>
+              <a:gd name="connsiteX28" fmla="*/ 9186882 w 12192000"/>
+              <a:gd name="connsiteY28" fmla="*/ 2676722 h 2877832"/>
+              <a:gd name="connsiteX29" fmla="*/ 8578198 w 12192000"/>
+              <a:gd name="connsiteY29" fmla="*/ 2746241 h 2877832"/>
+              <a:gd name="connsiteX30" fmla="*/ 7864358 w 12192000"/>
+              <a:gd name="connsiteY30" fmla="*/ 2807692 h 2877832"/>
+              <a:gd name="connsiteX31" fmla="*/ 6935502 w 12192000"/>
+              <a:gd name="connsiteY31" fmla="*/ 2859086 h 2877832"/>
+              <a:gd name="connsiteX32" fmla="*/ 6477750 w 12192000"/>
+              <a:gd name="connsiteY32" fmla="*/ 2872989 h 2877832"/>
+              <a:gd name="connsiteX33" fmla="*/ 6362294 w 12192000"/>
+              <a:gd name="connsiteY33" fmla="*/ 2877832 h 2877832"/>
+              <a:gd name="connsiteX34" fmla="*/ 6057129 w 12192000"/>
+              <a:gd name="connsiteY34" fmla="*/ 2877832 h 2877832"/>
+              <a:gd name="connsiteX35" fmla="*/ 5977784 w 12192000"/>
+              <a:gd name="connsiteY35" fmla="*/ 2873238 h 2877832"/>
+              <a:gd name="connsiteX36" fmla="*/ 5265087 w 12192000"/>
+              <a:gd name="connsiteY36" fmla="*/ 2836989 h 2877832"/>
+              <a:gd name="connsiteX37" fmla="*/ 4346277 w 12192000"/>
+              <a:gd name="connsiteY37" fmla="*/ 2774919 h 2877832"/>
+              <a:gd name="connsiteX38" fmla="*/ 3373045 w 12192000"/>
+              <a:gd name="connsiteY38" fmla="*/ 2676350 h 2877832"/>
+              <a:gd name="connsiteX39" fmla="*/ 2362173 w 12192000"/>
+              <a:gd name="connsiteY39" fmla="*/ 2557423 h 2877832"/>
+              <a:gd name="connsiteX40" fmla="*/ 1233178 w 12192000"/>
+              <a:gd name="connsiteY40" fmla="*/ 2384247 h 2877832"/>
+              <a:gd name="connsiteX41" fmla="*/ 68500 w 12192000"/>
+              <a:gd name="connsiteY41" fmla="*/ 2144540 h 2877832"/>
+              <a:gd name="connsiteX42" fmla="*/ 0 w 12192000"/>
+              <a:gd name="connsiteY42" fmla="*/ 2127185 h 2877832"/>
+              <a:gd name="connsiteX43" fmla="*/ 0 w 12192000"/>
+              <a:gd name="connsiteY43" fmla="*/ 2070696 h 2877832"/>
+              <a:gd name="connsiteX44" fmla="*/ 72441 w 12192000"/>
+              <a:gd name="connsiteY44" fmla="*/ 2089473 h 2877832"/>
+              <a:gd name="connsiteX45" fmla="*/ 600716 w 12192000"/>
+              <a:gd name="connsiteY45" fmla="*/ 2207843 h 2877832"/>
+              <a:gd name="connsiteX46" fmla="*/ 1769512 w 12192000"/>
+              <a:gd name="connsiteY46" fmla="*/ 2418011 h 2877832"/>
+              <a:gd name="connsiteX47" fmla="*/ 2613554 w 12192000"/>
+              <a:gd name="connsiteY47" fmla="*/ 2534953 h 2877832"/>
+              <a:gd name="connsiteX48" fmla="*/ 2581134 w 12192000"/>
+              <a:gd name="connsiteY48" fmla="*/ 2525022 h 2877832"/>
+              <a:gd name="connsiteX49" fmla="*/ 1112635 w 12192000"/>
+              <a:gd name="connsiteY49" fmla="*/ 2192325 h 2877832"/>
+              <a:gd name="connsiteX50" fmla="*/ 420412 w 12192000"/>
+              <a:gd name="connsiteY50" fmla="*/ 1992892 h 2877832"/>
+              <a:gd name="connsiteX51" fmla="*/ 0 w 12192000"/>
+              <a:gd name="connsiteY51" fmla="*/ 1853975 h 2877832"/>
+            </a:gdLst>
+            <a:ahLst/>
+            <a:cxnLst>
+              <a:cxn ang="0">
+                <a:pos x="connsiteX0" y="connsiteY0"/>
+              </a:cxn>
+              <a:cxn ang="0">
+                <a:pos x="connsiteX1" y="connsiteY1"/>
+              </a:cxn>
+              <a:cxn ang="0">
+                <a:pos x="connsiteX2" y="connsiteY2"/>
+              </a:cxn>
+              <a:cxn ang="0">
+                <a:pos x="connsiteX3" y="connsiteY3"/>
+              </a:cxn>
+              <a:cxn ang="0">
+                <a:pos x="connsiteX4" y="connsiteY4"/>
+              </a:cxn>
+              <a:cxn ang="0">
+                <a:pos x="connsiteX5" y="connsiteY5"/>
+              </a:cxn>
+              <a:cxn ang="0">
+                <a:pos x="connsiteX6" y="connsiteY6"/>
+              </a:cxn>
+              <a:cxn ang="0">
+                <a:pos x="connsiteX7" y="connsiteY7"/>
+              </a:cxn>
+              <a:cxn ang="0">
+                <a:pos x="connsiteX8" y="connsiteY8"/>
+              </a:cxn>
+              <a:cxn ang="0">
+                <a:pos x="connsiteX9" y="connsiteY9"/>
+              </a:cxn>
+              <a:cxn ang="0">
+                <a:pos x="connsiteX10" y="connsiteY10"/>
+              </a:cxn>
+              <a:cxn ang="0">
+                <a:pos x="connsiteX11" y="connsiteY11"/>
+              </a:cxn>
+              <a:cxn ang="0">
+                <a:pos x="connsiteX12" y="connsiteY12"/>
+              </a:cxn>
+              <a:cxn ang="0">
+                <a:pos x="connsiteX13" y="connsiteY13"/>
+              </a:cxn>
+              <a:cxn ang="0">
+                <a:pos x="connsiteX14" y="connsiteY14"/>
+              </a:cxn>
+              <a:cxn ang="0">
+                <a:pos x="connsiteX15" y="connsiteY15"/>
+              </a:cxn>
+              <a:cxn ang="0">
+                <a:pos x="connsiteX16" y="connsiteY16"/>
+              </a:cxn>
+              <a:cxn ang="0">
+                <a:pos x="connsiteX17" y="connsiteY17"/>
+              </a:cxn>
+              <a:cxn ang="0">
+                <a:pos x="connsiteX18" y="connsiteY18"/>
+              </a:cxn>
+              <a:cxn ang="0">
+                <a:pos x="connsiteX19" y="connsiteY19"/>
+              </a:cxn>
+              <a:cxn ang="0">
+                <a:pos x="connsiteX20" y="connsiteY20"/>
+              </a:cxn>
+              <a:cxn ang="0">
+                <a:pos x="connsiteX21" y="connsiteY21"/>
+              </a:cxn>
+              <a:cxn ang="0">
+                <a:pos x="connsiteX22" y="connsiteY22"/>
+              </a:cxn>
+              <a:cxn ang="0">
+                <a:pos x="connsiteX23" y="connsiteY23"/>
+              </a:cxn>
+              <a:cxn ang="0">
+                <a:pos x="connsiteX24" y="connsiteY24"/>
+              </a:cxn>
+              <a:cxn ang="0">
+                <a:pos x="connsiteX25" y="connsiteY25"/>
+              </a:cxn>
+              <a:cxn ang="0">
+                <a:pos x="connsiteX26" y="connsiteY26"/>
+              </a:cxn>
+              <a:cxn ang="0">
+                <a:pos x="connsiteX27" y="connsiteY27"/>
+              </a:cxn>
+              <a:cxn ang="0">
+                <a:pos x="connsiteX28" y="connsiteY28"/>
+              </a:cxn>
+              <a:cxn ang="0">
+                <a:pos x="connsiteX29" y="connsiteY29"/>
+              </a:cxn>
+              <a:cxn ang="0">
+                <a:pos x="connsiteX30" y="connsiteY30"/>
+              </a:cxn>
+              <a:cxn ang="0">
+                <a:pos x="connsiteX31" y="connsiteY31"/>
+              </a:cxn>
+              <a:cxn ang="0">
+                <a:pos x="connsiteX32" y="connsiteY32"/>
+              </a:cxn>
+              <a:cxn ang="0">
+                <a:pos x="connsiteX33" y="connsiteY33"/>
+              </a:cxn>
+              <a:cxn ang="0">
+                <a:pos x="connsiteX34" y="connsiteY34"/>
+              </a:cxn>
+              <a:cxn ang="0">
+                <a:pos x="connsiteX35" y="connsiteY35"/>
+              </a:cxn>
+              <a:cxn ang="0">
+                <a:pos x="connsiteX36" y="connsiteY36"/>
+              </a:cxn>
+              <a:cxn ang="0">
+                <a:pos x="connsiteX37" y="connsiteY37"/>
+              </a:cxn>
+              <a:cxn ang="0">
+                <a:pos x="connsiteX38" y="connsiteY38"/>
+              </a:cxn>
+              <a:cxn ang="0">
+                <a:pos x="connsiteX39" y="connsiteY39"/>
+              </a:cxn>
+              <a:cxn ang="0">
+                <a:pos x="connsiteX40" y="connsiteY40"/>
+              </a:cxn>
+              <a:cxn ang="0">
+                <a:pos x="connsiteX41" y="connsiteY41"/>
+              </a:cxn>
+              <a:cxn ang="0">
+                <a:pos x="connsiteX42" y="connsiteY42"/>
+              </a:cxn>
+              <a:cxn ang="0">
+                <a:pos x="connsiteX43" y="connsiteY43"/>
+              </a:cxn>
+              <a:cxn ang="0">
+                <a:pos x="connsiteX44" y="connsiteY44"/>
+              </a:cxn>
+              <a:cxn ang="0">
+                <a:pos x="connsiteX45" y="connsiteY45"/>
+              </a:cxn>
+              <a:cxn ang="0">
+                <a:pos x="connsiteX46" y="connsiteY46"/>
+              </a:cxn>
+              <a:cxn ang="0">
+                <a:pos x="connsiteX47" y="connsiteY47"/>
+              </a:cxn>
+              <a:cxn ang="0">
+                <a:pos x="connsiteX48" y="connsiteY48"/>
+              </a:cxn>
+              <a:cxn ang="0">
+                <a:pos x="connsiteX49" y="connsiteY49"/>
+              </a:cxn>
+              <a:cxn ang="0">
+                <a:pos x="connsiteX50" y="connsiteY50"/>
+              </a:cxn>
+              <a:cxn ang="0">
+                <a:pos x="connsiteX51" y="connsiteY51"/>
+              </a:cxn>
+            </a:cxnLst>
+            <a:rect l="l" t="t" r="r" b="b"/>
+            <a:pathLst>
+              <a:path w="12192000" h="2877832">
+                <a:moveTo>
+                  <a:pt x="6789701" y="2809623"/>
+                </a:moveTo>
+                <a:lnTo>
+                  <a:pt x="6788702" y="2809701"/>
+                </a:lnTo>
+                <a:lnTo>
+                  <a:pt x="6788476" y="2810235"/>
+                </a:lnTo>
+                <a:close/>
+                <a:moveTo>
+                  <a:pt x="0" y="0"/>
+                </a:moveTo>
+                <a:lnTo>
+                  <a:pt x="12192000" y="0"/>
+                </a:lnTo>
+                <a:lnTo>
+                  <a:pt x="12192000" y="1915388"/>
+                </a:lnTo>
+                <a:lnTo>
+                  <a:pt x="12061096" y="1954428"/>
+                </a:lnTo>
+                <a:cubicBezTo>
+                  <a:pt x="11933500" y="1990642"/>
+                  <a:pt x="11805390" y="2025171"/>
+                  <a:pt x="11676800" y="2058003"/>
+                </a:cubicBezTo>
+                <a:cubicBezTo>
+                  <a:pt x="11262789" y="2165510"/>
+                  <a:pt x="10845343" y="2259112"/>
+                  <a:pt x="10425355" y="2341542"/>
+                </a:cubicBezTo>
+                <a:cubicBezTo>
+                  <a:pt x="10092810" y="2406753"/>
+                  <a:pt x="9759033" y="2465150"/>
+                  <a:pt x="9424022" y="2516704"/>
+                </a:cubicBezTo>
+                <a:cubicBezTo>
+                  <a:pt x="9102997" y="2566361"/>
+                  <a:pt x="8781133" y="2610928"/>
+                  <a:pt x="8458419" y="2650405"/>
+                </a:cubicBezTo>
+                <a:cubicBezTo>
+                  <a:pt x="8211360" y="2680571"/>
+                  <a:pt x="7963792" y="2706144"/>
+                  <a:pt x="7715970" y="2730352"/>
+                </a:cubicBezTo>
+                <a:lnTo>
+                  <a:pt x="6951716" y="2796132"/>
+                </a:lnTo>
+                <a:lnTo>
+                  <a:pt x="6936303" y="2798203"/>
+                </a:lnTo>
+                <a:lnTo>
+                  <a:pt x="6790448" y="2809564"/>
+                </a:lnTo>
+                <a:lnTo>
+                  <a:pt x="6799941" y="2811384"/>
+                </a:lnTo>
+                <a:cubicBezTo>
+                  <a:pt x="6811623" y="2811850"/>
+                  <a:pt x="6823734" y="2809677"/>
+                  <a:pt x="6835432" y="2809677"/>
+                </a:cubicBezTo>
+                <a:cubicBezTo>
+                  <a:pt x="6851580" y="2809677"/>
+                  <a:pt x="6867729" y="2807070"/>
+                  <a:pt x="6884003" y="2806699"/>
+                </a:cubicBezTo>
+                <a:cubicBezTo>
+                  <a:pt x="7115805" y="2801237"/>
+                  <a:pt x="7347351" y="2789070"/>
+                  <a:pt x="7578771" y="2774172"/>
+                </a:cubicBezTo>
+                <a:cubicBezTo>
+                  <a:pt x="7927552" y="2751704"/>
+                  <a:pt x="8276080" y="2723525"/>
+                  <a:pt x="8623845" y="2687275"/>
+                </a:cubicBezTo>
+                <a:cubicBezTo>
+                  <a:pt x="8909939" y="2657977"/>
+                  <a:pt x="9195310" y="2623342"/>
+                  <a:pt x="9479970" y="2583369"/>
+                </a:cubicBezTo>
+                <a:cubicBezTo>
+                  <a:pt x="9864901" y="2528995"/>
+                  <a:pt x="10248014" y="2464281"/>
+                  <a:pt x="10629308" y="2389212"/>
+                </a:cubicBezTo>
+                <a:cubicBezTo>
+                  <a:pt x="11090114" y="2298092"/>
+                  <a:pt x="11546975" y="2190586"/>
+                  <a:pt x="11998498" y="2063218"/>
+                </a:cubicBezTo>
+                <a:lnTo>
+                  <a:pt x="12192000" y="2006219"/>
+                </a:lnTo>
+                <a:lnTo>
+                  <a:pt x="12192000" y="2060956"/>
+                </a:lnTo>
+                <a:lnTo>
+                  <a:pt x="11829257" y="2166255"/>
+                </a:lnTo>
+                <a:cubicBezTo>
+                  <a:pt x="11534769" y="2245952"/>
+                  <a:pt x="11238120" y="2316838"/>
+                  <a:pt x="10939183" y="2380770"/>
+                </a:cubicBezTo>
+                <a:cubicBezTo>
+                  <a:pt x="10622824" y="2448552"/>
+                  <a:pt x="10304941" y="2508549"/>
+                  <a:pt x="9985530" y="2560775"/>
+                </a:cubicBezTo>
+                <a:cubicBezTo>
+                  <a:pt x="9720036" y="2604224"/>
+                  <a:pt x="9453814" y="2642869"/>
+                  <a:pt x="9186882" y="2676722"/>
+                </a:cubicBezTo>
+                <a:cubicBezTo>
+                  <a:pt x="8984197" y="2702296"/>
+                  <a:pt x="8781514" y="2726379"/>
+                  <a:pt x="8578198" y="2746241"/>
+                </a:cubicBezTo>
+                <a:cubicBezTo>
+                  <a:pt x="8340547" y="2768961"/>
+                  <a:pt x="8102644" y="2790436"/>
+                  <a:pt x="7864358" y="2807692"/>
+                </a:cubicBezTo>
+                <a:cubicBezTo>
+                  <a:pt x="7554994" y="2830036"/>
+                  <a:pt x="7245502" y="2847914"/>
+                  <a:pt x="6935502" y="2859086"/>
+                </a:cubicBezTo>
+                <a:cubicBezTo>
+                  <a:pt x="6782917" y="2864549"/>
+                  <a:pt x="6630334" y="2868397"/>
+                  <a:pt x="6477750" y="2872989"/>
+                </a:cubicBezTo>
+                <a:cubicBezTo>
+                  <a:pt x="6439195" y="2870905"/>
+                  <a:pt x="6400529" y="2872530"/>
+                  <a:pt x="6362294" y="2877832"/>
+                </a:cubicBezTo>
+                <a:lnTo>
+                  <a:pt x="6057129" y="2877832"/>
+                </a:lnTo>
+                <a:lnTo>
+                  <a:pt x="5977784" y="2873238"/>
+                </a:lnTo>
+                <a:cubicBezTo>
+                  <a:pt x="5740261" y="2860825"/>
+                  <a:pt x="5502739" y="2847046"/>
+                  <a:pt x="5265087" y="2836989"/>
+                </a:cubicBezTo>
+                <a:cubicBezTo>
+                  <a:pt x="4958267" y="2824573"/>
+                  <a:pt x="4651826" y="2804093"/>
+                  <a:pt x="4346277" y="2774919"/>
+                </a:cubicBezTo>
+                <a:cubicBezTo>
+                  <a:pt x="4021654" y="2744007"/>
+                  <a:pt x="3697795" y="2709372"/>
+                  <a:pt x="3373045" y="2676350"/>
+                </a:cubicBezTo>
+                <a:cubicBezTo>
+                  <a:pt x="3035412" y="2642088"/>
+                  <a:pt x="2698456" y="2602449"/>
+                  <a:pt x="2362173" y="2557423"/>
+                </a:cubicBezTo>
+                <a:cubicBezTo>
+                  <a:pt x="1984692" y="2507270"/>
+                  <a:pt x="1608364" y="2449544"/>
+                  <a:pt x="1233178" y="2384247"/>
+                </a:cubicBezTo>
+                <a:cubicBezTo>
+                  <a:pt x="842181" y="2315534"/>
+                  <a:pt x="453758" y="2237046"/>
+                  <a:pt x="68500" y="2144540"/>
+                </a:cubicBezTo>
+                <a:lnTo>
+                  <a:pt x="0" y="2127185"/>
+                </a:lnTo>
+                <a:lnTo>
+                  <a:pt x="0" y="2070696"/>
+                </a:lnTo>
+                <a:lnTo>
+                  <a:pt x="72441" y="2089473"/>
+                </a:lnTo>
+                <a:cubicBezTo>
+                  <a:pt x="247961" y="2131651"/>
+                  <a:pt x="424164" y="2170911"/>
+                  <a:pt x="600716" y="2207843"/>
+                </a:cubicBezTo>
+                <a:cubicBezTo>
+                  <a:pt x="988279" y="2288657"/>
+                  <a:pt x="1378133" y="2357555"/>
+                  <a:pt x="1769512" y="2418011"/>
+                </a:cubicBezTo>
+                <a:cubicBezTo>
+                  <a:pt x="2052426" y="2461587"/>
+                  <a:pt x="2335725" y="2501684"/>
+                  <a:pt x="2613554" y="2534953"/>
+                </a:cubicBezTo>
+                <a:cubicBezTo>
+                  <a:pt x="2605544" y="2537560"/>
+                  <a:pt x="2594611" y="2527504"/>
+                  <a:pt x="2581134" y="2525022"/>
+                </a:cubicBezTo>
+                <a:cubicBezTo>
+                  <a:pt x="2087178" y="2433070"/>
+                  <a:pt x="1597684" y="2322177"/>
+                  <a:pt x="1112635" y="2192325"/>
+                </a:cubicBezTo>
+                <a:cubicBezTo>
+                  <a:pt x="880453" y="2130254"/>
+                  <a:pt x="649713" y="2063776"/>
+                  <a:pt x="420412" y="1992892"/>
+                </a:cubicBezTo>
+                <a:lnTo>
+                  <a:pt x="0" y="1853975"/>
+                </a:lnTo>
+                <a:close/>
+              </a:path>
+            </a:pathLst>
+          </a:custGeom>
+          <a:solidFill>
+            <a:schemeClr val="accent2"/>
+          </a:solidFill>
+          <a:ln>
+            <a:noFill/>
+          </a:ln>
+        </p:spPr>
+        <p:style>
+          <a:lnRef idx="2">
+            <a:schemeClr val="accent1">
+              <a:shade val="50000"/>
+            </a:schemeClr>
+          </a:lnRef>
+          <a:fillRef idx="1">
+            <a:schemeClr val="accent1"/>
+          </a:fillRef>
+          <a:effectRef idx="0">
+            <a:schemeClr val="accent1"/>
+          </a:effectRef>
+          <a:fontRef idx="minor">
+            <a:schemeClr val="lt1"/>
+          </a:fontRef>
+        </p:style>
+        <p:txBody>
+          <a:bodyPr wrap="square" rtlCol="0" anchor="ctr">
+            <a:noAutofit/>
+          </a:bodyPr>
+          <a:lstStyle/>
+          <a:p>
+            <a:pPr algn="ctr"/>
+            <a:endParaRPr lang="en-US"/>
+          </a:p>
+        </p:txBody>
+      </p:sp>
       <p:sp>
         <p:nvSpPr>
           <p:cNvPr id="4" name="Title 3">
@@ -4224,15 +7289,373 @@
             <p:ph type="title"/>
           </p:nvPr>
         </p:nvSpPr>
-        <p:spPr/>
-        <p:txBody>
-          <a:bodyPr/>
+        <p:spPr>
+          <a:xfrm>
+            <a:off x="638881" y="390525"/>
+            <a:ext cx="10909640" cy="1510301"/>
+          </a:xfrm>
+        </p:spPr>
+        <p:txBody>
+          <a:bodyPr vert="horz" lIns="91440" tIns="45720" rIns="91440" bIns="45720" rtlCol="0" anchor="ctr">
+            <a:normAutofit/>
+          </a:bodyPr>
           <a:lstStyle/>
           <a:p>
-            <a:r>
-              <a:rPr lang="en-BG" dirty="0"/>
+            <a:pPr algn="ctr"/>
+            <a:r>
+              <a:rPr lang="en-US" sz="6600" kern="1200">
+                <a:solidFill>
+                  <a:srgbClr val="FFFFFF"/>
+                </a:solidFill>
+                <a:latin typeface="+mj-lt"/>
+                <a:ea typeface="+mj-ea"/>
+                <a:cs typeface="+mj-cs"/>
+              </a:rPr>
               <a:t>Demo</a:t>
             </a:r>
+          </a:p>
+        </p:txBody>
+      </p:sp>
+      <p:sp>
+        <p:nvSpPr>
+          <p:cNvPr id="4107" name="sketch line">
+            <a:extLst>
+              <a:ext uri="{FF2B5EF4-FFF2-40B4-BE49-F238E27FC236}">
+                <a16:creationId xmlns:a16="http://schemas.microsoft.com/office/drawing/2014/main" id="{56037404-66BD-46B5-9323-1B531319671A}"/>
+              </a:ext>
+              <a:ext uri="{C183D7F6-B498-43B3-948B-1728B52AA6E4}">
+                <adec:decorative xmlns:adec="http://schemas.microsoft.com/office/drawing/2017/decorative" val="1"/>
+              </a:ext>
+            </a:extLst>
+          </p:cNvPr>
+          <p:cNvSpPr>
+            <a:spLocks noGrp="1" noRot="1" noChangeAspect="1" noMove="1" noResize="1" noEditPoints="1" noAdjustHandles="1" noChangeArrowheads="1" noChangeShapeType="1" noTextEdit="1"/>
+          </p:cNvSpPr>
+          <p:nvPr>
+            <p:extLst>
+              <p:ext uri="{386F3935-93C4-4BCD-93E2-E3B085C9AB24}">
+                <p16:designElem xmlns:p16="http://schemas.microsoft.com/office/powerpoint/2015/main" val="1"/>
+              </p:ext>
+            </p:extLst>
+          </p:nvPr>
+        </p:nvSpPr>
+        <p:spPr>
+          <a:xfrm>
+            <a:off x="3974206" y="1753266"/>
+            <a:ext cx="4243589" cy="18288"/>
+          </a:xfrm>
+          <a:custGeom>
+            <a:avLst/>
+            <a:gdLst>
+              <a:gd name="connsiteX0" fmla="*/ 0 w 4243589"/>
+              <a:gd name="connsiteY0" fmla="*/ 0 h 18288"/>
+              <a:gd name="connsiteX1" fmla="*/ 563791 w 4243589"/>
+              <a:gd name="connsiteY1" fmla="*/ 0 h 18288"/>
+              <a:gd name="connsiteX2" fmla="*/ 1042710 w 4243589"/>
+              <a:gd name="connsiteY2" fmla="*/ 0 h 18288"/>
+              <a:gd name="connsiteX3" fmla="*/ 1564066 w 4243589"/>
+              <a:gd name="connsiteY3" fmla="*/ 0 h 18288"/>
+              <a:gd name="connsiteX4" fmla="*/ 2212729 w 4243589"/>
+              <a:gd name="connsiteY4" fmla="*/ 0 h 18288"/>
+              <a:gd name="connsiteX5" fmla="*/ 2776520 w 4243589"/>
+              <a:gd name="connsiteY5" fmla="*/ 0 h 18288"/>
+              <a:gd name="connsiteX6" fmla="*/ 3297875 w 4243589"/>
+              <a:gd name="connsiteY6" fmla="*/ 0 h 18288"/>
+              <a:gd name="connsiteX7" fmla="*/ 4243589 w 4243589"/>
+              <a:gd name="connsiteY7" fmla="*/ 0 h 18288"/>
+              <a:gd name="connsiteX8" fmla="*/ 4243589 w 4243589"/>
+              <a:gd name="connsiteY8" fmla="*/ 18288 h 18288"/>
+              <a:gd name="connsiteX9" fmla="*/ 3637362 w 4243589"/>
+              <a:gd name="connsiteY9" fmla="*/ 18288 h 18288"/>
+              <a:gd name="connsiteX10" fmla="*/ 3116007 w 4243589"/>
+              <a:gd name="connsiteY10" fmla="*/ 18288 h 18288"/>
+              <a:gd name="connsiteX11" fmla="*/ 2424908 w 4243589"/>
+              <a:gd name="connsiteY11" fmla="*/ 18288 h 18288"/>
+              <a:gd name="connsiteX12" fmla="*/ 1861117 w 4243589"/>
+              <a:gd name="connsiteY12" fmla="*/ 18288 h 18288"/>
+              <a:gd name="connsiteX13" fmla="*/ 1382198 w 4243589"/>
+              <a:gd name="connsiteY13" fmla="*/ 18288 h 18288"/>
+              <a:gd name="connsiteX14" fmla="*/ 733535 w 4243589"/>
+              <a:gd name="connsiteY14" fmla="*/ 18288 h 18288"/>
+              <a:gd name="connsiteX15" fmla="*/ 0 w 4243589"/>
+              <a:gd name="connsiteY15" fmla="*/ 18288 h 18288"/>
+              <a:gd name="connsiteX16" fmla="*/ 0 w 4243589"/>
+              <a:gd name="connsiteY16" fmla="*/ 0 h 18288"/>
+            </a:gdLst>
+            <a:ahLst/>
+            <a:cxnLst>
+              <a:cxn ang="0">
+                <a:pos x="connsiteX0" y="connsiteY0"/>
+              </a:cxn>
+              <a:cxn ang="0">
+                <a:pos x="connsiteX1" y="connsiteY1"/>
+              </a:cxn>
+              <a:cxn ang="0">
+                <a:pos x="connsiteX2" y="connsiteY2"/>
+              </a:cxn>
+              <a:cxn ang="0">
+                <a:pos x="connsiteX3" y="connsiteY3"/>
+              </a:cxn>
+              <a:cxn ang="0">
+                <a:pos x="connsiteX4" y="connsiteY4"/>
+              </a:cxn>
+              <a:cxn ang="0">
+                <a:pos x="connsiteX5" y="connsiteY5"/>
+              </a:cxn>
+              <a:cxn ang="0">
+                <a:pos x="connsiteX6" y="connsiteY6"/>
+              </a:cxn>
+              <a:cxn ang="0">
+                <a:pos x="connsiteX7" y="connsiteY7"/>
+              </a:cxn>
+              <a:cxn ang="0">
+                <a:pos x="connsiteX8" y="connsiteY8"/>
+              </a:cxn>
+              <a:cxn ang="0">
+                <a:pos x="connsiteX9" y="connsiteY9"/>
+              </a:cxn>
+              <a:cxn ang="0">
+                <a:pos x="connsiteX10" y="connsiteY10"/>
+              </a:cxn>
+              <a:cxn ang="0">
+                <a:pos x="connsiteX11" y="connsiteY11"/>
+              </a:cxn>
+              <a:cxn ang="0">
+                <a:pos x="connsiteX12" y="connsiteY12"/>
+              </a:cxn>
+              <a:cxn ang="0">
+                <a:pos x="connsiteX13" y="connsiteY13"/>
+              </a:cxn>
+              <a:cxn ang="0">
+                <a:pos x="connsiteX14" y="connsiteY14"/>
+              </a:cxn>
+              <a:cxn ang="0">
+                <a:pos x="connsiteX15" y="connsiteY15"/>
+              </a:cxn>
+              <a:cxn ang="0">
+                <a:pos x="connsiteX16" y="connsiteY16"/>
+              </a:cxn>
+            </a:cxnLst>
+            <a:rect l="l" t="t" r="r" b="b"/>
+            <a:pathLst>
+              <a:path w="4243589" h="18288" fill="none" extrusionOk="0">
+                <a:moveTo>
+                  <a:pt x="0" y="0"/>
+                </a:moveTo>
+                <a:cubicBezTo>
+                  <a:pt x="157351" y="-15653"/>
+                  <a:pt x="378877" y="-5828"/>
+                  <a:pt x="563791" y="0"/>
+                </a:cubicBezTo>
+                <a:cubicBezTo>
+                  <a:pt x="748705" y="5828"/>
+                  <a:pt x="905659" y="-5525"/>
+                  <a:pt x="1042710" y="0"/>
+                </a:cubicBezTo>
+                <a:cubicBezTo>
+                  <a:pt x="1179761" y="5525"/>
+                  <a:pt x="1356845" y="-21288"/>
+                  <a:pt x="1564066" y="0"/>
+                </a:cubicBezTo>
+                <a:cubicBezTo>
+                  <a:pt x="1771287" y="21288"/>
+                  <a:pt x="1912099" y="25135"/>
+                  <a:pt x="2212729" y="0"/>
+                </a:cubicBezTo>
+                <a:cubicBezTo>
+                  <a:pt x="2513359" y="-25135"/>
+                  <a:pt x="2514918" y="-27119"/>
+                  <a:pt x="2776520" y="0"/>
+                </a:cubicBezTo>
+                <a:cubicBezTo>
+                  <a:pt x="3038122" y="27119"/>
+                  <a:pt x="3178771" y="18116"/>
+                  <a:pt x="3297875" y="0"/>
+                </a:cubicBezTo>
+                <a:cubicBezTo>
+                  <a:pt x="3416980" y="-18116"/>
+                  <a:pt x="4012240" y="-40869"/>
+                  <a:pt x="4243589" y="0"/>
+                </a:cubicBezTo>
+                <a:cubicBezTo>
+                  <a:pt x="4243987" y="7429"/>
+                  <a:pt x="4243569" y="10822"/>
+                  <a:pt x="4243589" y="18288"/>
+                </a:cubicBezTo>
+                <a:cubicBezTo>
+                  <a:pt x="4112949" y="-2855"/>
+                  <a:pt x="3928037" y="1831"/>
+                  <a:pt x="3637362" y="18288"/>
+                </a:cubicBezTo>
+                <a:cubicBezTo>
+                  <a:pt x="3346687" y="34745"/>
+                  <a:pt x="3254446" y="26669"/>
+                  <a:pt x="3116007" y="18288"/>
+                </a:cubicBezTo>
+                <a:cubicBezTo>
+                  <a:pt x="2977569" y="9907"/>
+                  <a:pt x="2620228" y="28873"/>
+                  <a:pt x="2424908" y="18288"/>
+                </a:cubicBezTo>
+                <a:cubicBezTo>
+                  <a:pt x="2229588" y="7703"/>
+                  <a:pt x="2088287" y="-3854"/>
+                  <a:pt x="1861117" y="18288"/>
+                </a:cubicBezTo>
+                <a:cubicBezTo>
+                  <a:pt x="1633947" y="40430"/>
+                  <a:pt x="1502447" y="-871"/>
+                  <a:pt x="1382198" y="18288"/>
+                </a:cubicBezTo>
+                <a:cubicBezTo>
+                  <a:pt x="1261949" y="37447"/>
+                  <a:pt x="1045440" y="28353"/>
+                  <a:pt x="733535" y="18288"/>
+                </a:cubicBezTo>
+                <a:cubicBezTo>
+                  <a:pt x="421630" y="8223"/>
+                  <a:pt x="341257" y="-18359"/>
+                  <a:pt x="0" y="18288"/>
+                </a:cubicBezTo>
+                <a:cubicBezTo>
+                  <a:pt x="-591" y="13205"/>
+                  <a:pt x="-663" y="6329"/>
+                  <a:pt x="0" y="0"/>
+                </a:cubicBezTo>
+                <a:close/>
+              </a:path>
+              <a:path w="4243589" h="18288" stroke="0" extrusionOk="0">
+                <a:moveTo>
+                  <a:pt x="0" y="0"/>
+                </a:moveTo>
+                <a:cubicBezTo>
+                  <a:pt x="128164" y="17204"/>
+                  <a:pt x="312653" y="1129"/>
+                  <a:pt x="563791" y="0"/>
+                </a:cubicBezTo>
+                <a:cubicBezTo>
+                  <a:pt x="814929" y="-1129"/>
+                  <a:pt x="837271" y="8503"/>
+                  <a:pt x="1042710" y="0"/>
+                </a:cubicBezTo>
+                <a:cubicBezTo>
+                  <a:pt x="1248149" y="-8503"/>
+                  <a:pt x="1588432" y="-28862"/>
+                  <a:pt x="1733809" y="0"/>
+                </a:cubicBezTo>
+                <a:cubicBezTo>
+                  <a:pt x="1879186" y="28862"/>
+                  <a:pt x="2052815" y="5974"/>
+                  <a:pt x="2297600" y="0"/>
+                </a:cubicBezTo>
+                <a:cubicBezTo>
+                  <a:pt x="2542385" y="-5974"/>
+                  <a:pt x="2699960" y="-23550"/>
+                  <a:pt x="2861391" y="0"/>
+                </a:cubicBezTo>
+                <a:cubicBezTo>
+                  <a:pt x="3022822" y="23550"/>
+                  <a:pt x="3390411" y="25272"/>
+                  <a:pt x="3552490" y="0"/>
+                </a:cubicBezTo>
+                <a:cubicBezTo>
+                  <a:pt x="3714569" y="-25272"/>
+                  <a:pt x="3950585" y="-31327"/>
+                  <a:pt x="4243589" y="0"/>
+                </a:cubicBezTo>
+                <a:cubicBezTo>
+                  <a:pt x="4242703" y="5429"/>
+                  <a:pt x="4244410" y="14046"/>
+                  <a:pt x="4243589" y="18288"/>
+                </a:cubicBezTo>
+                <a:cubicBezTo>
+                  <a:pt x="4130424" y="-1240"/>
+                  <a:pt x="3932803" y="42249"/>
+                  <a:pt x="3722234" y="18288"/>
+                </a:cubicBezTo>
+                <a:cubicBezTo>
+                  <a:pt x="3511665" y="-5673"/>
+                  <a:pt x="3269903" y="45994"/>
+                  <a:pt x="3116007" y="18288"/>
+                </a:cubicBezTo>
+                <a:cubicBezTo>
+                  <a:pt x="2962111" y="-9418"/>
+                  <a:pt x="2744280" y="23224"/>
+                  <a:pt x="2509780" y="18288"/>
+                </a:cubicBezTo>
+                <a:cubicBezTo>
+                  <a:pt x="2275280" y="13352"/>
+                  <a:pt x="2066059" y="43664"/>
+                  <a:pt x="1945989" y="18288"/>
+                </a:cubicBezTo>
+                <a:cubicBezTo>
+                  <a:pt x="1825919" y="-7088"/>
+                  <a:pt x="1407329" y="12616"/>
+                  <a:pt x="1254890" y="18288"/>
+                </a:cubicBezTo>
+                <a:cubicBezTo>
+                  <a:pt x="1102451" y="23960"/>
+                  <a:pt x="837950" y="31673"/>
+                  <a:pt x="563791" y="18288"/>
+                </a:cubicBezTo>
+                <a:cubicBezTo>
+                  <a:pt x="289632" y="4903"/>
+                  <a:pt x="132768" y="7105"/>
+                  <a:pt x="0" y="18288"/>
+                </a:cubicBezTo>
+                <a:cubicBezTo>
+                  <a:pt x="668" y="13665"/>
+                  <a:pt x="578" y="5675"/>
+                  <a:pt x="0" y="0"/>
+                </a:cubicBezTo>
+                <a:close/>
+              </a:path>
+            </a:pathLst>
+          </a:custGeom>
+          <a:solidFill>
+            <a:srgbClr val="FFFFFF"/>
+          </a:solidFill>
+          <a:ln w="38100" cap="rnd">
+            <a:solidFill>
+              <a:srgbClr val="FFFFFF"/>
+            </a:solidFill>
+            <a:round/>
+            <a:extLst>
+              <a:ext uri="{C807C97D-BFC1-408E-A445-0C87EB9F89A2}">
+                <ask:lineSketchStyleProps xmlns:ask="http://schemas.microsoft.com/office/drawing/2018/sketchyshapes" sd="1219033472">
+                  <a:prstGeom prst="rect">
+                    <a:avLst/>
+                  </a:prstGeom>
+                  <ask:type>
+                    <ask:lineSketchFreehand/>
+                  </ask:type>
+                </ask:lineSketchStyleProps>
+              </a:ext>
+            </a:extLst>
+          </a:ln>
+        </p:spPr>
+        <p:style>
+          <a:lnRef idx="2">
+            <a:schemeClr val="accent1">
+              <a:shade val="50000"/>
+            </a:schemeClr>
+          </a:lnRef>
+          <a:fillRef idx="1">
+            <a:schemeClr val="accent1"/>
+          </a:fillRef>
+          <a:effectRef idx="0">
+            <a:schemeClr val="accent1"/>
+          </a:effectRef>
+          <a:fontRef idx="minor">
+            <a:schemeClr val="lt1"/>
+          </a:fontRef>
+        </p:style>
+        <p:txBody>
+          <a:bodyPr rtlCol="0" anchor="ctr"/>
+          <a:lstStyle/>
+          <a:p>
+            <a:pPr algn="ctr"/>
+            <a:endParaRPr lang="en-US"/>
           </a:p>
         </p:txBody>
       </p:sp>
@@ -4258,15 +7681,14 @@
               </a:ext>
             </a:extLst>
           </a:blip>
-          <a:srcRect/>
           <a:stretch>
             <a:fillRect/>
           </a:stretch>
         </p:blipFill>
         <p:spPr bwMode="auto">
           <a:xfrm>
-            <a:off x="3873500" y="2178050"/>
-            <a:ext cx="4445000" cy="2501900"/>
+            <a:off x="3412146" y="3067050"/>
+            <a:ext cx="5364659" cy="3019537"/>
           </a:xfrm>
           <a:prstGeom prst="rect">
             <a:avLst/>
@@ -4299,6 +7721,14 @@
 <file path=ppt/slides/slide8.xml><?xml version="1.0" encoding="utf-8"?>
 <p:sld xmlns:a="http://schemas.openxmlformats.org/drawingml/2006/main" xmlns:r="http://schemas.openxmlformats.org/officeDocument/2006/relationships" xmlns:p="http://schemas.openxmlformats.org/presentationml/2006/main">
   <p:cSld>
+    <p:bg>
+      <p:bgPr>
+        <a:solidFill>
+          <a:schemeClr val="bg1"/>
+        </a:solidFill>
+        <a:effectLst/>
+      </p:bgPr>
+    </p:bg>
     <p:spTree>
       <p:nvGrpSpPr>
         <p:cNvPr id="1" name=""/>
@@ -4313,6 +7743,494 @@
           <a:chExt cx="0" cy="0"/>
         </a:xfrm>
       </p:grpSpPr>
+      <p:sp useBgFill="1">
+        <p:nvSpPr>
+          <p:cNvPr id="9" name="Rectangle 8">
+            <a:extLst>
+              <a:ext uri="{FF2B5EF4-FFF2-40B4-BE49-F238E27FC236}">
+                <a16:creationId xmlns:a16="http://schemas.microsoft.com/office/drawing/2014/main" id="{4E1BEB12-92AF-4445-98AD-4C7756E7C93B}"/>
+              </a:ext>
+              <a:ext uri="{C183D7F6-B498-43B3-948B-1728B52AA6E4}">
+                <adec:decorative xmlns:adec="http://schemas.microsoft.com/office/drawing/2017/decorative" val="1"/>
+              </a:ext>
+            </a:extLst>
+          </p:cNvPr>
+          <p:cNvSpPr>
+            <a:spLocks noGrp="1" noRot="1" noChangeAspect="1" noMove="1" noResize="1" noEditPoints="1" noAdjustHandles="1" noChangeArrowheads="1" noChangeShapeType="1" noTextEdit="1"/>
+          </p:cNvSpPr>
+          <p:nvPr>
+            <p:extLst>
+              <p:ext uri="{386F3935-93C4-4BCD-93E2-E3B085C9AB24}">
+                <p16:designElem xmlns:p16="http://schemas.microsoft.com/office/powerpoint/2015/main" val="1"/>
+              </p:ext>
+            </p:extLst>
+          </p:nvPr>
+        </p:nvSpPr>
+        <p:spPr>
+          <a:xfrm>
+            <a:off x="3048" y="0"/>
+            <a:ext cx="12188952" cy="6858000"/>
+          </a:xfrm>
+          <a:prstGeom prst="rect">
+            <a:avLst/>
+          </a:prstGeom>
+          <a:ln>
+            <a:noFill/>
+          </a:ln>
+        </p:spPr>
+        <p:style>
+          <a:lnRef idx="2">
+            <a:schemeClr val="accent1">
+              <a:shade val="50000"/>
+            </a:schemeClr>
+          </a:lnRef>
+          <a:fillRef idx="1">
+            <a:schemeClr val="accent1"/>
+          </a:fillRef>
+          <a:effectRef idx="0">
+            <a:schemeClr val="accent1"/>
+          </a:effectRef>
+          <a:fontRef idx="minor">
+            <a:schemeClr val="lt1"/>
+          </a:fontRef>
+        </p:style>
+        <p:txBody>
+          <a:bodyPr rtlCol="0" anchor="ctr"/>
+          <a:lstStyle/>
+          <a:p>
+            <a:pPr algn="ctr"/>
+            <a:endParaRPr lang="en-US"/>
+          </a:p>
+        </p:txBody>
+      </p:sp>
+      <p:sp>
+        <p:nvSpPr>
+          <p:cNvPr id="11" name="Rectangle 10">
+            <a:extLst>
+              <a:ext uri="{FF2B5EF4-FFF2-40B4-BE49-F238E27FC236}">
+                <a16:creationId xmlns:a16="http://schemas.microsoft.com/office/drawing/2014/main" id="{D0522C2C-7B5C-48A7-A969-03941E5D2E76}"/>
+              </a:ext>
+              <a:ext uri="{C183D7F6-B498-43B3-948B-1728B52AA6E4}">
+                <adec:decorative xmlns:adec="http://schemas.microsoft.com/office/drawing/2017/decorative" val="1"/>
+              </a:ext>
+            </a:extLst>
+          </p:cNvPr>
+          <p:cNvSpPr>
+            <a:spLocks noGrp="1" noRot="1" noChangeAspect="1" noMove="1" noResize="1" noEditPoints="1" noAdjustHandles="1" noChangeArrowheads="1" noChangeShapeType="1" noTextEdit="1"/>
+          </p:cNvSpPr>
+          <p:nvPr>
+            <p:extLst>
+              <p:ext uri="{386F3935-93C4-4BCD-93E2-E3B085C9AB24}">
+                <p16:designElem xmlns:p16="http://schemas.microsoft.com/office/powerpoint/2015/main" val="1"/>
+              </p:ext>
+            </p:extLst>
+          </p:nvPr>
+        </p:nvSpPr>
+        <p:spPr>
+          <a:xfrm>
+            <a:off x="0" y="0"/>
+            <a:ext cx="12192000" cy="6858000"/>
+          </a:xfrm>
+          <a:prstGeom prst="rect">
+            <a:avLst/>
+          </a:prstGeom>
+          <a:solidFill>
+            <a:schemeClr val="accent2"/>
+          </a:solidFill>
+          <a:ln>
+            <a:noFill/>
+          </a:ln>
+        </p:spPr>
+        <p:style>
+          <a:lnRef idx="2">
+            <a:schemeClr val="accent1">
+              <a:shade val="50000"/>
+            </a:schemeClr>
+          </a:lnRef>
+          <a:fillRef idx="1">
+            <a:schemeClr val="accent1"/>
+          </a:fillRef>
+          <a:effectRef idx="0">
+            <a:schemeClr val="accent1"/>
+          </a:effectRef>
+          <a:fontRef idx="minor">
+            <a:schemeClr val="lt1"/>
+          </a:fontRef>
+        </p:style>
+        <p:txBody>
+          <a:bodyPr rtlCol="0" anchor="ctr"/>
+          <a:lstStyle/>
+          <a:p>
+            <a:pPr algn="ctr"/>
+            <a:endParaRPr lang="en-US">
+              <a:solidFill>
+                <a:schemeClr val="tx1"/>
+              </a:solidFill>
+            </a:endParaRPr>
+          </a:p>
+        </p:txBody>
+      </p:sp>
+      <p:sp>
+        <p:nvSpPr>
+          <p:cNvPr id="13" name="Freeform 13">
+            <a:extLst>
+              <a:ext uri="{FF2B5EF4-FFF2-40B4-BE49-F238E27FC236}">
+                <a16:creationId xmlns:a16="http://schemas.microsoft.com/office/drawing/2014/main" id="{9C682A1A-5B2D-4111-BBD6-620165633E5B}"/>
+              </a:ext>
+              <a:ext uri="{C183D7F6-B498-43B3-948B-1728B52AA6E4}">
+                <adec:decorative xmlns:adec="http://schemas.microsoft.com/office/drawing/2017/decorative" val="1"/>
+              </a:ext>
+            </a:extLst>
+          </p:cNvPr>
+          <p:cNvSpPr>
+            <a:spLocks noGrp="1" noRot="1" noChangeAspect="1" noMove="1" noResize="1" noEditPoints="1" noAdjustHandles="1" noChangeArrowheads="1" noChangeShapeType="1" noTextEdit="1"/>
+          </p:cNvSpPr>
+          <p:nvPr>
+            <p:extLst>
+              <p:ext uri="{386F3935-93C4-4BCD-93E2-E3B085C9AB24}">
+                <p16:designElem xmlns:p16="http://schemas.microsoft.com/office/powerpoint/2015/main" val="1"/>
+              </p:ext>
+            </p:extLst>
+          </p:nvPr>
+        </p:nvSpPr>
+        <p:spPr>
+          <a:xfrm>
+            <a:off x="2769476" y="220196"/>
+            <a:ext cx="9422524" cy="6637806"/>
+          </a:xfrm>
+          <a:custGeom>
+            <a:avLst/>
+            <a:gdLst>
+              <a:gd name="connsiteX0" fmla="*/ 4929467 w 8191500"/>
+              <a:gd name="connsiteY0" fmla="*/ 0 h 5770597"/>
+              <a:gd name="connsiteX1" fmla="*/ 8065066 w 8191500"/>
+              <a:gd name="connsiteY1" fmla="*/ 1118513 h 5770597"/>
+              <a:gd name="connsiteX2" fmla="*/ 8191500 w 8191500"/>
+              <a:gd name="connsiteY2" fmla="*/ 1227339 h 5770597"/>
+              <a:gd name="connsiteX3" fmla="*/ 8191500 w 8191500"/>
+              <a:gd name="connsiteY3" fmla="*/ 5770597 h 5770597"/>
+              <a:gd name="connsiteX4" fmla="*/ 79523 w 8191500"/>
+              <a:gd name="connsiteY4" fmla="*/ 5770597 h 5770597"/>
+              <a:gd name="connsiteX5" fmla="*/ 56799 w 8191500"/>
+              <a:gd name="connsiteY5" fmla="*/ 5644158 h 5770597"/>
+              <a:gd name="connsiteX6" fmla="*/ 0 w 8191500"/>
+              <a:gd name="connsiteY6" fmla="*/ 4898209 h 5770597"/>
+              <a:gd name="connsiteX7" fmla="*/ 4929467 w 8191500"/>
+              <a:gd name="connsiteY7" fmla="*/ 0 h 5770597"/>
+            </a:gdLst>
+            <a:ahLst/>
+            <a:cxnLst>
+              <a:cxn ang="0">
+                <a:pos x="connsiteX0" y="connsiteY0"/>
+              </a:cxn>
+              <a:cxn ang="0">
+                <a:pos x="connsiteX1" y="connsiteY1"/>
+              </a:cxn>
+              <a:cxn ang="0">
+                <a:pos x="connsiteX2" y="connsiteY2"/>
+              </a:cxn>
+              <a:cxn ang="0">
+                <a:pos x="connsiteX3" y="connsiteY3"/>
+              </a:cxn>
+              <a:cxn ang="0">
+                <a:pos x="connsiteX4" y="connsiteY4"/>
+              </a:cxn>
+              <a:cxn ang="0">
+                <a:pos x="connsiteX5" y="connsiteY5"/>
+              </a:cxn>
+              <a:cxn ang="0">
+                <a:pos x="connsiteX6" y="connsiteY6"/>
+              </a:cxn>
+              <a:cxn ang="0">
+                <a:pos x="connsiteX7" y="connsiteY7"/>
+              </a:cxn>
+            </a:cxnLst>
+            <a:rect l="l" t="t" r="r" b="b"/>
+            <a:pathLst>
+              <a:path w="8191500" h="5770597">
+                <a:moveTo>
+                  <a:pt x="4929467" y="0"/>
+                </a:moveTo>
+                <a:cubicBezTo>
+                  <a:pt x="6120547" y="0"/>
+                  <a:pt x="7212963" y="419755"/>
+                  <a:pt x="8065066" y="1118513"/>
+                </a:cubicBezTo>
+                <a:lnTo>
+                  <a:pt x="8191500" y="1227339"/>
+                </a:lnTo>
+                <a:lnTo>
+                  <a:pt x="8191500" y="5770597"/>
+                </a:lnTo>
+                <a:lnTo>
+                  <a:pt x="79523" y="5770597"/>
+                </a:lnTo>
+                <a:lnTo>
+                  <a:pt x="56799" y="5644158"/>
+                </a:lnTo>
+                <a:cubicBezTo>
+                  <a:pt x="19398" y="5400934"/>
+                  <a:pt x="0" y="5151822"/>
+                  <a:pt x="0" y="4898209"/>
+                </a:cubicBezTo>
+                <a:cubicBezTo>
+                  <a:pt x="0" y="2193003"/>
+                  <a:pt x="2206998" y="0"/>
+                  <a:pt x="4929467" y="0"/>
+                </a:cubicBezTo>
+                <a:close/>
+              </a:path>
+            </a:pathLst>
+          </a:custGeom>
+          <a:solidFill>
+            <a:schemeClr val="bg1"/>
+          </a:solidFill>
+          <a:ln>
+            <a:noFill/>
+          </a:ln>
+        </p:spPr>
+        <p:style>
+          <a:lnRef idx="2">
+            <a:schemeClr val="accent1">
+              <a:shade val="50000"/>
+            </a:schemeClr>
+          </a:lnRef>
+          <a:fillRef idx="1">
+            <a:schemeClr val="accent1"/>
+          </a:fillRef>
+          <a:effectRef idx="0">
+            <a:schemeClr val="accent1"/>
+          </a:effectRef>
+          <a:fontRef idx="minor">
+            <a:schemeClr val="lt1"/>
+          </a:fontRef>
+        </p:style>
+        <p:txBody>
+          <a:bodyPr wrap="square" rtlCol="0" anchor="ctr">
+            <a:noAutofit/>
+          </a:bodyPr>
+          <a:lstStyle/>
+          <a:p>
+            <a:pPr marL="0" marR="0" lvl="0" indent="0" algn="ctr" defTabSz="914400" rtl="0" eaLnBrk="1" fontAlgn="auto" latinLnBrk="0" hangingPunct="1">
+              <a:lnSpc>
+                <a:spcPct val="100000"/>
+              </a:lnSpc>
+              <a:spcBef>
+                <a:spcPts val="0"/>
+              </a:spcBef>
+              <a:spcAft>
+                <a:spcPts val="0"/>
+              </a:spcAft>
+              <a:buClrTx/>
+              <a:buSzTx/>
+              <a:buFontTx/>
+              <a:buNone/>
+              <a:tabLst/>
+              <a:defRPr/>
+            </a:pPr>
+            <a:endParaRPr kumimoji="0" lang="en-US" sz="1800" b="0" i="0" u="none" strike="noStrike" kern="1200" cap="none" spc="0" normalizeH="0" baseline="0" noProof="0">
+              <a:ln>
+                <a:noFill/>
+              </a:ln>
+              <a:solidFill>
+                <a:srgbClr val="FFFFFF"/>
+              </a:solidFill>
+              <a:effectLst/>
+              <a:uLnTx/>
+              <a:uFillTx/>
+              <a:latin typeface="Calibri" panose="020F0502020204030204"/>
+              <a:ea typeface="+mn-ea"/>
+              <a:cs typeface="+mn-cs"/>
+            </a:endParaRPr>
+          </a:p>
+        </p:txBody>
+      </p:sp>
+      <p:sp>
+        <p:nvSpPr>
+          <p:cNvPr id="15" name="Oval 14">
+            <a:extLst>
+              <a:ext uri="{FF2B5EF4-FFF2-40B4-BE49-F238E27FC236}">
+                <a16:creationId xmlns:a16="http://schemas.microsoft.com/office/drawing/2014/main" id="{D6EE29F2-D77F-4BD0-A20B-334D316A1C9D}"/>
+              </a:ext>
+              <a:ext uri="{C183D7F6-B498-43B3-948B-1728B52AA6E4}">
+                <adec:decorative xmlns:adec="http://schemas.microsoft.com/office/drawing/2017/decorative" val="1"/>
+              </a:ext>
+            </a:extLst>
+          </p:cNvPr>
+          <p:cNvSpPr>
+            <a:spLocks noGrp="1" noRot="1" noChangeAspect="1" noMove="1" noResize="1" noEditPoints="1" noAdjustHandles="1" noChangeArrowheads="1" noChangeShapeType="1" noTextEdit="1"/>
+          </p:cNvSpPr>
+          <p:nvPr>
+            <p:extLst>
+              <p:ext uri="{386F3935-93C4-4BCD-93E2-E3B085C9AB24}">
+                <p16:designElem xmlns:p16="http://schemas.microsoft.com/office/powerpoint/2015/main" val="1"/>
+              </p:ext>
+            </p:extLst>
+          </p:nvPr>
+        </p:nvSpPr>
+        <p:spPr>
+          <a:xfrm>
+            <a:off x="2209800" y="2099696"/>
+            <a:ext cx="1942241" cy="1889551"/>
+          </a:xfrm>
+          <a:prstGeom prst="ellipse">
+            <a:avLst/>
+          </a:prstGeom>
+          <a:solidFill>
+            <a:schemeClr val="accent4"/>
+          </a:solidFill>
+          <a:ln>
+            <a:noFill/>
+          </a:ln>
+        </p:spPr>
+        <p:style>
+          <a:lnRef idx="2">
+            <a:schemeClr val="accent1">
+              <a:shade val="50000"/>
+            </a:schemeClr>
+          </a:lnRef>
+          <a:fillRef idx="1">
+            <a:schemeClr val="accent1"/>
+          </a:fillRef>
+          <a:effectRef idx="0">
+            <a:schemeClr val="accent1"/>
+          </a:effectRef>
+          <a:fontRef idx="minor">
+            <a:schemeClr val="lt1"/>
+          </a:fontRef>
+        </p:style>
+        <p:txBody>
+          <a:bodyPr rtlCol="0" anchor="ctr"/>
+          <a:lstStyle/>
+          <a:p>
+            <a:pPr marL="0" marR="0" lvl="0" indent="0" algn="ctr" defTabSz="914400" rtl="0" eaLnBrk="1" fontAlgn="auto" latinLnBrk="0" hangingPunct="1">
+              <a:lnSpc>
+                <a:spcPct val="100000"/>
+              </a:lnSpc>
+              <a:spcBef>
+                <a:spcPts val="0"/>
+              </a:spcBef>
+              <a:spcAft>
+                <a:spcPts val="0"/>
+              </a:spcAft>
+              <a:buClrTx/>
+              <a:buSzTx/>
+              <a:buFontTx/>
+              <a:buNone/>
+              <a:tabLst/>
+              <a:defRPr/>
+            </a:pPr>
+            <a:endParaRPr kumimoji="0" lang="en-US" sz="1800" b="0" i="0" u="none" strike="noStrike" kern="1200" cap="none" spc="0" normalizeH="0" baseline="0" noProof="0">
+              <a:ln>
+                <a:noFill/>
+              </a:ln>
+              <a:solidFill>
+                <a:srgbClr val="FFFFFF"/>
+              </a:solidFill>
+              <a:effectLst/>
+              <a:uLnTx/>
+              <a:uFillTx/>
+              <a:latin typeface="Calibri" panose="020F0502020204030204"/>
+              <a:ea typeface="+mn-ea"/>
+              <a:cs typeface="+mn-cs"/>
+            </a:endParaRPr>
+          </a:p>
+        </p:txBody>
+      </p:sp>
+      <p:sp>
+        <p:nvSpPr>
+          <p:cNvPr id="17" name="Arc 16">
+            <a:extLst>
+              <a:ext uri="{FF2B5EF4-FFF2-40B4-BE49-F238E27FC236}">
+                <a16:creationId xmlns:a16="http://schemas.microsoft.com/office/drawing/2014/main" id="{22D09ED2-868F-42C6-866E-F92E0CEF314F}"/>
+              </a:ext>
+              <a:ext uri="{C183D7F6-B498-43B3-948B-1728B52AA6E4}">
+                <adec:decorative xmlns:adec="http://schemas.microsoft.com/office/drawing/2017/decorative" val="1"/>
+              </a:ext>
+            </a:extLst>
+          </p:cNvPr>
+          <p:cNvSpPr>
+            <a:spLocks noGrp="1" noRot="1" noChangeAspect="1" noMove="1" noResize="1" noEditPoints="1" noAdjustHandles="1" noChangeArrowheads="1" noChangeShapeType="1" noTextEdit="1"/>
+          </p:cNvSpPr>
+          <p:nvPr>
+            <p:extLst>
+              <p:ext uri="{386F3935-93C4-4BCD-93E2-E3B085C9AB24}">
+                <p16:designElem xmlns:p16="http://schemas.microsoft.com/office/powerpoint/2015/main" val="1"/>
+              </p:ext>
+            </p:extLst>
+          </p:nvPr>
+        </p:nvSpPr>
+        <p:spPr>
+          <a:xfrm rot="18520172">
+            <a:off x="1613162" y="1492572"/>
+            <a:ext cx="2987899" cy="2987899"/>
+          </a:xfrm>
+          <a:prstGeom prst="arc">
+            <a:avLst>
+              <a:gd name="adj1" fmla="val 14455503"/>
+              <a:gd name="adj2" fmla="val 227775"/>
+            </a:avLst>
+          </a:prstGeom>
+          <a:ln w="127000" cap="rnd">
+            <a:solidFill>
+              <a:schemeClr val="accent4"/>
+            </a:solidFill>
+            <a:prstDash val="dash"/>
+            <a:miter lim="800000"/>
+          </a:ln>
+        </p:spPr>
+        <p:style>
+          <a:lnRef idx="1">
+            <a:schemeClr val="accent1"/>
+          </a:lnRef>
+          <a:fillRef idx="0">
+            <a:schemeClr val="accent1"/>
+          </a:fillRef>
+          <a:effectRef idx="0">
+            <a:schemeClr val="accent1"/>
+          </a:effectRef>
+          <a:fontRef idx="minor">
+            <a:schemeClr val="tx1"/>
+          </a:fontRef>
+        </p:style>
+        <p:txBody>
+          <a:bodyPr rtlCol="0" anchor="ctr"/>
+          <a:lstStyle/>
+          <a:p>
+            <a:pPr marL="0" marR="0" lvl="0" indent="0" algn="ctr" defTabSz="914400" rtl="0" eaLnBrk="1" fontAlgn="auto" latinLnBrk="0" hangingPunct="1">
+              <a:lnSpc>
+                <a:spcPct val="100000"/>
+              </a:lnSpc>
+              <a:spcBef>
+                <a:spcPts val="0"/>
+              </a:spcBef>
+              <a:spcAft>
+                <a:spcPts val="0"/>
+              </a:spcAft>
+              <a:buClrTx/>
+              <a:buSzTx/>
+              <a:buFontTx/>
+              <a:buNone/>
+              <a:tabLst/>
+              <a:defRPr/>
+            </a:pPr>
+            <a:endParaRPr kumimoji="0" lang="en-US" sz="1800" b="0" i="0" u="none" strike="noStrike" kern="1200" cap="none" spc="0" normalizeH="0" baseline="0" noProof="0">
+              <a:ln>
+                <a:noFill/>
+              </a:ln>
+              <a:solidFill>
+                <a:srgbClr val="000000"/>
+              </a:solidFill>
+              <a:effectLst/>
+              <a:uLnTx/>
+              <a:uFillTx/>
+              <a:latin typeface="Calibri" panose="020F0502020204030204"/>
+              <a:ea typeface="+mn-ea"/>
+              <a:cs typeface="+mn-cs"/>
+            </a:endParaRPr>
+          </a:p>
+        </p:txBody>
+      </p:sp>
       <p:sp>
         <p:nvSpPr>
           <p:cNvPr id="3" name="Title 2">
@@ -4329,15 +8247,24 @@
             <p:ph type="ctrTitle"/>
           </p:nvPr>
         </p:nvSpPr>
-        <p:spPr/>
-        <p:txBody>
-          <a:bodyPr/>
+        <p:spPr>
+          <a:xfrm>
+            <a:off x="4038600" y="1939159"/>
+            <a:ext cx="7644627" cy="2751086"/>
+          </a:xfrm>
+        </p:spPr>
+        <p:txBody>
+          <a:bodyPr>
+            <a:normAutofit/>
+          </a:bodyPr>
           <a:lstStyle/>
           <a:p>
+            <a:pPr algn="r"/>
             <a:r>
               <a:rPr lang="en-BG" dirty="0"/>
               <a:t>Thank you &lt;3</a:t>
             </a:r>
+            <a:endParaRPr lang="en-BG"/>
           </a:p>
         </p:txBody>
       </p:sp>
@@ -4357,11 +8284,19 @@
             <p:ph type="subTitle" idx="1"/>
           </p:nvPr>
         </p:nvSpPr>
-        <p:spPr/>
-        <p:txBody>
-          <a:bodyPr/>
+        <p:spPr>
+          <a:xfrm>
+            <a:off x="4038600" y="4782320"/>
+            <a:ext cx="7644627" cy="1329443"/>
+          </a:xfrm>
+        </p:spPr>
+        <p:txBody>
+          <a:bodyPr>
+            <a:normAutofit/>
+          </a:bodyPr>
           <a:lstStyle/>
           <a:p>
+            <a:pPr algn="r"/>
             <a:endParaRPr lang="en-BG"/>
           </a:p>
         </p:txBody>
